--- a/Bachelor_Zwischenstand.pptx
+++ b/Bachelor_Zwischenstand.pptx
@@ -147,6 +147,3371 @@
 
 <file path=ppt/revisionInfo.xml><?xml version="1.0" encoding="utf-8"?>
 <p1510:revInfo xmlns:a="http://schemas.openxmlformats.org/drawingml/2006/main" xmlns:r="http://schemas.openxmlformats.org/officeDocument/2006/relationships" xmlns:p1510="http://schemas.microsoft.com/office/powerpoint/2015/10/main"/>
+</file>
+
+<file path=ppt/charts/chart1.xml><?xml version="1.0" encoding="utf-8"?>
+<c:chartSpace xmlns:c="http://schemas.openxmlformats.org/drawingml/2006/chart" xmlns:a="http://schemas.openxmlformats.org/drawingml/2006/main" xmlns:r="http://schemas.openxmlformats.org/officeDocument/2006/relationships" xmlns:c16r2="http://schemas.microsoft.com/office/drawing/2015/06/chart">
+  <c:date1904 val="0"/>
+  <c:lang val="de-DE"/>
+  <c:roundedCorners val="0"/>
+  <mc:AlternateContent xmlns:mc="http://schemas.openxmlformats.org/markup-compatibility/2006">
+    <mc:Choice xmlns:c14="http://schemas.microsoft.com/office/drawing/2007/8/2/chart" Requires="c14">
+      <c14:style val="102"/>
+    </mc:Choice>
+    <mc:Fallback>
+      <c:style val="2"/>
+    </mc:Fallback>
+  </mc:AlternateContent>
+  <c:chart>
+    <c:title>
+      <c:overlay val="0"/>
+      <c:spPr>
+        <a:noFill/>
+        <a:ln>
+          <a:noFill/>
+        </a:ln>
+        <a:effectLst/>
+      </c:spPr>
+      <c:txPr>
+        <a:bodyPr rot="0" spcFirstLastPara="1" vertOverflow="ellipsis" vert="horz" wrap="square" anchor="ctr" anchorCtr="1"/>
+        <a:lstStyle/>
+        <a:p>
+          <a:pPr>
+            <a:defRPr sz="1400" b="0" i="0" u="none" strike="noStrike" kern="1200" spc="0" baseline="0">
+              <a:solidFill>
+                <a:schemeClr val="tx1">
+                  <a:lumMod val="65000"/>
+                  <a:lumOff val="35000"/>
+                </a:schemeClr>
+              </a:solidFill>
+              <a:latin typeface="+mn-lt"/>
+              <a:ea typeface="+mn-ea"/>
+              <a:cs typeface="+mn-cs"/>
+            </a:defRPr>
+          </a:pPr>
+          <a:endParaRPr lang="de-DE"/>
+        </a:p>
+      </c:txPr>
+    </c:title>
+    <c:autoTitleDeleted val="0"/>
+    <c:plotArea>
+      <c:layout/>
+      <c:lineChart>
+        <c:grouping val="standard"/>
+        <c:varyColors val="0"/>
+        <c:ser>
+          <c:idx val="0"/>
+          <c:order val="0"/>
+          <c:tx>
+            <c:v>Accuracy</c:v>
+          </c:tx>
+          <c:spPr>
+            <a:ln w="28575" cap="rnd">
+              <a:solidFill>
+                <a:schemeClr val="tx2"/>
+              </a:solidFill>
+              <a:round/>
+            </a:ln>
+            <a:effectLst/>
+          </c:spPr>
+          <c:marker>
+            <c:symbol val="none"/>
+          </c:marker>
+          <c:cat>
+            <c:numRef>
+              <c:f>Rides!$A$3:$A$9</c:f>
+              <c:numCache>
+                <c:formatCode>0</c:formatCode>
+                <c:ptCount val="7"/>
+                <c:pt idx="0">
+                  <c:v>1</c:v>
+                </c:pt>
+                <c:pt idx="1">
+                  <c:v>5</c:v>
+                </c:pt>
+                <c:pt idx="2">
+                  <c:v>10</c:v>
+                </c:pt>
+                <c:pt idx="3">
+                  <c:v>50</c:v>
+                </c:pt>
+                <c:pt idx="4">
+                  <c:v>100</c:v>
+                </c:pt>
+                <c:pt idx="5">
+                  <c:v>500</c:v>
+                </c:pt>
+                <c:pt idx="6">
+                  <c:v>1000</c:v>
+                </c:pt>
+              </c:numCache>
+            </c:numRef>
+          </c:cat>
+          <c:val>
+            <c:numRef>
+              <c:f>Rides!$B$3:$B$9</c:f>
+              <c:numCache>
+                <c:formatCode>0.000</c:formatCode>
+                <c:ptCount val="7"/>
+                <c:pt idx="0">
+                  <c:v>0.1</c:v>
+                </c:pt>
+                <c:pt idx="1">
+                  <c:v>-1.49</c:v>
+                </c:pt>
+                <c:pt idx="2">
+                  <c:v>-0.3</c:v>
+                </c:pt>
+                <c:pt idx="3">
+                  <c:v>0.37</c:v>
+                </c:pt>
+                <c:pt idx="4">
+                  <c:v>0.5</c:v>
+                </c:pt>
+                <c:pt idx="5">
+                  <c:v>0.7</c:v>
+                </c:pt>
+                <c:pt idx="6">
+                  <c:v>0.73</c:v>
+                </c:pt>
+              </c:numCache>
+            </c:numRef>
+          </c:val>
+          <c:smooth val="0"/>
+          <c:extLst>
+            <c:ext xmlns:c16="http://schemas.microsoft.com/office/drawing/2014/chart" uri="{C3380CC4-5D6E-409C-BE32-E72D297353CC}">
+              <c16:uniqueId val="{00000000-D350-46D5-85C0-C6212EA174D1}"/>
+            </c:ext>
+          </c:extLst>
+        </c:ser>
+        <c:dLbls>
+          <c:showLegendKey val="0"/>
+          <c:showVal val="0"/>
+          <c:showCatName val="0"/>
+          <c:showSerName val="0"/>
+          <c:showPercent val="0"/>
+          <c:showBubbleSize val="0"/>
+        </c:dLbls>
+        <c:smooth val="0"/>
+        <c:axId val="459571648"/>
+        <c:axId val="459999248"/>
+      </c:lineChart>
+      <c:catAx>
+        <c:axId val="459571648"/>
+        <c:scaling>
+          <c:orientation val="minMax"/>
+        </c:scaling>
+        <c:delete val="0"/>
+        <c:axPos val="b"/>
+        <c:numFmt formatCode="0" sourceLinked="1"/>
+        <c:majorTickMark val="none"/>
+        <c:minorTickMark val="none"/>
+        <c:tickLblPos val="nextTo"/>
+        <c:spPr>
+          <a:noFill/>
+          <a:ln w="9525" cap="flat" cmpd="sng" algn="ctr">
+            <a:solidFill>
+              <a:schemeClr val="tx1">
+                <a:lumMod val="15000"/>
+                <a:lumOff val="85000"/>
+              </a:schemeClr>
+            </a:solidFill>
+            <a:round/>
+          </a:ln>
+          <a:effectLst/>
+        </c:spPr>
+        <c:txPr>
+          <a:bodyPr rot="-60000000" spcFirstLastPara="1" vertOverflow="ellipsis" vert="horz" wrap="square" anchor="ctr" anchorCtr="1"/>
+          <a:lstStyle/>
+          <a:p>
+            <a:pPr>
+              <a:defRPr sz="900" b="0" i="0" u="none" strike="noStrike" kern="1200" baseline="0">
+                <a:solidFill>
+                  <a:schemeClr val="tx1">
+                    <a:lumMod val="65000"/>
+                    <a:lumOff val="35000"/>
+                  </a:schemeClr>
+                </a:solidFill>
+                <a:latin typeface="+mn-lt"/>
+                <a:ea typeface="+mn-ea"/>
+                <a:cs typeface="+mn-cs"/>
+              </a:defRPr>
+            </a:pPr>
+            <a:endParaRPr lang="de-DE"/>
+          </a:p>
+        </c:txPr>
+        <c:crossAx val="459999248"/>
+        <c:crosses val="autoZero"/>
+        <c:auto val="1"/>
+        <c:lblAlgn val="ctr"/>
+        <c:lblOffset val="100"/>
+        <c:noMultiLvlLbl val="0"/>
+      </c:catAx>
+      <c:valAx>
+        <c:axId val="459999248"/>
+        <c:scaling>
+          <c:orientation val="minMax"/>
+        </c:scaling>
+        <c:delete val="0"/>
+        <c:axPos val="l"/>
+        <c:majorGridlines>
+          <c:spPr>
+            <a:ln w="9525" cap="flat" cmpd="sng" algn="ctr">
+              <a:solidFill>
+                <a:schemeClr val="tx1">
+                  <a:lumMod val="15000"/>
+                  <a:lumOff val="85000"/>
+                </a:schemeClr>
+              </a:solidFill>
+              <a:round/>
+            </a:ln>
+            <a:effectLst/>
+          </c:spPr>
+        </c:majorGridlines>
+        <c:numFmt formatCode="0.000" sourceLinked="1"/>
+        <c:majorTickMark val="none"/>
+        <c:minorTickMark val="none"/>
+        <c:tickLblPos val="nextTo"/>
+        <c:spPr>
+          <a:noFill/>
+          <a:ln>
+            <a:noFill/>
+          </a:ln>
+          <a:effectLst/>
+        </c:spPr>
+        <c:txPr>
+          <a:bodyPr rot="-60000000" spcFirstLastPara="1" vertOverflow="ellipsis" vert="horz" wrap="square" anchor="ctr" anchorCtr="1"/>
+          <a:lstStyle/>
+          <a:p>
+            <a:pPr>
+              <a:defRPr sz="900" b="0" i="0" u="none" strike="noStrike" kern="1200" baseline="0">
+                <a:solidFill>
+                  <a:schemeClr val="tx1">
+                    <a:lumMod val="65000"/>
+                    <a:lumOff val="35000"/>
+                  </a:schemeClr>
+                </a:solidFill>
+                <a:latin typeface="+mn-lt"/>
+                <a:ea typeface="+mn-ea"/>
+                <a:cs typeface="+mn-cs"/>
+              </a:defRPr>
+            </a:pPr>
+            <a:endParaRPr lang="de-DE"/>
+          </a:p>
+        </c:txPr>
+        <c:crossAx val="459571648"/>
+        <c:crosses val="autoZero"/>
+        <c:crossBetween val="between"/>
+      </c:valAx>
+      <c:spPr>
+        <a:noFill/>
+        <a:ln>
+          <a:noFill/>
+        </a:ln>
+        <a:effectLst/>
+      </c:spPr>
+    </c:plotArea>
+    <c:plotVisOnly val="1"/>
+    <c:dispBlanksAs val="gap"/>
+    <c:showDLblsOverMax val="0"/>
+  </c:chart>
+  <c:spPr>
+    <a:noFill/>
+    <a:ln>
+      <a:noFill/>
+    </a:ln>
+    <a:effectLst/>
+  </c:spPr>
+  <c:txPr>
+    <a:bodyPr/>
+    <a:lstStyle/>
+    <a:p>
+      <a:pPr>
+        <a:defRPr/>
+      </a:pPr>
+      <a:endParaRPr lang="de-DE"/>
+    </a:p>
+  </c:txPr>
+  <c:externalData r:id="rId3">
+    <c:autoUpdate val="0"/>
+  </c:externalData>
+</c:chartSpace>
+</file>
+
+<file path=ppt/charts/chart2.xml><?xml version="1.0" encoding="utf-8"?>
+<c:chartSpace xmlns:c="http://schemas.openxmlformats.org/drawingml/2006/chart" xmlns:a="http://schemas.openxmlformats.org/drawingml/2006/main" xmlns:r="http://schemas.openxmlformats.org/officeDocument/2006/relationships" xmlns:c16r2="http://schemas.microsoft.com/office/drawing/2015/06/chart">
+  <c:date1904 val="0"/>
+  <c:lang val="de-DE"/>
+  <c:roundedCorners val="0"/>
+  <mc:AlternateContent xmlns:mc="http://schemas.openxmlformats.org/markup-compatibility/2006">
+    <mc:Choice xmlns:c14="http://schemas.microsoft.com/office/drawing/2007/8/2/chart" Requires="c14">
+      <c14:style val="102"/>
+    </mc:Choice>
+    <mc:Fallback>
+      <c:style val="2"/>
+    </mc:Fallback>
+  </mc:AlternateContent>
+  <c:chart>
+    <c:title>
+      <c:overlay val="0"/>
+      <c:spPr>
+        <a:noFill/>
+        <a:ln>
+          <a:noFill/>
+        </a:ln>
+        <a:effectLst/>
+      </c:spPr>
+      <c:txPr>
+        <a:bodyPr rot="0" spcFirstLastPara="1" vertOverflow="ellipsis" vert="horz" wrap="square" anchor="ctr" anchorCtr="1"/>
+        <a:lstStyle/>
+        <a:p>
+          <a:pPr>
+            <a:defRPr sz="1400" b="0" i="0" u="none" strike="noStrike" kern="1200" spc="0" baseline="0">
+              <a:solidFill>
+                <a:schemeClr val="tx1">
+                  <a:lumMod val="65000"/>
+                  <a:lumOff val="35000"/>
+                </a:schemeClr>
+              </a:solidFill>
+              <a:latin typeface="+mn-lt"/>
+              <a:ea typeface="+mn-ea"/>
+              <a:cs typeface="+mn-cs"/>
+            </a:defRPr>
+          </a:pPr>
+          <a:endParaRPr lang="de-DE"/>
+        </a:p>
+      </c:txPr>
+    </c:title>
+    <c:autoTitleDeleted val="0"/>
+    <c:plotArea>
+      <c:layout>
+        <c:manualLayout>
+          <c:layoutTarget val="inner"/>
+          <c:xMode val="edge"/>
+          <c:yMode val="edge"/>
+          <c:x val="7.7225334095086695E-2"/>
+          <c:y val="7.1348940914158304E-2"/>
+          <c:w val="0.88580608202096478"/>
+          <c:h val="0.84749936358289657"/>
+        </c:manualLayout>
+      </c:layout>
+      <c:lineChart>
+        <c:grouping val="standard"/>
+        <c:varyColors val="0"/>
+        <c:ser>
+          <c:idx val="1"/>
+          <c:order val="0"/>
+          <c:tx>
+            <c:strRef>
+              <c:f>Tip!$B$2</c:f>
+              <c:strCache>
+                <c:ptCount val="1"/>
+                <c:pt idx="0">
+                  <c:v>Accuracy</c:v>
+                </c:pt>
+              </c:strCache>
+            </c:strRef>
+          </c:tx>
+          <c:spPr>
+            <a:ln w="28575" cap="rnd">
+              <a:solidFill>
+                <a:schemeClr val="tx2"/>
+              </a:solidFill>
+              <a:round/>
+            </a:ln>
+            <a:effectLst/>
+          </c:spPr>
+          <c:marker>
+            <c:symbol val="none"/>
+          </c:marker>
+          <c:cat>
+            <c:numRef>
+              <c:f>Tip!$A$3:$A$9</c:f>
+              <c:numCache>
+                <c:formatCode>0</c:formatCode>
+                <c:ptCount val="7"/>
+                <c:pt idx="0">
+                  <c:v>1</c:v>
+                </c:pt>
+                <c:pt idx="1">
+                  <c:v>5</c:v>
+                </c:pt>
+                <c:pt idx="2">
+                  <c:v>10</c:v>
+                </c:pt>
+                <c:pt idx="3">
+                  <c:v>50</c:v>
+                </c:pt>
+                <c:pt idx="4">
+                  <c:v>100</c:v>
+                </c:pt>
+                <c:pt idx="5">
+                  <c:v>500</c:v>
+                </c:pt>
+                <c:pt idx="6">
+                  <c:v>1000</c:v>
+                </c:pt>
+              </c:numCache>
+            </c:numRef>
+          </c:cat>
+          <c:val>
+            <c:numRef>
+              <c:f>Tip!$B$3:$B$9</c:f>
+              <c:numCache>
+                <c:formatCode>0.000</c:formatCode>
+                <c:ptCount val="7"/>
+                <c:pt idx="0">
+                  <c:v>0.38</c:v>
+                </c:pt>
+                <c:pt idx="1">
+                  <c:v>0.74</c:v>
+                </c:pt>
+                <c:pt idx="2">
+                  <c:v>0.78900000000000003</c:v>
+                </c:pt>
+                <c:pt idx="3">
+                  <c:v>0.83699999999999997</c:v>
+                </c:pt>
+                <c:pt idx="4">
+                  <c:v>0.85</c:v>
+                </c:pt>
+                <c:pt idx="5">
+                  <c:v>0.88</c:v>
+                </c:pt>
+                <c:pt idx="6">
+                  <c:v>0.89500000000000002</c:v>
+                </c:pt>
+              </c:numCache>
+            </c:numRef>
+          </c:val>
+          <c:smooth val="0"/>
+          <c:extLst>
+            <c:ext xmlns:c16="http://schemas.microsoft.com/office/drawing/2014/chart" uri="{C3380CC4-5D6E-409C-BE32-E72D297353CC}">
+              <c16:uniqueId val="{00000000-08B6-49F8-B6EF-BF28C3726E24}"/>
+            </c:ext>
+          </c:extLst>
+        </c:ser>
+        <c:dLbls>
+          <c:showLegendKey val="0"/>
+          <c:showVal val="0"/>
+          <c:showCatName val="0"/>
+          <c:showSerName val="0"/>
+          <c:showPercent val="0"/>
+          <c:showBubbleSize val="0"/>
+        </c:dLbls>
+        <c:smooth val="0"/>
+        <c:axId val="457214808"/>
+        <c:axId val="457215136"/>
+      </c:lineChart>
+      <c:catAx>
+        <c:axId val="457214808"/>
+        <c:scaling>
+          <c:orientation val="minMax"/>
+        </c:scaling>
+        <c:delete val="0"/>
+        <c:axPos val="b"/>
+        <c:numFmt formatCode="0" sourceLinked="1"/>
+        <c:majorTickMark val="none"/>
+        <c:minorTickMark val="none"/>
+        <c:tickLblPos val="nextTo"/>
+        <c:spPr>
+          <a:noFill/>
+          <a:ln w="9525" cap="flat" cmpd="sng" algn="ctr">
+            <a:solidFill>
+              <a:schemeClr val="tx1">
+                <a:lumMod val="15000"/>
+                <a:lumOff val="85000"/>
+              </a:schemeClr>
+            </a:solidFill>
+            <a:round/>
+          </a:ln>
+          <a:effectLst/>
+        </c:spPr>
+        <c:txPr>
+          <a:bodyPr rot="-60000000" spcFirstLastPara="1" vertOverflow="ellipsis" vert="horz" wrap="square" anchor="ctr" anchorCtr="1"/>
+          <a:lstStyle/>
+          <a:p>
+            <a:pPr>
+              <a:defRPr sz="900" b="0" i="0" u="none" strike="noStrike" kern="1200" baseline="0">
+                <a:solidFill>
+                  <a:schemeClr val="tx1">
+                    <a:lumMod val="65000"/>
+                    <a:lumOff val="35000"/>
+                  </a:schemeClr>
+                </a:solidFill>
+                <a:latin typeface="+mn-lt"/>
+                <a:ea typeface="+mn-ea"/>
+                <a:cs typeface="+mn-cs"/>
+              </a:defRPr>
+            </a:pPr>
+            <a:endParaRPr lang="de-DE"/>
+          </a:p>
+        </c:txPr>
+        <c:crossAx val="457215136"/>
+        <c:crosses val="autoZero"/>
+        <c:auto val="1"/>
+        <c:lblAlgn val="ctr"/>
+        <c:lblOffset val="100"/>
+        <c:noMultiLvlLbl val="0"/>
+      </c:catAx>
+      <c:valAx>
+        <c:axId val="457215136"/>
+        <c:scaling>
+          <c:orientation val="minMax"/>
+        </c:scaling>
+        <c:delete val="0"/>
+        <c:axPos val="l"/>
+        <c:majorGridlines>
+          <c:spPr>
+            <a:ln w="9525" cap="flat" cmpd="sng" algn="ctr">
+              <a:solidFill>
+                <a:schemeClr val="tx1">
+                  <a:lumMod val="15000"/>
+                  <a:lumOff val="85000"/>
+                </a:schemeClr>
+              </a:solidFill>
+              <a:round/>
+            </a:ln>
+            <a:effectLst/>
+          </c:spPr>
+        </c:majorGridlines>
+        <c:numFmt formatCode="0.000" sourceLinked="1"/>
+        <c:majorTickMark val="none"/>
+        <c:minorTickMark val="none"/>
+        <c:tickLblPos val="nextTo"/>
+        <c:spPr>
+          <a:noFill/>
+          <a:ln>
+            <a:noFill/>
+          </a:ln>
+          <a:effectLst/>
+        </c:spPr>
+        <c:txPr>
+          <a:bodyPr rot="-60000000" spcFirstLastPara="1" vertOverflow="ellipsis" vert="horz" wrap="square" anchor="ctr" anchorCtr="1"/>
+          <a:lstStyle/>
+          <a:p>
+            <a:pPr>
+              <a:defRPr sz="900" b="0" i="0" u="none" strike="noStrike" kern="1200" baseline="0">
+                <a:solidFill>
+                  <a:schemeClr val="tx1">
+                    <a:lumMod val="65000"/>
+                    <a:lumOff val="35000"/>
+                  </a:schemeClr>
+                </a:solidFill>
+                <a:latin typeface="+mn-lt"/>
+                <a:ea typeface="+mn-ea"/>
+                <a:cs typeface="+mn-cs"/>
+              </a:defRPr>
+            </a:pPr>
+            <a:endParaRPr lang="de-DE"/>
+          </a:p>
+        </c:txPr>
+        <c:crossAx val="457214808"/>
+        <c:crosses val="autoZero"/>
+        <c:crossBetween val="between"/>
+      </c:valAx>
+      <c:spPr>
+        <a:noFill/>
+        <a:ln>
+          <a:noFill/>
+        </a:ln>
+        <a:effectLst/>
+      </c:spPr>
+    </c:plotArea>
+    <c:plotVisOnly val="1"/>
+    <c:dispBlanksAs val="gap"/>
+    <c:showDLblsOverMax val="0"/>
+  </c:chart>
+  <c:spPr>
+    <a:noFill/>
+    <a:ln>
+      <a:noFill/>
+    </a:ln>
+    <a:effectLst/>
+  </c:spPr>
+  <c:txPr>
+    <a:bodyPr/>
+    <a:lstStyle/>
+    <a:p>
+      <a:pPr>
+        <a:defRPr/>
+      </a:pPr>
+      <a:endParaRPr lang="de-DE"/>
+    </a:p>
+  </c:txPr>
+  <c:externalData r:id="rId3">
+    <c:autoUpdate val="0"/>
+  </c:externalData>
+</c:chartSpace>
+</file>
+
+<file path=ppt/charts/chart3.xml><?xml version="1.0" encoding="utf-8"?>
+<c:chartSpace xmlns:c="http://schemas.openxmlformats.org/drawingml/2006/chart" xmlns:a="http://schemas.openxmlformats.org/drawingml/2006/main" xmlns:r="http://schemas.openxmlformats.org/officeDocument/2006/relationships" xmlns:c16r2="http://schemas.microsoft.com/office/drawing/2015/06/chart">
+  <c:date1904 val="0"/>
+  <c:lang val="de-DE"/>
+  <c:roundedCorners val="0"/>
+  <mc:AlternateContent xmlns:mc="http://schemas.openxmlformats.org/markup-compatibility/2006">
+    <mc:Choice xmlns:c14="http://schemas.microsoft.com/office/drawing/2007/8/2/chart" Requires="c14">
+      <c14:style val="102"/>
+    </mc:Choice>
+    <mc:Fallback>
+      <c:style val="2"/>
+    </mc:Fallback>
+  </mc:AlternateContent>
+  <c:chart>
+    <c:title>
+      <c:overlay val="0"/>
+      <c:spPr>
+        <a:noFill/>
+        <a:ln>
+          <a:noFill/>
+        </a:ln>
+        <a:effectLst/>
+      </c:spPr>
+      <c:txPr>
+        <a:bodyPr rot="0" spcFirstLastPara="1" vertOverflow="ellipsis" vert="horz" wrap="square" anchor="ctr" anchorCtr="1"/>
+        <a:lstStyle/>
+        <a:p>
+          <a:pPr>
+            <a:defRPr sz="1400" b="0" i="0" u="none" strike="noStrike" kern="1200" spc="0" baseline="0">
+              <a:solidFill>
+                <a:schemeClr val="tx1">
+                  <a:lumMod val="65000"/>
+                  <a:lumOff val="35000"/>
+                </a:schemeClr>
+              </a:solidFill>
+              <a:latin typeface="+mn-lt"/>
+              <a:ea typeface="+mn-ea"/>
+              <a:cs typeface="+mn-cs"/>
+            </a:defRPr>
+          </a:pPr>
+          <a:endParaRPr lang="de-DE"/>
+        </a:p>
+      </c:txPr>
+    </c:title>
+    <c:autoTitleDeleted val="0"/>
+    <c:plotArea>
+      <c:layout/>
+      <c:lineChart>
+        <c:grouping val="standard"/>
+        <c:varyColors val="0"/>
+        <c:ser>
+          <c:idx val="1"/>
+          <c:order val="0"/>
+          <c:tx>
+            <c:v>Accuracy</c:v>
+          </c:tx>
+          <c:spPr>
+            <a:ln w="28575" cap="rnd">
+              <a:solidFill>
+                <a:schemeClr val="tx2"/>
+              </a:solidFill>
+              <a:round/>
+            </a:ln>
+            <a:effectLst/>
+          </c:spPr>
+          <c:marker>
+            <c:symbol val="none"/>
+          </c:marker>
+          <c:val>
+            <c:numRef>
+              <c:f>RevenueAVG!$B$3:$B$9</c:f>
+              <c:numCache>
+                <c:formatCode>0.000</c:formatCode>
+                <c:ptCount val="7"/>
+                <c:pt idx="0">
+                  <c:v>0.01</c:v>
+                </c:pt>
+                <c:pt idx="1">
+                  <c:v>-7.0000000000000007E-2</c:v>
+                </c:pt>
+                <c:pt idx="2">
+                  <c:v>-0.2</c:v>
+                </c:pt>
+                <c:pt idx="3">
+                  <c:v>0</c:v>
+                </c:pt>
+                <c:pt idx="4">
+                  <c:v>0.18</c:v>
+                </c:pt>
+                <c:pt idx="5">
+                  <c:v>0.31</c:v>
+                </c:pt>
+                <c:pt idx="6">
+                  <c:v>0.31</c:v>
+                </c:pt>
+              </c:numCache>
+            </c:numRef>
+          </c:val>
+          <c:smooth val="0"/>
+          <c:extLst>
+            <c:ext xmlns:c16="http://schemas.microsoft.com/office/drawing/2014/chart" uri="{C3380CC4-5D6E-409C-BE32-E72D297353CC}">
+              <c16:uniqueId val="{00000000-47DC-4947-8727-E928BDEAC05D}"/>
+            </c:ext>
+          </c:extLst>
+        </c:ser>
+        <c:dLbls>
+          <c:showLegendKey val="0"/>
+          <c:showVal val="0"/>
+          <c:showCatName val="0"/>
+          <c:showSerName val="0"/>
+          <c:showPercent val="0"/>
+          <c:showBubbleSize val="0"/>
+        </c:dLbls>
+        <c:smooth val="0"/>
+        <c:axId val="460140904"/>
+        <c:axId val="460141232"/>
+      </c:lineChart>
+      <c:catAx>
+        <c:axId val="460140904"/>
+        <c:scaling>
+          <c:orientation val="minMax"/>
+        </c:scaling>
+        <c:delete val="0"/>
+        <c:axPos val="b"/>
+        <c:numFmt formatCode="0" sourceLinked="1"/>
+        <c:majorTickMark val="none"/>
+        <c:minorTickMark val="none"/>
+        <c:tickLblPos val="nextTo"/>
+        <c:spPr>
+          <a:noFill/>
+          <a:ln w="9525" cap="flat" cmpd="sng" algn="ctr">
+            <a:solidFill>
+              <a:schemeClr val="tx1">
+                <a:lumMod val="15000"/>
+                <a:lumOff val="85000"/>
+              </a:schemeClr>
+            </a:solidFill>
+            <a:round/>
+          </a:ln>
+          <a:effectLst/>
+        </c:spPr>
+        <c:txPr>
+          <a:bodyPr rot="-60000000" spcFirstLastPara="1" vertOverflow="ellipsis" vert="horz" wrap="square" anchor="ctr" anchorCtr="1"/>
+          <a:lstStyle/>
+          <a:p>
+            <a:pPr>
+              <a:defRPr sz="900" b="0" i="0" u="none" strike="noStrike" kern="1200" baseline="0">
+                <a:solidFill>
+                  <a:schemeClr val="tx1">
+                    <a:lumMod val="65000"/>
+                    <a:lumOff val="35000"/>
+                  </a:schemeClr>
+                </a:solidFill>
+                <a:latin typeface="+mn-lt"/>
+                <a:ea typeface="+mn-ea"/>
+                <a:cs typeface="+mn-cs"/>
+              </a:defRPr>
+            </a:pPr>
+            <a:endParaRPr lang="de-DE"/>
+          </a:p>
+        </c:txPr>
+        <c:crossAx val="460141232"/>
+        <c:crosses val="autoZero"/>
+        <c:auto val="1"/>
+        <c:lblAlgn val="ctr"/>
+        <c:lblOffset val="100"/>
+        <c:noMultiLvlLbl val="0"/>
+      </c:catAx>
+      <c:valAx>
+        <c:axId val="460141232"/>
+        <c:scaling>
+          <c:orientation val="minMax"/>
+        </c:scaling>
+        <c:delete val="0"/>
+        <c:axPos val="l"/>
+        <c:majorGridlines>
+          <c:spPr>
+            <a:ln w="9525" cap="flat" cmpd="sng" algn="ctr">
+              <a:solidFill>
+                <a:schemeClr val="tx1">
+                  <a:lumMod val="15000"/>
+                  <a:lumOff val="85000"/>
+                </a:schemeClr>
+              </a:solidFill>
+              <a:round/>
+            </a:ln>
+            <a:effectLst/>
+          </c:spPr>
+        </c:majorGridlines>
+        <c:numFmt formatCode="0.000" sourceLinked="1"/>
+        <c:majorTickMark val="none"/>
+        <c:minorTickMark val="none"/>
+        <c:tickLblPos val="nextTo"/>
+        <c:spPr>
+          <a:noFill/>
+          <a:ln>
+            <a:noFill/>
+          </a:ln>
+          <a:effectLst/>
+        </c:spPr>
+        <c:txPr>
+          <a:bodyPr rot="-60000000" spcFirstLastPara="1" vertOverflow="ellipsis" vert="horz" wrap="square" anchor="ctr" anchorCtr="1"/>
+          <a:lstStyle/>
+          <a:p>
+            <a:pPr>
+              <a:defRPr sz="900" b="0" i="0" u="none" strike="noStrike" kern="1200" baseline="0">
+                <a:solidFill>
+                  <a:schemeClr val="tx1">
+                    <a:lumMod val="65000"/>
+                    <a:lumOff val="35000"/>
+                  </a:schemeClr>
+                </a:solidFill>
+                <a:latin typeface="+mn-lt"/>
+                <a:ea typeface="+mn-ea"/>
+                <a:cs typeface="+mn-cs"/>
+              </a:defRPr>
+            </a:pPr>
+            <a:endParaRPr lang="de-DE"/>
+          </a:p>
+        </c:txPr>
+        <c:crossAx val="460140904"/>
+        <c:crosses val="autoZero"/>
+        <c:crossBetween val="between"/>
+      </c:valAx>
+      <c:spPr>
+        <a:noFill/>
+        <a:ln>
+          <a:noFill/>
+        </a:ln>
+        <a:effectLst/>
+      </c:spPr>
+    </c:plotArea>
+    <c:plotVisOnly val="1"/>
+    <c:dispBlanksAs val="gap"/>
+    <c:showDLblsOverMax val="0"/>
+  </c:chart>
+  <c:spPr>
+    <a:noFill/>
+    <a:ln>
+      <a:noFill/>
+    </a:ln>
+    <a:effectLst/>
+  </c:spPr>
+  <c:txPr>
+    <a:bodyPr/>
+    <a:lstStyle/>
+    <a:p>
+      <a:pPr>
+        <a:defRPr/>
+      </a:pPr>
+      <a:endParaRPr lang="de-DE"/>
+    </a:p>
+  </c:txPr>
+  <c:externalData r:id="rId3">
+    <c:autoUpdate val="0"/>
+  </c:externalData>
+</c:chartSpace>
+</file>
+
+<file path=ppt/charts/chart4.xml><?xml version="1.0" encoding="utf-8"?>
+<c:chartSpace xmlns:c="http://schemas.openxmlformats.org/drawingml/2006/chart" xmlns:a="http://schemas.openxmlformats.org/drawingml/2006/main" xmlns:r="http://schemas.openxmlformats.org/officeDocument/2006/relationships" xmlns:c16r2="http://schemas.microsoft.com/office/drawing/2015/06/chart">
+  <c:date1904 val="0"/>
+  <c:lang val="de-DE"/>
+  <c:roundedCorners val="0"/>
+  <mc:AlternateContent xmlns:mc="http://schemas.openxmlformats.org/markup-compatibility/2006">
+    <mc:Choice xmlns:c14="http://schemas.microsoft.com/office/drawing/2007/8/2/chart" Requires="c14">
+      <c14:style val="102"/>
+    </mc:Choice>
+    <mc:Fallback>
+      <c:style val="2"/>
+    </mc:Fallback>
+  </mc:AlternateContent>
+  <c:chart>
+    <c:title>
+      <c:overlay val="0"/>
+      <c:spPr>
+        <a:noFill/>
+        <a:ln>
+          <a:noFill/>
+        </a:ln>
+        <a:effectLst/>
+      </c:spPr>
+      <c:txPr>
+        <a:bodyPr rot="0" spcFirstLastPara="1" vertOverflow="ellipsis" vert="horz" wrap="square" anchor="ctr" anchorCtr="1"/>
+        <a:lstStyle/>
+        <a:p>
+          <a:pPr>
+            <a:defRPr sz="1400" b="0" i="0" u="none" strike="noStrike" kern="1200" spc="0" baseline="0">
+              <a:solidFill>
+                <a:schemeClr val="tx1">
+                  <a:lumMod val="65000"/>
+                  <a:lumOff val="35000"/>
+                </a:schemeClr>
+              </a:solidFill>
+              <a:latin typeface="+mn-lt"/>
+              <a:ea typeface="+mn-ea"/>
+              <a:cs typeface="+mn-cs"/>
+            </a:defRPr>
+          </a:pPr>
+          <a:endParaRPr lang="de-DE"/>
+        </a:p>
+      </c:txPr>
+    </c:title>
+    <c:autoTitleDeleted val="0"/>
+    <c:plotArea>
+      <c:layout/>
+      <c:lineChart>
+        <c:grouping val="standard"/>
+        <c:varyColors val="0"/>
+        <c:ser>
+          <c:idx val="0"/>
+          <c:order val="0"/>
+          <c:tx>
+            <c:v>Accuracy</c:v>
+          </c:tx>
+          <c:spPr>
+            <a:ln w="28575" cap="rnd">
+              <a:solidFill>
+                <a:schemeClr val="tx2"/>
+              </a:solidFill>
+              <a:round/>
+            </a:ln>
+            <a:effectLst/>
+          </c:spPr>
+          <c:marker>
+            <c:symbol val="none"/>
+          </c:marker>
+          <c:cat>
+            <c:numRef>
+              <c:f>Rates!$A$3:$A$10</c:f>
+              <c:numCache>
+                <c:formatCode>0</c:formatCode>
+                <c:ptCount val="8"/>
+                <c:pt idx="0">
+                  <c:v>1</c:v>
+                </c:pt>
+                <c:pt idx="1">
+                  <c:v>5</c:v>
+                </c:pt>
+                <c:pt idx="2">
+                  <c:v>10</c:v>
+                </c:pt>
+                <c:pt idx="3">
+                  <c:v>50</c:v>
+                </c:pt>
+                <c:pt idx="4">
+                  <c:v>100</c:v>
+                </c:pt>
+                <c:pt idx="5">
+                  <c:v>500</c:v>
+                </c:pt>
+                <c:pt idx="6">
+                  <c:v>1000</c:v>
+                </c:pt>
+              </c:numCache>
+            </c:numRef>
+          </c:cat>
+          <c:val>
+            <c:numRef>
+              <c:f>Rates!$B$3:$B$8</c:f>
+              <c:numCache>
+                <c:formatCode>0.000</c:formatCode>
+                <c:ptCount val="6"/>
+                <c:pt idx="0">
+                  <c:v>0.97499999999999998</c:v>
+                </c:pt>
+                <c:pt idx="1">
+                  <c:v>0.99299999999999999</c:v>
+                </c:pt>
+                <c:pt idx="2">
+                  <c:v>0.99370000000000003</c:v>
+                </c:pt>
+                <c:pt idx="3">
+                  <c:v>0.995</c:v>
+                </c:pt>
+                <c:pt idx="4">
+                  <c:v>0.997</c:v>
+                </c:pt>
+                <c:pt idx="5">
+                  <c:v>0.997</c:v>
+                </c:pt>
+              </c:numCache>
+            </c:numRef>
+          </c:val>
+          <c:smooth val="0"/>
+          <c:extLst>
+            <c:ext xmlns:c16="http://schemas.microsoft.com/office/drawing/2014/chart" uri="{C3380CC4-5D6E-409C-BE32-E72D297353CC}">
+              <c16:uniqueId val="{00000000-F064-4673-8C2C-EC0087F3ED4B}"/>
+            </c:ext>
+          </c:extLst>
+        </c:ser>
+        <c:dLbls>
+          <c:showLegendKey val="0"/>
+          <c:showVal val="0"/>
+          <c:showCatName val="0"/>
+          <c:showSerName val="0"/>
+          <c:showPercent val="0"/>
+          <c:showBubbleSize val="0"/>
+        </c:dLbls>
+        <c:smooth val="0"/>
+        <c:axId val="461312648"/>
+        <c:axId val="461309696"/>
+      </c:lineChart>
+      <c:catAx>
+        <c:axId val="461312648"/>
+        <c:scaling>
+          <c:orientation val="minMax"/>
+        </c:scaling>
+        <c:delete val="0"/>
+        <c:axPos val="b"/>
+        <c:numFmt formatCode="0" sourceLinked="1"/>
+        <c:majorTickMark val="none"/>
+        <c:minorTickMark val="none"/>
+        <c:tickLblPos val="nextTo"/>
+        <c:spPr>
+          <a:noFill/>
+          <a:ln w="9525" cap="flat" cmpd="sng" algn="ctr">
+            <a:solidFill>
+              <a:schemeClr val="tx1">
+                <a:lumMod val="15000"/>
+                <a:lumOff val="85000"/>
+              </a:schemeClr>
+            </a:solidFill>
+            <a:round/>
+          </a:ln>
+          <a:effectLst/>
+        </c:spPr>
+        <c:txPr>
+          <a:bodyPr rot="-60000000" spcFirstLastPara="1" vertOverflow="ellipsis" vert="horz" wrap="square" anchor="ctr" anchorCtr="1"/>
+          <a:lstStyle/>
+          <a:p>
+            <a:pPr>
+              <a:defRPr sz="900" b="0" i="0" u="none" strike="noStrike" kern="1200" baseline="0">
+                <a:solidFill>
+                  <a:schemeClr val="tx1">
+                    <a:lumMod val="65000"/>
+                    <a:lumOff val="35000"/>
+                  </a:schemeClr>
+                </a:solidFill>
+                <a:latin typeface="+mn-lt"/>
+                <a:ea typeface="+mn-ea"/>
+                <a:cs typeface="+mn-cs"/>
+              </a:defRPr>
+            </a:pPr>
+            <a:endParaRPr lang="de-DE"/>
+          </a:p>
+        </c:txPr>
+        <c:crossAx val="461309696"/>
+        <c:crosses val="autoZero"/>
+        <c:auto val="1"/>
+        <c:lblAlgn val="ctr"/>
+        <c:lblOffset val="100"/>
+        <c:noMultiLvlLbl val="0"/>
+      </c:catAx>
+      <c:valAx>
+        <c:axId val="461309696"/>
+        <c:scaling>
+          <c:orientation val="minMax"/>
+        </c:scaling>
+        <c:delete val="0"/>
+        <c:axPos val="l"/>
+        <c:majorGridlines>
+          <c:spPr>
+            <a:ln w="9525" cap="flat" cmpd="sng" algn="ctr">
+              <a:solidFill>
+                <a:schemeClr val="tx1">
+                  <a:lumMod val="15000"/>
+                  <a:lumOff val="85000"/>
+                </a:schemeClr>
+              </a:solidFill>
+              <a:round/>
+            </a:ln>
+            <a:effectLst/>
+          </c:spPr>
+        </c:majorGridlines>
+        <c:numFmt formatCode="0.000" sourceLinked="1"/>
+        <c:majorTickMark val="none"/>
+        <c:minorTickMark val="none"/>
+        <c:tickLblPos val="nextTo"/>
+        <c:spPr>
+          <a:noFill/>
+          <a:ln>
+            <a:noFill/>
+          </a:ln>
+          <a:effectLst/>
+        </c:spPr>
+        <c:txPr>
+          <a:bodyPr rot="-60000000" spcFirstLastPara="1" vertOverflow="ellipsis" vert="horz" wrap="square" anchor="ctr" anchorCtr="1"/>
+          <a:lstStyle/>
+          <a:p>
+            <a:pPr>
+              <a:defRPr sz="900" b="0" i="0" u="none" strike="noStrike" kern="1200" baseline="0">
+                <a:solidFill>
+                  <a:schemeClr val="tx1">
+                    <a:lumMod val="65000"/>
+                    <a:lumOff val="35000"/>
+                  </a:schemeClr>
+                </a:solidFill>
+                <a:latin typeface="+mn-lt"/>
+                <a:ea typeface="+mn-ea"/>
+                <a:cs typeface="+mn-cs"/>
+              </a:defRPr>
+            </a:pPr>
+            <a:endParaRPr lang="de-DE"/>
+          </a:p>
+        </c:txPr>
+        <c:crossAx val="461312648"/>
+        <c:crosses val="autoZero"/>
+        <c:crossBetween val="between"/>
+      </c:valAx>
+      <c:spPr>
+        <a:noFill/>
+        <a:ln>
+          <a:noFill/>
+        </a:ln>
+        <a:effectLst/>
+      </c:spPr>
+    </c:plotArea>
+    <c:plotVisOnly val="1"/>
+    <c:dispBlanksAs val="gap"/>
+    <c:showDLblsOverMax val="0"/>
+  </c:chart>
+  <c:spPr>
+    <a:noFill/>
+    <a:ln>
+      <a:noFill/>
+    </a:ln>
+    <a:effectLst/>
+  </c:spPr>
+  <c:txPr>
+    <a:bodyPr/>
+    <a:lstStyle/>
+    <a:p>
+      <a:pPr>
+        <a:defRPr/>
+      </a:pPr>
+      <a:endParaRPr lang="de-DE"/>
+    </a:p>
+  </c:txPr>
+  <c:externalData r:id="rId3">
+    <c:autoUpdate val="0"/>
+  </c:externalData>
+</c:chartSpace>
+</file>
+
+<file path=ppt/charts/colors1.xml><?xml version="1.0" encoding="utf-8"?>
+<cs:colorStyle xmlns:cs="http://schemas.microsoft.com/office/drawing/2012/chartStyle" xmlns:a="http://schemas.openxmlformats.org/drawingml/2006/main" meth="cycle" id="10">
+  <a:schemeClr val="accent1"/>
+  <a:schemeClr val="accent2"/>
+  <a:schemeClr val="accent3"/>
+  <a:schemeClr val="accent4"/>
+  <a:schemeClr val="accent5"/>
+  <a:schemeClr val="accent6"/>
+  <cs:variation/>
+  <cs:variation>
+    <a:lumMod val="60000"/>
+  </cs:variation>
+  <cs:variation>
+    <a:lumMod val="80000"/>
+    <a:lumOff val="20000"/>
+  </cs:variation>
+  <cs:variation>
+    <a:lumMod val="80000"/>
+  </cs:variation>
+  <cs:variation>
+    <a:lumMod val="60000"/>
+    <a:lumOff val="40000"/>
+  </cs:variation>
+  <cs:variation>
+    <a:lumMod val="50000"/>
+  </cs:variation>
+  <cs:variation>
+    <a:lumMod val="70000"/>
+    <a:lumOff val="30000"/>
+  </cs:variation>
+  <cs:variation>
+    <a:lumMod val="70000"/>
+  </cs:variation>
+  <cs:variation>
+    <a:lumMod val="50000"/>
+    <a:lumOff val="50000"/>
+  </cs:variation>
+</cs:colorStyle>
+</file>
+
+<file path=ppt/charts/colors2.xml><?xml version="1.0" encoding="utf-8"?>
+<cs:colorStyle xmlns:cs="http://schemas.microsoft.com/office/drawing/2012/chartStyle" xmlns:a="http://schemas.openxmlformats.org/drawingml/2006/main" meth="cycle" id="10">
+  <a:schemeClr val="accent1"/>
+  <a:schemeClr val="accent2"/>
+  <a:schemeClr val="accent3"/>
+  <a:schemeClr val="accent4"/>
+  <a:schemeClr val="accent5"/>
+  <a:schemeClr val="accent6"/>
+  <cs:variation/>
+  <cs:variation>
+    <a:lumMod val="60000"/>
+  </cs:variation>
+  <cs:variation>
+    <a:lumMod val="80000"/>
+    <a:lumOff val="20000"/>
+  </cs:variation>
+  <cs:variation>
+    <a:lumMod val="80000"/>
+  </cs:variation>
+  <cs:variation>
+    <a:lumMod val="60000"/>
+    <a:lumOff val="40000"/>
+  </cs:variation>
+  <cs:variation>
+    <a:lumMod val="50000"/>
+  </cs:variation>
+  <cs:variation>
+    <a:lumMod val="70000"/>
+    <a:lumOff val="30000"/>
+  </cs:variation>
+  <cs:variation>
+    <a:lumMod val="70000"/>
+  </cs:variation>
+  <cs:variation>
+    <a:lumMod val="50000"/>
+    <a:lumOff val="50000"/>
+  </cs:variation>
+</cs:colorStyle>
+</file>
+
+<file path=ppt/charts/colors3.xml><?xml version="1.0" encoding="utf-8"?>
+<cs:colorStyle xmlns:cs="http://schemas.microsoft.com/office/drawing/2012/chartStyle" xmlns:a="http://schemas.openxmlformats.org/drawingml/2006/main" meth="cycle" id="10">
+  <a:schemeClr val="accent1"/>
+  <a:schemeClr val="accent2"/>
+  <a:schemeClr val="accent3"/>
+  <a:schemeClr val="accent4"/>
+  <a:schemeClr val="accent5"/>
+  <a:schemeClr val="accent6"/>
+  <cs:variation/>
+  <cs:variation>
+    <a:lumMod val="60000"/>
+  </cs:variation>
+  <cs:variation>
+    <a:lumMod val="80000"/>
+    <a:lumOff val="20000"/>
+  </cs:variation>
+  <cs:variation>
+    <a:lumMod val="80000"/>
+  </cs:variation>
+  <cs:variation>
+    <a:lumMod val="60000"/>
+    <a:lumOff val="40000"/>
+  </cs:variation>
+  <cs:variation>
+    <a:lumMod val="50000"/>
+  </cs:variation>
+  <cs:variation>
+    <a:lumMod val="70000"/>
+    <a:lumOff val="30000"/>
+  </cs:variation>
+  <cs:variation>
+    <a:lumMod val="70000"/>
+  </cs:variation>
+  <cs:variation>
+    <a:lumMod val="50000"/>
+    <a:lumOff val="50000"/>
+  </cs:variation>
+</cs:colorStyle>
+</file>
+
+<file path=ppt/charts/colors4.xml><?xml version="1.0" encoding="utf-8"?>
+<cs:colorStyle xmlns:cs="http://schemas.microsoft.com/office/drawing/2012/chartStyle" xmlns:a="http://schemas.openxmlformats.org/drawingml/2006/main" meth="cycle" id="10">
+  <a:schemeClr val="accent1"/>
+  <a:schemeClr val="accent2"/>
+  <a:schemeClr val="accent3"/>
+  <a:schemeClr val="accent4"/>
+  <a:schemeClr val="accent5"/>
+  <a:schemeClr val="accent6"/>
+  <cs:variation/>
+  <cs:variation>
+    <a:lumMod val="60000"/>
+  </cs:variation>
+  <cs:variation>
+    <a:lumMod val="80000"/>
+    <a:lumOff val="20000"/>
+  </cs:variation>
+  <cs:variation>
+    <a:lumMod val="80000"/>
+  </cs:variation>
+  <cs:variation>
+    <a:lumMod val="60000"/>
+    <a:lumOff val="40000"/>
+  </cs:variation>
+  <cs:variation>
+    <a:lumMod val="50000"/>
+  </cs:variation>
+  <cs:variation>
+    <a:lumMod val="70000"/>
+    <a:lumOff val="30000"/>
+  </cs:variation>
+  <cs:variation>
+    <a:lumMod val="70000"/>
+  </cs:variation>
+  <cs:variation>
+    <a:lumMod val="50000"/>
+    <a:lumOff val="50000"/>
+  </cs:variation>
+</cs:colorStyle>
+</file>
+
+<file path=ppt/charts/style1.xml><?xml version="1.0" encoding="utf-8"?>
+<cs:chartStyle xmlns:cs="http://schemas.microsoft.com/office/drawing/2012/chartStyle" xmlns:a="http://schemas.openxmlformats.org/drawingml/2006/main" id="227">
+  <cs:axisTitle>
+    <cs:lnRef idx="0"/>
+    <cs:fillRef idx="0"/>
+    <cs:effectRef idx="0"/>
+    <cs:fontRef idx="minor">
+      <a:schemeClr val="tx1">
+        <a:lumMod val="65000"/>
+        <a:lumOff val="35000"/>
+      </a:schemeClr>
+    </cs:fontRef>
+    <cs:defRPr sz="1000" kern="1200"/>
+  </cs:axisTitle>
+  <cs:categoryAxis>
+    <cs:lnRef idx="0"/>
+    <cs:fillRef idx="0"/>
+    <cs:effectRef idx="0"/>
+    <cs:fontRef idx="minor">
+      <a:schemeClr val="tx1">
+        <a:lumMod val="65000"/>
+        <a:lumOff val="35000"/>
+      </a:schemeClr>
+    </cs:fontRef>
+    <cs:spPr>
+      <a:ln w="9525" cap="flat" cmpd="sng" algn="ctr">
+        <a:solidFill>
+          <a:schemeClr val="tx1">
+            <a:lumMod val="15000"/>
+            <a:lumOff val="85000"/>
+          </a:schemeClr>
+        </a:solidFill>
+        <a:round/>
+      </a:ln>
+    </cs:spPr>
+    <cs:defRPr sz="900" kern="1200"/>
+  </cs:categoryAxis>
+  <cs:chartArea mods="allowNoFillOverride allowNoLineOverride">
+    <cs:lnRef idx="0"/>
+    <cs:fillRef idx="0"/>
+    <cs:effectRef idx="0"/>
+    <cs:fontRef idx="minor">
+      <a:schemeClr val="tx1"/>
+    </cs:fontRef>
+    <cs:spPr>
+      <a:solidFill>
+        <a:schemeClr val="bg1"/>
+      </a:solidFill>
+      <a:ln w="9525" cap="flat" cmpd="sng" algn="ctr">
+        <a:solidFill>
+          <a:schemeClr val="tx1">
+            <a:lumMod val="15000"/>
+            <a:lumOff val="85000"/>
+          </a:schemeClr>
+        </a:solidFill>
+        <a:round/>
+      </a:ln>
+    </cs:spPr>
+    <cs:defRPr sz="1000" kern="1200"/>
+  </cs:chartArea>
+  <cs:dataLabel>
+    <cs:lnRef idx="0"/>
+    <cs:fillRef idx="0"/>
+    <cs:effectRef idx="0"/>
+    <cs:fontRef idx="minor">
+      <a:schemeClr val="tx1">
+        <a:lumMod val="75000"/>
+        <a:lumOff val="25000"/>
+      </a:schemeClr>
+    </cs:fontRef>
+    <cs:defRPr sz="900" kern="1200"/>
+  </cs:dataLabel>
+  <cs:dataLabelCallout>
+    <cs:lnRef idx="0"/>
+    <cs:fillRef idx="0"/>
+    <cs:effectRef idx="0"/>
+    <cs:fontRef idx="minor">
+      <a:schemeClr val="dk1">
+        <a:lumMod val="65000"/>
+        <a:lumOff val="35000"/>
+      </a:schemeClr>
+    </cs:fontRef>
+    <cs:spPr>
+      <a:solidFill>
+        <a:schemeClr val="lt1"/>
+      </a:solidFill>
+      <a:ln>
+        <a:solidFill>
+          <a:schemeClr val="dk1">
+            <a:lumMod val="25000"/>
+            <a:lumOff val="75000"/>
+          </a:schemeClr>
+        </a:solidFill>
+      </a:ln>
+    </cs:spPr>
+    <cs:defRPr sz="900" kern="1200"/>
+    <cs:bodyPr rot="0" spcFirstLastPara="1" vertOverflow="clip" horzOverflow="clip" vert="horz" wrap="square" lIns="36576" tIns="18288" rIns="36576" bIns="18288" anchor="ctr" anchorCtr="1">
+      <a:spAutoFit/>
+    </cs:bodyPr>
+  </cs:dataLabelCallout>
+  <cs:dataPoint>
+    <cs:lnRef idx="0"/>
+    <cs:fillRef idx="1">
+      <cs:styleClr val="auto"/>
+    </cs:fillRef>
+    <cs:effectRef idx="0"/>
+    <cs:fontRef idx="minor">
+      <a:schemeClr val="tx1"/>
+    </cs:fontRef>
+    <cs:spPr>
+      <a:solidFill>
+        <a:schemeClr val="phClr"/>
+      </a:solidFill>
+    </cs:spPr>
+  </cs:dataPoint>
+  <cs:dataPoint3D>
+    <cs:lnRef idx="0"/>
+    <cs:fillRef idx="1">
+      <cs:styleClr val="auto"/>
+    </cs:fillRef>
+    <cs:effectRef idx="0"/>
+    <cs:fontRef idx="minor">
+      <a:schemeClr val="tx1"/>
+    </cs:fontRef>
+    <cs:spPr>
+      <a:solidFill>
+        <a:schemeClr val="phClr"/>
+      </a:solidFill>
+    </cs:spPr>
+  </cs:dataPoint3D>
+  <cs:dataPointLine>
+    <cs:lnRef idx="0">
+      <cs:styleClr val="auto"/>
+    </cs:lnRef>
+    <cs:fillRef idx="1"/>
+    <cs:effectRef idx="0"/>
+    <cs:fontRef idx="minor">
+      <a:schemeClr val="tx1"/>
+    </cs:fontRef>
+    <cs:spPr>
+      <a:ln w="28575" cap="rnd">
+        <a:solidFill>
+          <a:schemeClr val="phClr"/>
+        </a:solidFill>
+        <a:round/>
+      </a:ln>
+    </cs:spPr>
+  </cs:dataPointLine>
+  <cs:dataPointMarker>
+    <cs:lnRef idx="0">
+      <cs:styleClr val="auto"/>
+    </cs:lnRef>
+    <cs:fillRef idx="1">
+      <cs:styleClr val="auto"/>
+    </cs:fillRef>
+    <cs:effectRef idx="0"/>
+    <cs:fontRef idx="minor">
+      <a:schemeClr val="tx1"/>
+    </cs:fontRef>
+    <cs:spPr>
+      <a:solidFill>
+        <a:schemeClr val="phClr"/>
+      </a:solidFill>
+      <a:ln w="9525">
+        <a:solidFill>
+          <a:schemeClr val="phClr"/>
+        </a:solidFill>
+      </a:ln>
+    </cs:spPr>
+  </cs:dataPointMarker>
+  <cs:dataPointMarkerLayout symbol="circle" size="5"/>
+  <cs:dataPointWireframe>
+    <cs:lnRef idx="0">
+      <cs:styleClr val="auto"/>
+    </cs:lnRef>
+    <cs:fillRef idx="1"/>
+    <cs:effectRef idx="0"/>
+    <cs:fontRef idx="minor">
+      <a:schemeClr val="tx1"/>
+    </cs:fontRef>
+    <cs:spPr>
+      <a:ln w="9525" cap="rnd">
+        <a:solidFill>
+          <a:schemeClr val="phClr"/>
+        </a:solidFill>
+        <a:round/>
+      </a:ln>
+    </cs:spPr>
+  </cs:dataPointWireframe>
+  <cs:dataTable>
+    <cs:lnRef idx="0"/>
+    <cs:fillRef idx="0"/>
+    <cs:effectRef idx="0"/>
+    <cs:fontRef idx="minor">
+      <a:schemeClr val="tx1">
+        <a:lumMod val="65000"/>
+        <a:lumOff val="35000"/>
+      </a:schemeClr>
+    </cs:fontRef>
+    <cs:spPr>
+      <a:noFill/>
+      <a:ln w="9525" cap="flat" cmpd="sng" algn="ctr">
+        <a:solidFill>
+          <a:schemeClr val="tx1">
+            <a:lumMod val="15000"/>
+            <a:lumOff val="85000"/>
+          </a:schemeClr>
+        </a:solidFill>
+        <a:round/>
+      </a:ln>
+    </cs:spPr>
+    <cs:defRPr sz="900" kern="1200"/>
+  </cs:dataTable>
+  <cs:downBar>
+    <cs:lnRef idx="0"/>
+    <cs:fillRef idx="0"/>
+    <cs:effectRef idx="0"/>
+    <cs:fontRef idx="minor">
+      <a:schemeClr val="dk1"/>
+    </cs:fontRef>
+    <cs:spPr>
+      <a:solidFill>
+        <a:schemeClr val="dk1">
+          <a:lumMod val="65000"/>
+          <a:lumOff val="35000"/>
+        </a:schemeClr>
+      </a:solidFill>
+      <a:ln w="9525">
+        <a:solidFill>
+          <a:schemeClr val="tx1">
+            <a:lumMod val="65000"/>
+            <a:lumOff val="35000"/>
+          </a:schemeClr>
+        </a:solidFill>
+      </a:ln>
+    </cs:spPr>
+  </cs:downBar>
+  <cs:dropLine>
+    <cs:lnRef idx="0"/>
+    <cs:fillRef idx="0"/>
+    <cs:effectRef idx="0"/>
+    <cs:fontRef idx="minor">
+      <a:schemeClr val="tx1"/>
+    </cs:fontRef>
+    <cs:spPr>
+      <a:ln w="9525" cap="flat" cmpd="sng" algn="ctr">
+        <a:solidFill>
+          <a:schemeClr val="tx1">
+            <a:lumMod val="35000"/>
+            <a:lumOff val="65000"/>
+          </a:schemeClr>
+        </a:solidFill>
+        <a:round/>
+      </a:ln>
+    </cs:spPr>
+  </cs:dropLine>
+  <cs:errorBar>
+    <cs:lnRef idx="0"/>
+    <cs:fillRef idx="0"/>
+    <cs:effectRef idx="0"/>
+    <cs:fontRef idx="minor">
+      <a:schemeClr val="tx1"/>
+    </cs:fontRef>
+    <cs:spPr>
+      <a:ln w="9525" cap="flat" cmpd="sng" algn="ctr">
+        <a:solidFill>
+          <a:schemeClr val="tx1">
+            <a:lumMod val="65000"/>
+            <a:lumOff val="35000"/>
+          </a:schemeClr>
+        </a:solidFill>
+        <a:round/>
+      </a:ln>
+    </cs:spPr>
+  </cs:errorBar>
+  <cs:floor>
+    <cs:lnRef idx="0"/>
+    <cs:fillRef idx="0"/>
+    <cs:effectRef idx="0"/>
+    <cs:fontRef idx="minor">
+      <a:schemeClr val="tx1"/>
+    </cs:fontRef>
+    <cs:spPr>
+      <a:noFill/>
+      <a:ln>
+        <a:noFill/>
+      </a:ln>
+    </cs:spPr>
+  </cs:floor>
+  <cs:gridlineMajor>
+    <cs:lnRef idx="0"/>
+    <cs:fillRef idx="0"/>
+    <cs:effectRef idx="0"/>
+    <cs:fontRef idx="minor">
+      <a:schemeClr val="tx1"/>
+    </cs:fontRef>
+    <cs:spPr>
+      <a:ln w="9525" cap="flat" cmpd="sng" algn="ctr">
+        <a:solidFill>
+          <a:schemeClr val="tx1">
+            <a:lumMod val="15000"/>
+            <a:lumOff val="85000"/>
+          </a:schemeClr>
+        </a:solidFill>
+        <a:round/>
+      </a:ln>
+    </cs:spPr>
+  </cs:gridlineMajor>
+  <cs:gridlineMinor>
+    <cs:lnRef idx="0"/>
+    <cs:fillRef idx="0"/>
+    <cs:effectRef idx="0"/>
+    <cs:fontRef idx="minor">
+      <a:schemeClr val="tx1"/>
+    </cs:fontRef>
+    <cs:spPr>
+      <a:ln w="9525" cap="flat" cmpd="sng" algn="ctr">
+        <a:solidFill>
+          <a:schemeClr val="tx1">
+            <a:lumMod val="5000"/>
+            <a:lumOff val="95000"/>
+          </a:schemeClr>
+        </a:solidFill>
+        <a:round/>
+      </a:ln>
+    </cs:spPr>
+  </cs:gridlineMinor>
+  <cs:hiLoLine>
+    <cs:lnRef idx="0"/>
+    <cs:fillRef idx="0"/>
+    <cs:effectRef idx="0"/>
+    <cs:fontRef idx="minor">
+      <a:schemeClr val="tx1"/>
+    </cs:fontRef>
+    <cs:spPr>
+      <a:ln w="9525" cap="flat" cmpd="sng" algn="ctr">
+        <a:solidFill>
+          <a:schemeClr val="tx1">
+            <a:lumMod val="75000"/>
+            <a:lumOff val="25000"/>
+          </a:schemeClr>
+        </a:solidFill>
+        <a:round/>
+      </a:ln>
+    </cs:spPr>
+  </cs:hiLoLine>
+  <cs:leaderLine>
+    <cs:lnRef idx="0"/>
+    <cs:fillRef idx="0"/>
+    <cs:effectRef idx="0"/>
+    <cs:fontRef idx="minor">
+      <a:schemeClr val="tx1"/>
+    </cs:fontRef>
+    <cs:spPr>
+      <a:ln w="9525" cap="flat" cmpd="sng" algn="ctr">
+        <a:solidFill>
+          <a:schemeClr val="tx1">
+            <a:lumMod val="35000"/>
+            <a:lumOff val="65000"/>
+          </a:schemeClr>
+        </a:solidFill>
+        <a:round/>
+      </a:ln>
+    </cs:spPr>
+  </cs:leaderLine>
+  <cs:legend>
+    <cs:lnRef idx="0"/>
+    <cs:fillRef idx="0"/>
+    <cs:effectRef idx="0"/>
+    <cs:fontRef idx="minor">
+      <a:schemeClr val="tx1">
+        <a:lumMod val="65000"/>
+        <a:lumOff val="35000"/>
+      </a:schemeClr>
+    </cs:fontRef>
+    <cs:defRPr sz="900" kern="1200"/>
+  </cs:legend>
+  <cs:plotArea mods="allowNoFillOverride allowNoLineOverride">
+    <cs:lnRef idx="0"/>
+    <cs:fillRef idx="0"/>
+    <cs:effectRef idx="0"/>
+    <cs:fontRef idx="minor">
+      <a:schemeClr val="tx1"/>
+    </cs:fontRef>
+  </cs:plotArea>
+  <cs:plotArea3D mods="allowNoFillOverride allowNoLineOverride">
+    <cs:lnRef idx="0"/>
+    <cs:fillRef idx="0"/>
+    <cs:effectRef idx="0"/>
+    <cs:fontRef idx="minor">
+      <a:schemeClr val="tx1"/>
+    </cs:fontRef>
+  </cs:plotArea3D>
+  <cs:seriesAxis>
+    <cs:lnRef idx="0"/>
+    <cs:fillRef idx="0"/>
+    <cs:effectRef idx="0"/>
+    <cs:fontRef idx="minor">
+      <a:schemeClr val="tx1">
+        <a:lumMod val="65000"/>
+        <a:lumOff val="35000"/>
+      </a:schemeClr>
+    </cs:fontRef>
+    <cs:defRPr sz="900" kern="1200"/>
+  </cs:seriesAxis>
+  <cs:seriesLine>
+    <cs:lnRef idx="0"/>
+    <cs:fillRef idx="0"/>
+    <cs:effectRef idx="0"/>
+    <cs:fontRef idx="minor">
+      <a:schemeClr val="tx1"/>
+    </cs:fontRef>
+    <cs:spPr>
+      <a:ln w="9525" cap="flat" cmpd="sng" algn="ctr">
+        <a:solidFill>
+          <a:schemeClr val="tx1">
+            <a:lumMod val="35000"/>
+            <a:lumOff val="65000"/>
+          </a:schemeClr>
+        </a:solidFill>
+        <a:round/>
+      </a:ln>
+    </cs:spPr>
+  </cs:seriesLine>
+  <cs:title>
+    <cs:lnRef idx="0"/>
+    <cs:fillRef idx="0"/>
+    <cs:effectRef idx="0"/>
+    <cs:fontRef idx="minor">
+      <a:schemeClr val="tx1">
+        <a:lumMod val="65000"/>
+        <a:lumOff val="35000"/>
+      </a:schemeClr>
+    </cs:fontRef>
+    <cs:defRPr sz="1400" b="0" kern="1200" spc="0" baseline="0"/>
+  </cs:title>
+  <cs:trendline>
+    <cs:lnRef idx="0">
+      <cs:styleClr val="auto"/>
+    </cs:lnRef>
+    <cs:fillRef idx="0"/>
+    <cs:effectRef idx="0"/>
+    <cs:fontRef idx="minor">
+      <a:schemeClr val="tx1"/>
+    </cs:fontRef>
+    <cs:spPr>
+      <a:ln w="19050" cap="rnd">
+        <a:solidFill>
+          <a:schemeClr val="phClr"/>
+        </a:solidFill>
+        <a:prstDash val="sysDot"/>
+      </a:ln>
+    </cs:spPr>
+  </cs:trendline>
+  <cs:trendlineLabel>
+    <cs:lnRef idx="0"/>
+    <cs:fillRef idx="0"/>
+    <cs:effectRef idx="0"/>
+    <cs:fontRef idx="minor">
+      <a:schemeClr val="tx1">
+        <a:lumMod val="65000"/>
+        <a:lumOff val="35000"/>
+      </a:schemeClr>
+    </cs:fontRef>
+    <cs:defRPr sz="900" kern="1200"/>
+  </cs:trendlineLabel>
+  <cs:upBar>
+    <cs:lnRef idx="0"/>
+    <cs:fillRef idx="0"/>
+    <cs:effectRef idx="0"/>
+    <cs:fontRef idx="minor">
+      <a:schemeClr val="dk1"/>
+    </cs:fontRef>
+    <cs:spPr>
+      <a:solidFill>
+        <a:schemeClr val="lt1"/>
+      </a:solidFill>
+      <a:ln w="9525">
+        <a:solidFill>
+          <a:schemeClr val="tx1">
+            <a:lumMod val="15000"/>
+            <a:lumOff val="85000"/>
+          </a:schemeClr>
+        </a:solidFill>
+      </a:ln>
+    </cs:spPr>
+  </cs:upBar>
+  <cs:valueAxis>
+    <cs:lnRef idx="0"/>
+    <cs:fillRef idx="0"/>
+    <cs:effectRef idx="0"/>
+    <cs:fontRef idx="minor">
+      <a:schemeClr val="tx1">
+        <a:lumMod val="65000"/>
+        <a:lumOff val="35000"/>
+      </a:schemeClr>
+    </cs:fontRef>
+    <cs:defRPr sz="900" kern="1200"/>
+  </cs:valueAxis>
+  <cs:wall>
+    <cs:lnRef idx="0"/>
+    <cs:fillRef idx="0"/>
+    <cs:effectRef idx="0"/>
+    <cs:fontRef idx="minor">
+      <a:schemeClr val="tx1"/>
+    </cs:fontRef>
+    <cs:spPr>
+      <a:noFill/>
+      <a:ln>
+        <a:noFill/>
+      </a:ln>
+    </cs:spPr>
+  </cs:wall>
+</cs:chartStyle>
+</file>
+
+<file path=ppt/charts/style2.xml><?xml version="1.0" encoding="utf-8"?>
+<cs:chartStyle xmlns:cs="http://schemas.microsoft.com/office/drawing/2012/chartStyle" xmlns:a="http://schemas.openxmlformats.org/drawingml/2006/main" id="227">
+  <cs:axisTitle>
+    <cs:lnRef idx="0"/>
+    <cs:fillRef idx="0"/>
+    <cs:effectRef idx="0"/>
+    <cs:fontRef idx="minor">
+      <a:schemeClr val="tx1">
+        <a:lumMod val="65000"/>
+        <a:lumOff val="35000"/>
+      </a:schemeClr>
+    </cs:fontRef>
+    <cs:defRPr sz="1000" kern="1200"/>
+  </cs:axisTitle>
+  <cs:categoryAxis>
+    <cs:lnRef idx="0"/>
+    <cs:fillRef idx="0"/>
+    <cs:effectRef idx="0"/>
+    <cs:fontRef idx="minor">
+      <a:schemeClr val="tx1">
+        <a:lumMod val="65000"/>
+        <a:lumOff val="35000"/>
+      </a:schemeClr>
+    </cs:fontRef>
+    <cs:spPr>
+      <a:ln w="9525" cap="flat" cmpd="sng" algn="ctr">
+        <a:solidFill>
+          <a:schemeClr val="tx1">
+            <a:lumMod val="15000"/>
+            <a:lumOff val="85000"/>
+          </a:schemeClr>
+        </a:solidFill>
+        <a:round/>
+      </a:ln>
+    </cs:spPr>
+    <cs:defRPr sz="900" kern="1200"/>
+  </cs:categoryAxis>
+  <cs:chartArea mods="allowNoFillOverride allowNoLineOverride">
+    <cs:lnRef idx="0"/>
+    <cs:fillRef idx="0"/>
+    <cs:effectRef idx="0"/>
+    <cs:fontRef idx="minor">
+      <a:schemeClr val="tx1"/>
+    </cs:fontRef>
+    <cs:spPr>
+      <a:solidFill>
+        <a:schemeClr val="bg1"/>
+      </a:solidFill>
+      <a:ln w="9525" cap="flat" cmpd="sng" algn="ctr">
+        <a:solidFill>
+          <a:schemeClr val="tx1">
+            <a:lumMod val="15000"/>
+            <a:lumOff val="85000"/>
+          </a:schemeClr>
+        </a:solidFill>
+        <a:round/>
+      </a:ln>
+    </cs:spPr>
+    <cs:defRPr sz="1000" kern="1200"/>
+  </cs:chartArea>
+  <cs:dataLabel>
+    <cs:lnRef idx="0"/>
+    <cs:fillRef idx="0"/>
+    <cs:effectRef idx="0"/>
+    <cs:fontRef idx="minor">
+      <a:schemeClr val="tx1">
+        <a:lumMod val="75000"/>
+        <a:lumOff val="25000"/>
+      </a:schemeClr>
+    </cs:fontRef>
+    <cs:defRPr sz="900" kern="1200"/>
+  </cs:dataLabel>
+  <cs:dataLabelCallout>
+    <cs:lnRef idx="0"/>
+    <cs:fillRef idx="0"/>
+    <cs:effectRef idx="0"/>
+    <cs:fontRef idx="minor">
+      <a:schemeClr val="dk1">
+        <a:lumMod val="65000"/>
+        <a:lumOff val="35000"/>
+      </a:schemeClr>
+    </cs:fontRef>
+    <cs:spPr>
+      <a:solidFill>
+        <a:schemeClr val="lt1"/>
+      </a:solidFill>
+      <a:ln>
+        <a:solidFill>
+          <a:schemeClr val="dk1">
+            <a:lumMod val="25000"/>
+            <a:lumOff val="75000"/>
+          </a:schemeClr>
+        </a:solidFill>
+      </a:ln>
+    </cs:spPr>
+    <cs:defRPr sz="900" kern="1200"/>
+    <cs:bodyPr rot="0" spcFirstLastPara="1" vertOverflow="clip" horzOverflow="clip" vert="horz" wrap="square" lIns="36576" tIns="18288" rIns="36576" bIns="18288" anchor="ctr" anchorCtr="1">
+      <a:spAutoFit/>
+    </cs:bodyPr>
+  </cs:dataLabelCallout>
+  <cs:dataPoint>
+    <cs:lnRef idx="0"/>
+    <cs:fillRef idx="1">
+      <cs:styleClr val="auto"/>
+    </cs:fillRef>
+    <cs:effectRef idx="0"/>
+    <cs:fontRef idx="minor">
+      <a:schemeClr val="tx1"/>
+    </cs:fontRef>
+    <cs:spPr>
+      <a:solidFill>
+        <a:schemeClr val="phClr"/>
+      </a:solidFill>
+    </cs:spPr>
+  </cs:dataPoint>
+  <cs:dataPoint3D>
+    <cs:lnRef idx="0"/>
+    <cs:fillRef idx="1">
+      <cs:styleClr val="auto"/>
+    </cs:fillRef>
+    <cs:effectRef idx="0"/>
+    <cs:fontRef idx="minor">
+      <a:schemeClr val="tx1"/>
+    </cs:fontRef>
+    <cs:spPr>
+      <a:solidFill>
+        <a:schemeClr val="phClr"/>
+      </a:solidFill>
+    </cs:spPr>
+  </cs:dataPoint3D>
+  <cs:dataPointLine>
+    <cs:lnRef idx="0">
+      <cs:styleClr val="auto"/>
+    </cs:lnRef>
+    <cs:fillRef idx="1"/>
+    <cs:effectRef idx="0"/>
+    <cs:fontRef idx="minor">
+      <a:schemeClr val="tx1"/>
+    </cs:fontRef>
+    <cs:spPr>
+      <a:ln w="28575" cap="rnd">
+        <a:solidFill>
+          <a:schemeClr val="phClr"/>
+        </a:solidFill>
+        <a:round/>
+      </a:ln>
+    </cs:spPr>
+  </cs:dataPointLine>
+  <cs:dataPointMarker>
+    <cs:lnRef idx="0">
+      <cs:styleClr val="auto"/>
+    </cs:lnRef>
+    <cs:fillRef idx="1">
+      <cs:styleClr val="auto"/>
+    </cs:fillRef>
+    <cs:effectRef idx="0"/>
+    <cs:fontRef idx="minor">
+      <a:schemeClr val="tx1"/>
+    </cs:fontRef>
+    <cs:spPr>
+      <a:solidFill>
+        <a:schemeClr val="phClr"/>
+      </a:solidFill>
+      <a:ln w="9525">
+        <a:solidFill>
+          <a:schemeClr val="phClr"/>
+        </a:solidFill>
+      </a:ln>
+    </cs:spPr>
+  </cs:dataPointMarker>
+  <cs:dataPointMarkerLayout symbol="circle" size="5"/>
+  <cs:dataPointWireframe>
+    <cs:lnRef idx="0">
+      <cs:styleClr val="auto"/>
+    </cs:lnRef>
+    <cs:fillRef idx="1"/>
+    <cs:effectRef idx="0"/>
+    <cs:fontRef idx="minor">
+      <a:schemeClr val="tx1"/>
+    </cs:fontRef>
+    <cs:spPr>
+      <a:ln w="9525" cap="rnd">
+        <a:solidFill>
+          <a:schemeClr val="phClr"/>
+        </a:solidFill>
+        <a:round/>
+      </a:ln>
+    </cs:spPr>
+  </cs:dataPointWireframe>
+  <cs:dataTable>
+    <cs:lnRef idx="0"/>
+    <cs:fillRef idx="0"/>
+    <cs:effectRef idx="0"/>
+    <cs:fontRef idx="minor">
+      <a:schemeClr val="tx1">
+        <a:lumMod val="65000"/>
+        <a:lumOff val="35000"/>
+      </a:schemeClr>
+    </cs:fontRef>
+    <cs:spPr>
+      <a:noFill/>
+      <a:ln w="9525" cap="flat" cmpd="sng" algn="ctr">
+        <a:solidFill>
+          <a:schemeClr val="tx1">
+            <a:lumMod val="15000"/>
+            <a:lumOff val="85000"/>
+          </a:schemeClr>
+        </a:solidFill>
+        <a:round/>
+      </a:ln>
+    </cs:spPr>
+    <cs:defRPr sz="900" kern="1200"/>
+  </cs:dataTable>
+  <cs:downBar>
+    <cs:lnRef idx="0"/>
+    <cs:fillRef idx="0"/>
+    <cs:effectRef idx="0"/>
+    <cs:fontRef idx="minor">
+      <a:schemeClr val="dk1"/>
+    </cs:fontRef>
+    <cs:spPr>
+      <a:solidFill>
+        <a:schemeClr val="dk1">
+          <a:lumMod val="65000"/>
+          <a:lumOff val="35000"/>
+        </a:schemeClr>
+      </a:solidFill>
+      <a:ln w="9525">
+        <a:solidFill>
+          <a:schemeClr val="tx1">
+            <a:lumMod val="65000"/>
+            <a:lumOff val="35000"/>
+          </a:schemeClr>
+        </a:solidFill>
+      </a:ln>
+    </cs:spPr>
+  </cs:downBar>
+  <cs:dropLine>
+    <cs:lnRef idx="0"/>
+    <cs:fillRef idx="0"/>
+    <cs:effectRef idx="0"/>
+    <cs:fontRef idx="minor">
+      <a:schemeClr val="tx1"/>
+    </cs:fontRef>
+    <cs:spPr>
+      <a:ln w="9525" cap="flat" cmpd="sng" algn="ctr">
+        <a:solidFill>
+          <a:schemeClr val="tx1">
+            <a:lumMod val="35000"/>
+            <a:lumOff val="65000"/>
+          </a:schemeClr>
+        </a:solidFill>
+        <a:round/>
+      </a:ln>
+    </cs:spPr>
+  </cs:dropLine>
+  <cs:errorBar>
+    <cs:lnRef idx="0"/>
+    <cs:fillRef idx="0"/>
+    <cs:effectRef idx="0"/>
+    <cs:fontRef idx="minor">
+      <a:schemeClr val="tx1"/>
+    </cs:fontRef>
+    <cs:spPr>
+      <a:ln w="9525" cap="flat" cmpd="sng" algn="ctr">
+        <a:solidFill>
+          <a:schemeClr val="tx1">
+            <a:lumMod val="65000"/>
+            <a:lumOff val="35000"/>
+          </a:schemeClr>
+        </a:solidFill>
+        <a:round/>
+      </a:ln>
+    </cs:spPr>
+  </cs:errorBar>
+  <cs:floor>
+    <cs:lnRef idx="0"/>
+    <cs:fillRef idx="0"/>
+    <cs:effectRef idx="0"/>
+    <cs:fontRef idx="minor">
+      <a:schemeClr val="tx1"/>
+    </cs:fontRef>
+    <cs:spPr>
+      <a:noFill/>
+      <a:ln>
+        <a:noFill/>
+      </a:ln>
+    </cs:spPr>
+  </cs:floor>
+  <cs:gridlineMajor>
+    <cs:lnRef idx="0"/>
+    <cs:fillRef idx="0"/>
+    <cs:effectRef idx="0"/>
+    <cs:fontRef idx="minor">
+      <a:schemeClr val="tx1"/>
+    </cs:fontRef>
+    <cs:spPr>
+      <a:ln w="9525" cap="flat" cmpd="sng" algn="ctr">
+        <a:solidFill>
+          <a:schemeClr val="tx1">
+            <a:lumMod val="15000"/>
+            <a:lumOff val="85000"/>
+          </a:schemeClr>
+        </a:solidFill>
+        <a:round/>
+      </a:ln>
+    </cs:spPr>
+  </cs:gridlineMajor>
+  <cs:gridlineMinor>
+    <cs:lnRef idx="0"/>
+    <cs:fillRef idx="0"/>
+    <cs:effectRef idx="0"/>
+    <cs:fontRef idx="minor">
+      <a:schemeClr val="tx1"/>
+    </cs:fontRef>
+    <cs:spPr>
+      <a:ln w="9525" cap="flat" cmpd="sng" algn="ctr">
+        <a:solidFill>
+          <a:schemeClr val="tx1">
+            <a:lumMod val="5000"/>
+            <a:lumOff val="95000"/>
+          </a:schemeClr>
+        </a:solidFill>
+        <a:round/>
+      </a:ln>
+    </cs:spPr>
+  </cs:gridlineMinor>
+  <cs:hiLoLine>
+    <cs:lnRef idx="0"/>
+    <cs:fillRef idx="0"/>
+    <cs:effectRef idx="0"/>
+    <cs:fontRef idx="minor">
+      <a:schemeClr val="tx1"/>
+    </cs:fontRef>
+    <cs:spPr>
+      <a:ln w="9525" cap="flat" cmpd="sng" algn="ctr">
+        <a:solidFill>
+          <a:schemeClr val="tx1">
+            <a:lumMod val="75000"/>
+            <a:lumOff val="25000"/>
+          </a:schemeClr>
+        </a:solidFill>
+        <a:round/>
+      </a:ln>
+    </cs:spPr>
+  </cs:hiLoLine>
+  <cs:leaderLine>
+    <cs:lnRef idx="0"/>
+    <cs:fillRef idx="0"/>
+    <cs:effectRef idx="0"/>
+    <cs:fontRef idx="minor">
+      <a:schemeClr val="tx1"/>
+    </cs:fontRef>
+    <cs:spPr>
+      <a:ln w="9525" cap="flat" cmpd="sng" algn="ctr">
+        <a:solidFill>
+          <a:schemeClr val="tx1">
+            <a:lumMod val="35000"/>
+            <a:lumOff val="65000"/>
+          </a:schemeClr>
+        </a:solidFill>
+        <a:round/>
+      </a:ln>
+    </cs:spPr>
+  </cs:leaderLine>
+  <cs:legend>
+    <cs:lnRef idx="0"/>
+    <cs:fillRef idx="0"/>
+    <cs:effectRef idx="0"/>
+    <cs:fontRef idx="minor">
+      <a:schemeClr val="tx1">
+        <a:lumMod val="65000"/>
+        <a:lumOff val="35000"/>
+      </a:schemeClr>
+    </cs:fontRef>
+    <cs:defRPr sz="900" kern="1200"/>
+  </cs:legend>
+  <cs:plotArea mods="allowNoFillOverride allowNoLineOverride">
+    <cs:lnRef idx="0"/>
+    <cs:fillRef idx="0"/>
+    <cs:effectRef idx="0"/>
+    <cs:fontRef idx="minor">
+      <a:schemeClr val="tx1"/>
+    </cs:fontRef>
+  </cs:plotArea>
+  <cs:plotArea3D mods="allowNoFillOverride allowNoLineOverride">
+    <cs:lnRef idx="0"/>
+    <cs:fillRef idx="0"/>
+    <cs:effectRef idx="0"/>
+    <cs:fontRef idx="minor">
+      <a:schemeClr val="tx1"/>
+    </cs:fontRef>
+  </cs:plotArea3D>
+  <cs:seriesAxis>
+    <cs:lnRef idx="0"/>
+    <cs:fillRef idx="0"/>
+    <cs:effectRef idx="0"/>
+    <cs:fontRef idx="minor">
+      <a:schemeClr val="tx1">
+        <a:lumMod val="65000"/>
+        <a:lumOff val="35000"/>
+      </a:schemeClr>
+    </cs:fontRef>
+    <cs:defRPr sz="900" kern="1200"/>
+  </cs:seriesAxis>
+  <cs:seriesLine>
+    <cs:lnRef idx="0"/>
+    <cs:fillRef idx="0"/>
+    <cs:effectRef idx="0"/>
+    <cs:fontRef idx="minor">
+      <a:schemeClr val="tx1"/>
+    </cs:fontRef>
+    <cs:spPr>
+      <a:ln w="9525" cap="flat" cmpd="sng" algn="ctr">
+        <a:solidFill>
+          <a:schemeClr val="tx1">
+            <a:lumMod val="35000"/>
+            <a:lumOff val="65000"/>
+          </a:schemeClr>
+        </a:solidFill>
+        <a:round/>
+      </a:ln>
+    </cs:spPr>
+  </cs:seriesLine>
+  <cs:title>
+    <cs:lnRef idx="0"/>
+    <cs:fillRef idx="0"/>
+    <cs:effectRef idx="0"/>
+    <cs:fontRef idx="minor">
+      <a:schemeClr val="tx1">
+        <a:lumMod val="65000"/>
+        <a:lumOff val="35000"/>
+      </a:schemeClr>
+    </cs:fontRef>
+    <cs:defRPr sz="1400" b="0" kern="1200" spc="0" baseline="0"/>
+  </cs:title>
+  <cs:trendline>
+    <cs:lnRef idx="0">
+      <cs:styleClr val="auto"/>
+    </cs:lnRef>
+    <cs:fillRef idx="0"/>
+    <cs:effectRef idx="0"/>
+    <cs:fontRef idx="minor">
+      <a:schemeClr val="tx1"/>
+    </cs:fontRef>
+    <cs:spPr>
+      <a:ln w="19050" cap="rnd">
+        <a:solidFill>
+          <a:schemeClr val="phClr"/>
+        </a:solidFill>
+        <a:prstDash val="sysDot"/>
+      </a:ln>
+    </cs:spPr>
+  </cs:trendline>
+  <cs:trendlineLabel>
+    <cs:lnRef idx="0"/>
+    <cs:fillRef idx="0"/>
+    <cs:effectRef idx="0"/>
+    <cs:fontRef idx="minor">
+      <a:schemeClr val="tx1">
+        <a:lumMod val="65000"/>
+        <a:lumOff val="35000"/>
+      </a:schemeClr>
+    </cs:fontRef>
+    <cs:defRPr sz="900" kern="1200"/>
+  </cs:trendlineLabel>
+  <cs:upBar>
+    <cs:lnRef idx="0"/>
+    <cs:fillRef idx="0"/>
+    <cs:effectRef idx="0"/>
+    <cs:fontRef idx="minor">
+      <a:schemeClr val="dk1"/>
+    </cs:fontRef>
+    <cs:spPr>
+      <a:solidFill>
+        <a:schemeClr val="lt1"/>
+      </a:solidFill>
+      <a:ln w="9525">
+        <a:solidFill>
+          <a:schemeClr val="tx1">
+            <a:lumMod val="15000"/>
+            <a:lumOff val="85000"/>
+          </a:schemeClr>
+        </a:solidFill>
+      </a:ln>
+    </cs:spPr>
+  </cs:upBar>
+  <cs:valueAxis>
+    <cs:lnRef idx="0"/>
+    <cs:fillRef idx="0"/>
+    <cs:effectRef idx="0"/>
+    <cs:fontRef idx="minor">
+      <a:schemeClr val="tx1">
+        <a:lumMod val="65000"/>
+        <a:lumOff val="35000"/>
+      </a:schemeClr>
+    </cs:fontRef>
+    <cs:defRPr sz="900" kern="1200"/>
+  </cs:valueAxis>
+  <cs:wall>
+    <cs:lnRef idx="0"/>
+    <cs:fillRef idx="0"/>
+    <cs:effectRef idx="0"/>
+    <cs:fontRef idx="minor">
+      <a:schemeClr val="tx1"/>
+    </cs:fontRef>
+    <cs:spPr>
+      <a:noFill/>
+      <a:ln>
+        <a:noFill/>
+      </a:ln>
+    </cs:spPr>
+  </cs:wall>
+</cs:chartStyle>
+</file>
+
+<file path=ppt/charts/style3.xml><?xml version="1.0" encoding="utf-8"?>
+<cs:chartStyle xmlns:cs="http://schemas.microsoft.com/office/drawing/2012/chartStyle" xmlns:a="http://schemas.openxmlformats.org/drawingml/2006/main" id="227">
+  <cs:axisTitle>
+    <cs:lnRef idx="0"/>
+    <cs:fillRef idx="0"/>
+    <cs:effectRef idx="0"/>
+    <cs:fontRef idx="minor">
+      <a:schemeClr val="tx1">
+        <a:lumMod val="65000"/>
+        <a:lumOff val="35000"/>
+      </a:schemeClr>
+    </cs:fontRef>
+    <cs:defRPr sz="1000" kern="1200"/>
+  </cs:axisTitle>
+  <cs:categoryAxis>
+    <cs:lnRef idx="0"/>
+    <cs:fillRef idx="0"/>
+    <cs:effectRef idx="0"/>
+    <cs:fontRef idx="minor">
+      <a:schemeClr val="tx1">
+        <a:lumMod val="65000"/>
+        <a:lumOff val="35000"/>
+      </a:schemeClr>
+    </cs:fontRef>
+    <cs:spPr>
+      <a:ln w="9525" cap="flat" cmpd="sng" algn="ctr">
+        <a:solidFill>
+          <a:schemeClr val="tx1">
+            <a:lumMod val="15000"/>
+            <a:lumOff val="85000"/>
+          </a:schemeClr>
+        </a:solidFill>
+        <a:round/>
+      </a:ln>
+    </cs:spPr>
+    <cs:defRPr sz="900" kern="1200"/>
+  </cs:categoryAxis>
+  <cs:chartArea mods="allowNoFillOverride allowNoLineOverride">
+    <cs:lnRef idx="0"/>
+    <cs:fillRef idx="0"/>
+    <cs:effectRef idx="0"/>
+    <cs:fontRef idx="minor">
+      <a:schemeClr val="tx1"/>
+    </cs:fontRef>
+    <cs:spPr>
+      <a:solidFill>
+        <a:schemeClr val="bg1"/>
+      </a:solidFill>
+      <a:ln w="9525" cap="flat" cmpd="sng" algn="ctr">
+        <a:solidFill>
+          <a:schemeClr val="tx1">
+            <a:lumMod val="15000"/>
+            <a:lumOff val="85000"/>
+          </a:schemeClr>
+        </a:solidFill>
+        <a:round/>
+      </a:ln>
+    </cs:spPr>
+    <cs:defRPr sz="1000" kern="1200"/>
+  </cs:chartArea>
+  <cs:dataLabel>
+    <cs:lnRef idx="0"/>
+    <cs:fillRef idx="0"/>
+    <cs:effectRef idx="0"/>
+    <cs:fontRef idx="minor">
+      <a:schemeClr val="tx1">
+        <a:lumMod val="75000"/>
+        <a:lumOff val="25000"/>
+      </a:schemeClr>
+    </cs:fontRef>
+    <cs:defRPr sz="900" kern="1200"/>
+  </cs:dataLabel>
+  <cs:dataLabelCallout>
+    <cs:lnRef idx="0"/>
+    <cs:fillRef idx="0"/>
+    <cs:effectRef idx="0"/>
+    <cs:fontRef idx="minor">
+      <a:schemeClr val="dk1">
+        <a:lumMod val="65000"/>
+        <a:lumOff val="35000"/>
+      </a:schemeClr>
+    </cs:fontRef>
+    <cs:spPr>
+      <a:solidFill>
+        <a:schemeClr val="lt1"/>
+      </a:solidFill>
+      <a:ln>
+        <a:solidFill>
+          <a:schemeClr val="dk1">
+            <a:lumMod val="25000"/>
+            <a:lumOff val="75000"/>
+          </a:schemeClr>
+        </a:solidFill>
+      </a:ln>
+    </cs:spPr>
+    <cs:defRPr sz="900" kern="1200"/>
+    <cs:bodyPr rot="0" spcFirstLastPara="1" vertOverflow="clip" horzOverflow="clip" vert="horz" wrap="square" lIns="36576" tIns="18288" rIns="36576" bIns="18288" anchor="ctr" anchorCtr="1">
+      <a:spAutoFit/>
+    </cs:bodyPr>
+  </cs:dataLabelCallout>
+  <cs:dataPoint>
+    <cs:lnRef idx="0"/>
+    <cs:fillRef idx="1">
+      <cs:styleClr val="auto"/>
+    </cs:fillRef>
+    <cs:effectRef idx="0"/>
+    <cs:fontRef idx="minor">
+      <a:schemeClr val="tx1"/>
+    </cs:fontRef>
+    <cs:spPr>
+      <a:solidFill>
+        <a:schemeClr val="phClr"/>
+      </a:solidFill>
+    </cs:spPr>
+  </cs:dataPoint>
+  <cs:dataPoint3D>
+    <cs:lnRef idx="0"/>
+    <cs:fillRef idx="1">
+      <cs:styleClr val="auto"/>
+    </cs:fillRef>
+    <cs:effectRef idx="0"/>
+    <cs:fontRef idx="minor">
+      <a:schemeClr val="tx1"/>
+    </cs:fontRef>
+    <cs:spPr>
+      <a:solidFill>
+        <a:schemeClr val="phClr"/>
+      </a:solidFill>
+    </cs:spPr>
+  </cs:dataPoint3D>
+  <cs:dataPointLine>
+    <cs:lnRef idx="0">
+      <cs:styleClr val="auto"/>
+    </cs:lnRef>
+    <cs:fillRef idx="1"/>
+    <cs:effectRef idx="0"/>
+    <cs:fontRef idx="minor">
+      <a:schemeClr val="tx1"/>
+    </cs:fontRef>
+    <cs:spPr>
+      <a:ln w="28575" cap="rnd">
+        <a:solidFill>
+          <a:schemeClr val="phClr"/>
+        </a:solidFill>
+        <a:round/>
+      </a:ln>
+    </cs:spPr>
+  </cs:dataPointLine>
+  <cs:dataPointMarker>
+    <cs:lnRef idx="0">
+      <cs:styleClr val="auto"/>
+    </cs:lnRef>
+    <cs:fillRef idx="1">
+      <cs:styleClr val="auto"/>
+    </cs:fillRef>
+    <cs:effectRef idx="0"/>
+    <cs:fontRef idx="minor">
+      <a:schemeClr val="tx1"/>
+    </cs:fontRef>
+    <cs:spPr>
+      <a:solidFill>
+        <a:schemeClr val="phClr"/>
+      </a:solidFill>
+      <a:ln w="9525">
+        <a:solidFill>
+          <a:schemeClr val="phClr"/>
+        </a:solidFill>
+      </a:ln>
+    </cs:spPr>
+  </cs:dataPointMarker>
+  <cs:dataPointMarkerLayout symbol="circle" size="5"/>
+  <cs:dataPointWireframe>
+    <cs:lnRef idx="0">
+      <cs:styleClr val="auto"/>
+    </cs:lnRef>
+    <cs:fillRef idx="1"/>
+    <cs:effectRef idx="0"/>
+    <cs:fontRef idx="minor">
+      <a:schemeClr val="tx1"/>
+    </cs:fontRef>
+    <cs:spPr>
+      <a:ln w="9525" cap="rnd">
+        <a:solidFill>
+          <a:schemeClr val="phClr"/>
+        </a:solidFill>
+        <a:round/>
+      </a:ln>
+    </cs:spPr>
+  </cs:dataPointWireframe>
+  <cs:dataTable>
+    <cs:lnRef idx="0"/>
+    <cs:fillRef idx="0"/>
+    <cs:effectRef idx="0"/>
+    <cs:fontRef idx="minor">
+      <a:schemeClr val="tx1">
+        <a:lumMod val="65000"/>
+        <a:lumOff val="35000"/>
+      </a:schemeClr>
+    </cs:fontRef>
+    <cs:spPr>
+      <a:noFill/>
+      <a:ln w="9525" cap="flat" cmpd="sng" algn="ctr">
+        <a:solidFill>
+          <a:schemeClr val="tx1">
+            <a:lumMod val="15000"/>
+            <a:lumOff val="85000"/>
+          </a:schemeClr>
+        </a:solidFill>
+        <a:round/>
+      </a:ln>
+    </cs:spPr>
+    <cs:defRPr sz="900" kern="1200"/>
+  </cs:dataTable>
+  <cs:downBar>
+    <cs:lnRef idx="0"/>
+    <cs:fillRef idx="0"/>
+    <cs:effectRef idx="0"/>
+    <cs:fontRef idx="minor">
+      <a:schemeClr val="dk1"/>
+    </cs:fontRef>
+    <cs:spPr>
+      <a:solidFill>
+        <a:schemeClr val="dk1">
+          <a:lumMod val="65000"/>
+          <a:lumOff val="35000"/>
+        </a:schemeClr>
+      </a:solidFill>
+      <a:ln w="9525">
+        <a:solidFill>
+          <a:schemeClr val="tx1">
+            <a:lumMod val="65000"/>
+            <a:lumOff val="35000"/>
+          </a:schemeClr>
+        </a:solidFill>
+      </a:ln>
+    </cs:spPr>
+  </cs:downBar>
+  <cs:dropLine>
+    <cs:lnRef idx="0"/>
+    <cs:fillRef idx="0"/>
+    <cs:effectRef idx="0"/>
+    <cs:fontRef idx="minor">
+      <a:schemeClr val="tx1"/>
+    </cs:fontRef>
+    <cs:spPr>
+      <a:ln w="9525" cap="flat" cmpd="sng" algn="ctr">
+        <a:solidFill>
+          <a:schemeClr val="tx1">
+            <a:lumMod val="35000"/>
+            <a:lumOff val="65000"/>
+          </a:schemeClr>
+        </a:solidFill>
+        <a:round/>
+      </a:ln>
+    </cs:spPr>
+  </cs:dropLine>
+  <cs:errorBar>
+    <cs:lnRef idx="0"/>
+    <cs:fillRef idx="0"/>
+    <cs:effectRef idx="0"/>
+    <cs:fontRef idx="minor">
+      <a:schemeClr val="tx1"/>
+    </cs:fontRef>
+    <cs:spPr>
+      <a:ln w="9525" cap="flat" cmpd="sng" algn="ctr">
+        <a:solidFill>
+          <a:schemeClr val="tx1">
+            <a:lumMod val="65000"/>
+            <a:lumOff val="35000"/>
+          </a:schemeClr>
+        </a:solidFill>
+        <a:round/>
+      </a:ln>
+    </cs:spPr>
+  </cs:errorBar>
+  <cs:floor>
+    <cs:lnRef idx="0"/>
+    <cs:fillRef idx="0"/>
+    <cs:effectRef idx="0"/>
+    <cs:fontRef idx="minor">
+      <a:schemeClr val="tx1"/>
+    </cs:fontRef>
+    <cs:spPr>
+      <a:noFill/>
+      <a:ln>
+        <a:noFill/>
+      </a:ln>
+    </cs:spPr>
+  </cs:floor>
+  <cs:gridlineMajor>
+    <cs:lnRef idx="0"/>
+    <cs:fillRef idx="0"/>
+    <cs:effectRef idx="0"/>
+    <cs:fontRef idx="minor">
+      <a:schemeClr val="tx1"/>
+    </cs:fontRef>
+    <cs:spPr>
+      <a:ln w="9525" cap="flat" cmpd="sng" algn="ctr">
+        <a:solidFill>
+          <a:schemeClr val="tx1">
+            <a:lumMod val="15000"/>
+            <a:lumOff val="85000"/>
+          </a:schemeClr>
+        </a:solidFill>
+        <a:round/>
+      </a:ln>
+    </cs:spPr>
+  </cs:gridlineMajor>
+  <cs:gridlineMinor>
+    <cs:lnRef idx="0"/>
+    <cs:fillRef idx="0"/>
+    <cs:effectRef idx="0"/>
+    <cs:fontRef idx="minor">
+      <a:schemeClr val="tx1"/>
+    </cs:fontRef>
+    <cs:spPr>
+      <a:ln w="9525" cap="flat" cmpd="sng" algn="ctr">
+        <a:solidFill>
+          <a:schemeClr val="tx1">
+            <a:lumMod val="5000"/>
+            <a:lumOff val="95000"/>
+          </a:schemeClr>
+        </a:solidFill>
+        <a:round/>
+      </a:ln>
+    </cs:spPr>
+  </cs:gridlineMinor>
+  <cs:hiLoLine>
+    <cs:lnRef idx="0"/>
+    <cs:fillRef idx="0"/>
+    <cs:effectRef idx="0"/>
+    <cs:fontRef idx="minor">
+      <a:schemeClr val="tx1"/>
+    </cs:fontRef>
+    <cs:spPr>
+      <a:ln w="9525" cap="flat" cmpd="sng" algn="ctr">
+        <a:solidFill>
+          <a:schemeClr val="tx1">
+            <a:lumMod val="75000"/>
+            <a:lumOff val="25000"/>
+          </a:schemeClr>
+        </a:solidFill>
+        <a:round/>
+      </a:ln>
+    </cs:spPr>
+  </cs:hiLoLine>
+  <cs:leaderLine>
+    <cs:lnRef idx="0"/>
+    <cs:fillRef idx="0"/>
+    <cs:effectRef idx="0"/>
+    <cs:fontRef idx="minor">
+      <a:schemeClr val="tx1"/>
+    </cs:fontRef>
+    <cs:spPr>
+      <a:ln w="9525" cap="flat" cmpd="sng" algn="ctr">
+        <a:solidFill>
+          <a:schemeClr val="tx1">
+            <a:lumMod val="35000"/>
+            <a:lumOff val="65000"/>
+          </a:schemeClr>
+        </a:solidFill>
+        <a:round/>
+      </a:ln>
+    </cs:spPr>
+  </cs:leaderLine>
+  <cs:legend>
+    <cs:lnRef idx="0"/>
+    <cs:fillRef idx="0"/>
+    <cs:effectRef idx="0"/>
+    <cs:fontRef idx="minor">
+      <a:schemeClr val="tx1">
+        <a:lumMod val="65000"/>
+        <a:lumOff val="35000"/>
+      </a:schemeClr>
+    </cs:fontRef>
+    <cs:defRPr sz="900" kern="1200"/>
+  </cs:legend>
+  <cs:plotArea mods="allowNoFillOverride allowNoLineOverride">
+    <cs:lnRef idx="0"/>
+    <cs:fillRef idx="0"/>
+    <cs:effectRef idx="0"/>
+    <cs:fontRef idx="minor">
+      <a:schemeClr val="tx1"/>
+    </cs:fontRef>
+  </cs:plotArea>
+  <cs:plotArea3D mods="allowNoFillOverride allowNoLineOverride">
+    <cs:lnRef idx="0"/>
+    <cs:fillRef idx="0"/>
+    <cs:effectRef idx="0"/>
+    <cs:fontRef idx="minor">
+      <a:schemeClr val="tx1"/>
+    </cs:fontRef>
+  </cs:plotArea3D>
+  <cs:seriesAxis>
+    <cs:lnRef idx="0"/>
+    <cs:fillRef idx="0"/>
+    <cs:effectRef idx="0"/>
+    <cs:fontRef idx="minor">
+      <a:schemeClr val="tx1">
+        <a:lumMod val="65000"/>
+        <a:lumOff val="35000"/>
+      </a:schemeClr>
+    </cs:fontRef>
+    <cs:defRPr sz="900" kern="1200"/>
+  </cs:seriesAxis>
+  <cs:seriesLine>
+    <cs:lnRef idx="0"/>
+    <cs:fillRef idx="0"/>
+    <cs:effectRef idx="0"/>
+    <cs:fontRef idx="minor">
+      <a:schemeClr val="tx1"/>
+    </cs:fontRef>
+    <cs:spPr>
+      <a:ln w="9525" cap="flat" cmpd="sng" algn="ctr">
+        <a:solidFill>
+          <a:schemeClr val="tx1">
+            <a:lumMod val="35000"/>
+            <a:lumOff val="65000"/>
+          </a:schemeClr>
+        </a:solidFill>
+        <a:round/>
+      </a:ln>
+    </cs:spPr>
+  </cs:seriesLine>
+  <cs:title>
+    <cs:lnRef idx="0"/>
+    <cs:fillRef idx="0"/>
+    <cs:effectRef idx="0"/>
+    <cs:fontRef idx="minor">
+      <a:schemeClr val="tx1">
+        <a:lumMod val="65000"/>
+        <a:lumOff val="35000"/>
+      </a:schemeClr>
+    </cs:fontRef>
+    <cs:defRPr sz="1400" b="0" kern="1200" spc="0" baseline="0"/>
+  </cs:title>
+  <cs:trendline>
+    <cs:lnRef idx="0">
+      <cs:styleClr val="auto"/>
+    </cs:lnRef>
+    <cs:fillRef idx="0"/>
+    <cs:effectRef idx="0"/>
+    <cs:fontRef idx="minor">
+      <a:schemeClr val="tx1"/>
+    </cs:fontRef>
+    <cs:spPr>
+      <a:ln w="19050" cap="rnd">
+        <a:solidFill>
+          <a:schemeClr val="phClr"/>
+        </a:solidFill>
+        <a:prstDash val="sysDot"/>
+      </a:ln>
+    </cs:spPr>
+  </cs:trendline>
+  <cs:trendlineLabel>
+    <cs:lnRef idx="0"/>
+    <cs:fillRef idx="0"/>
+    <cs:effectRef idx="0"/>
+    <cs:fontRef idx="minor">
+      <a:schemeClr val="tx1">
+        <a:lumMod val="65000"/>
+        <a:lumOff val="35000"/>
+      </a:schemeClr>
+    </cs:fontRef>
+    <cs:defRPr sz="900" kern="1200"/>
+  </cs:trendlineLabel>
+  <cs:upBar>
+    <cs:lnRef idx="0"/>
+    <cs:fillRef idx="0"/>
+    <cs:effectRef idx="0"/>
+    <cs:fontRef idx="minor">
+      <a:schemeClr val="dk1"/>
+    </cs:fontRef>
+    <cs:spPr>
+      <a:solidFill>
+        <a:schemeClr val="lt1"/>
+      </a:solidFill>
+      <a:ln w="9525">
+        <a:solidFill>
+          <a:schemeClr val="tx1">
+            <a:lumMod val="15000"/>
+            <a:lumOff val="85000"/>
+          </a:schemeClr>
+        </a:solidFill>
+      </a:ln>
+    </cs:spPr>
+  </cs:upBar>
+  <cs:valueAxis>
+    <cs:lnRef idx="0"/>
+    <cs:fillRef idx="0"/>
+    <cs:effectRef idx="0"/>
+    <cs:fontRef idx="minor">
+      <a:schemeClr val="tx1">
+        <a:lumMod val="65000"/>
+        <a:lumOff val="35000"/>
+      </a:schemeClr>
+    </cs:fontRef>
+    <cs:defRPr sz="900" kern="1200"/>
+  </cs:valueAxis>
+  <cs:wall>
+    <cs:lnRef idx="0"/>
+    <cs:fillRef idx="0"/>
+    <cs:effectRef idx="0"/>
+    <cs:fontRef idx="minor">
+      <a:schemeClr val="tx1"/>
+    </cs:fontRef>
+    <cs:spPr>
+      <a:noFill/>
+      <a:ln>
+        <a:noFill/>
+      </a:ln>
+    </cs:spPr>
+  </cs:wall>
+</cs:chartStyle>
+</file>
+
+<file path=ppt/charts/style4.xml><?xml version="1.0" encoding="utf-8"?>
+<cs:chartStyle xmlns:cs="http://schemas.microsoft.com/office/drawing/2012/chartStyle" xmlns:a="http://schemas.openxmlformats.org/drawingml/2006/main" id="227">
+  <cs:axisTitle>
+    <cs:lnRef idx="0"/>
+    <cs:fillRef idx="0"/>
+    <cs:effectRef idx="0"/>
+    <cs:fontRef idx="minor">
+      <a:schemeClr val="tx1">
+        <a:lumMod val="65000"/>
+        <a:lumOff val="35000"/>
+      </a:schemeClr>
+    </cs:fontRef>
+    <cs:defRPr sz="1000" kern="1200"/>
+  </cs:axisTitle>
+  <cs:categoryAxis>
+    <cs:lnRef idx="0"/>
+    <cs:fillRef idx="0"/>
+    <cs:effectRef idx="0"/>
+    <cs:fontRef idx="minor">
+      <a:schemeClr val="tx1">
+        <a:lumMod val="65000"/>
+        <a:lumOff val="35000"/>
+      </a:schemeClr>
+    </cs:fontRef>
+    <cs:spPr>
+      <a:ln w="9525" cap="flat" cmpd="sng" algn="ctr">
+        <a:solidFill>
+          <a:schemeClr val="tx1">
+            <a:lumMod val="15000"/>
+            <a:lumOff val="85000"/>
+          </a:schemeClr>
+        </a:solidFill>
+        <a:round/>
+      </a:ln>
+    </cs:spPr>
+    <cs:defRPr sz="900" kern="1200"/>
+  </cs:categoryAxis>
+  <cs:chartArea mods="allowNoFillOverride allowNoLineOverride">
+    <cs:lnRef idx="0"/>
+    <cs:fillRef idx="0"/>
+    <cs:effectRef idx="0"/>
+    <cs:fontRef idx="minor">
+      <a:schemeClr val="tx1"/>
+    </cs:fontRef>
+    <cs:spPr>
+      <a:solidFill>
+        <a:schemeClr val="bg1"/>
+      </a:solidFill>
+      <a:ln w="9525" cap="flat" cmpd="sng" algn="ctr">
+        <a:solidFill>
+          <a:schemeClr val="tx1">
+            <a:lumMod val="15000"/>
+            <a:lumOff val="85000"/>
+          </a:schemeClr>
+        </a:solidFill>
+        <a:round/>
+      </a:ln>
+    </cs:spPr>
+    <cs:defRPr sz="1000" kern="1200"/>
+  </cs:chartArea>
+  <cs:dataLabel>
+    <cs:lnRef idx="0"/>
+    <cs:fillRef idx="0"/>
+    <cs:effectRef idx="0"/>
+    <cs:fontRef idx="minor">
+      <a:schemeClr val="tx1">
+        <a:lumMod val="75000"/>
+        <a:lumOff val="25000"/>
+      </a:schemeClr>
+    </cs:fontRef>
+    <cs:defRPr sz="900" kern="1200"/>
+  </cs:dataLabel>
+  <cs:dataLabelCallout>
+    <cs:lnRef idx="0"/>
+    <cs:fillRef idx="0"/>
+    <cs:effectRef idx="0"/>
+    <cs:fontRef idx="minor">
+      <a:schemeClr val="dk1">
+        <a:lumMod val="65000"/>
+        <a:lumOff val="35000"/>
+      </a:schemeClr>
+    </cs:fontRef>
+    <cs:spPr>
+      <a:solidFill>
+        <a:schemeClr val="lt1"/>
+      </a:solidFill>
+      <a:ln>
+        <a:solidFill>
+          <a:schemeClr val="dk1">
+            <a:lumMod val="25000"/>
+            <a:lumOff val="75000"/>
+          </a:schemeClr>
+        </a:solidFill>
+      </a:ln>
+    </cs:spPr>
+    <cs:defRPr sz="900" kern="1200"/>
+    <cs:bodyPr rot="0" spcFirstLastPara="1" vertOverflow="clip" horzOverflow="clip" vert="horz" wrap="square" lIns="36576" tIns="18288" rIns="36576" bIns="18288" anchor="ctr" anchorCtr="1">
+      <a:spAutoFit/>
+    </cs:bodyPr>
+  </cs:dataLabelCallout>
+  <cs:dataPoint>
+    <cs:lnRef idx="0"/>
+    <cs:fillRef idx="1">
+      <cs:styleClr val="auto"/>
+    </cs:fillRef>
+    <cs:effectRef idx="0"/>
+    <cs:fontRef idx="minor">
+      <a:schemeClr val="tx1"/>
+    </cs:fontRef>
+    <cs:spPr>
+      <a:solidFill>
+        <a:schemeClr val="phClr"/>
+      </a:solidFill>
+    </cs:spPr>
+  </cs:dataPoint>
+  <cs:dataPoint3D>
+    <cs:lnRef idx="0"/>
+    <cs:fillRef idx="1">
+      <cs:styleClr val="auto"/>
+    </cs:fillRef>
+    <cs:effectRef idx="0"/>
+    <cs:fontRef idx="minor">
+      <a:schemeClr val="tx1"/>
+    </cs:fontRef>
+    <cs:spPr>
+      <a:solidFill>
+        <a:schemeClr val="phClr"/>
+      </a:solidFill>
+    </cs:spPr>
+  </cs:dataPoint3D>
+  <cs:dataPointLine>
+    <cs:lnRef idx="0">
+      <cs:styleClr val="auto"/>
+    </cs:lnRef>
+    <cs:fillRef idx="1"/>
+    <cs:effectRef idx="0"/>
+    <cs:fontRef idx="minor">
+      <a:schemeClr val="tx1"/>
+    </cs:fontRef>
+    <cs:spPr>
+      <a:ln w="28575" cap="rnd">
+        <a:solidFill>
+          <a:schemeClr val="phClr"/>
+        </a:solidFill>
+        <a:round/>
+      </a:ln>
+    </cs:spPr>
+  </cs:dataPointLine>
+  <cs:dataPointMarker>
+    <cs:lnRef idx="0">
+      <cs:styleClr val="auto"/>
+    </cs:lnRef>
+    <cs:fillRef idx="1">
+      <cs:styleClr val="auto"/>
+    </cs:fillRef>
+    <cs:effectRef idx="0"/>
+    <cs:fontRef idx="minor">
+      <a:schemeClr val="tx1"/>
+    </cs:fontRef>
+    <cs:spPr>
+      <a:solidFill>
+        <a:schemeClr val="phClr"/>
+      </a:solidFill>
+      <a:ln w="9525">
+        <a:solidFill>
+          <a:schemeClr val="phClr"/>
+        </a:solidFill>
+      </a:ln>
+    </cs:spPr>
+  </cs:dataPointMarker>
+  <cs:dataPointMarkerLayout symbol="circle" size="5"/>
+  <cs:dataPointWireframe>
+    <cs:lnRef idx="0">
+      <cs:styleClr val="auto"/>
+    </cs:lnRef>
+    <cs:fillRef idx="1"/>
+    <cs:effectRef idx="0"/>
+    <cs:fontRef idx="minor">
+      <a:schemeClr val="tx1"/>
+    </cs:fontRef>
+    <cs:spPr>
+      <a:ln w="9525" cap="rnd">
+        <a:solidFill>
+          <a:schemeClr val="phClr"/>
+        </a:solidFill>
+        <a:round/>
+      </a:ln>
+    </cs:spPr>
+  </cs:dataPointWireframe>
+  <cs:dataTable>
+    <cs:lnRef idx="0"/>
+    <cs:fillRef idx="0"/>
+    <cs:effectRef idx="0"/>
+    <cs:fontRef idx="minor">
+      <a:schemeClr val="tx1">
+        <a:lumMod val="65000"/>
+        <a:lumOff val="35000"/>
+      </a:schemeClr>
+    </cs:fontRef>
+    <cs:spPr>
+      <a:noFill/>
+      <a:ln w="9525" cap="flat" cmpd="sng" algn="ctr">
+        <a:solidFill>
+          <a:schemeClr val="tx1">
+            <a:lumMod val="15000"/>
+            <a:lumOff val="85000"/>
+          </a:schemeClr>
+        </a:solidFill>
+        <a:round/>
+      </a:ln>
+    </cs:spPr>
+    <cs:defRPr sz="900" kern="1200"/>
+  </cs:dataTable>
+  <cs:downBar>
+    <cs:lnRef idx="0"/>
+    <cs:fillRef idx="0"/>
+    <cs:effectRef idx="0"/>
+    <cs:fontRef idx="minor">
+      <a:schemeClr val="dk1"/>
+    </cs:fontRef>
+    <cs:spPr>
+      <a:solidFill>
+        <a:schemeClr val="dk1">
+          <a:lumMod val="65000"/>
+          <a:lumOff val="35000"/>
+        </a:schemeClr>
+      </a:solidFill>
+      <a:ln w="9525">
+        <a:solidFill>
+          <a:schemeClr val="tx1">
+            <a:lumMod val="65000"/>
+            <a:lumOff val="35000"/>
+          </a:schemeClr>
+        </a:solidFill>
+      </a:ln>
+    </cs:spPr>
+  </cs:downBar>
+  <cs:dropLine>
+    <cs:lnRef idx="0"/>
+    <cs:fillRef idx="0"/>
+    <cs:effectRef idx="0"/>
+    <cs:fontRef idx="minor">
+      <a:schemeClr val="tx1"/>
+    </cs:fontRef>
+    <cs:spPr>
+      <a:ln w="9525" cap="flat" cmpd="sng" algn="ctr">
+        <a:solidFill>
+          <a:schemeClr val="tx1">
+            <a:lumMod val="35000"/>
+            <a:lumOff val="65000"/>
+          </a:schemeClr>
+        </a:solidFill>
+        <a:round/>
+      </a:ln>
+    </cs:spPr>
+  </cs:dropLine>
+  <cs:errorBar>
+    <cs:lnRef idx="0"/>
+    <cs:fillRef idx="0"/>
+    <cs:effectRef idx="0"/>
+    <cs:fontRef idx="minor">
+      <a:schemeClr val="tx1"/>
+    </cs:fontRef>
+    <cs:spPr>
+      <a:ln w="9525" cap="flat" cmpd="sng" algn="ctr">
+        <a:solidFill>
+          <a:schemeClr val="tx1">
+            <a:lumMod val="65000"/>
+            <a:lumOff val="35000"/>
+          </a:schemeClr>
+        </a:solidFill>
+        <a:round/>
+      </a:ln>
+    </cs:spPr>
+  </cs:errorBar>
+  <cs:floor>
+    <cs:lnRef idx="0"/>
+    <cs:fillRef idx="0"/>
+    <cs:effectRef idx="0"/>
+    <cs:fontRef idx="minor">
+      <a:schemeClr val="tx1"/>
+    </cs:fontRef>
+    <cs:spPr>
+      <a:noFill/>
+      <a:ln>
+        <a:noFill/>
+      </a:ln>
+    </cs:spPr>
+  </cs:floor>
+  <cs:gridlineMajor>
+    <cs:lnRef idx="0"/>
+    <cs:fillRef idx="0"/>
+    <cs:effectRef idx="0"/>
+    <cs:fontRef idx="minor">
+      <a:schemeClr val="tx1"/>
+    </cs:fontRef>
+    <cs:spPr>
+      <a:ln w="9525" cap="flat" cmpd="sng" algn="ctr">
+        <a:solidFill>
+          <a:schemeClr val="tx1">
+            <a:lumMod val="15000"/>
+            <a:lumOff val="85000"/>
+          </a:schemeClr>
+        </a:solidFill>
+        <a:round/>
+      </a:ln>
+    </cs:spPr>
+  </cs:gridlineMajor>
+  <cs:gridlineMinor>
+    <cs:lnRef idx="0"/>
+    <cs:fillRef idx="0"/>
+    <cs:effectRef idx="0"/>
+    <cs:fontRef idx="minor">
+      <a:schemeClr val="tx1"/>
+    </cs:fontRef>
+    <cs:spPr>
+      <a:ln w="9525" cap="flat" cmpd="sng" algn="ctr">
+        <a:solidFill>
+          <a:schemeClr val="tx1">
+            <a:lumMod val="5000"/>
+            <a:lumOff val="95000"/>
+          </a:schemeClr>
+        </a:solidFill>
+        <a:round/>
+      </a:ln>
+    </cs:spPr>
+  </cs:gridlineMinor>
+  <cs:hiLoLine>
+    <cs:lnRef idx="0"/>
+    <cs:fillRef idx="0"/>
+    <cs:effectRef idx="0"/>
+    <cs:fontRef idx="minor">
+      <a:schemeClr val="tx1"/>
+    </cs:fontRef>
+    <cs:spPr>
+      <a:ln w="9525" cap="flat" cmpd="sng" algn="ctr">
+        <a:solidFill>
+          <a:schemeClr val="tx1">
+            <a:lumMod val="75000"/>
+            <a:lumOff val="25000"/>
+          </a:schemeClr>
+        </a:solidFill>
+        <a:round/>
+      </a:ln>
+    </cs:spPr>
+  </cs:hiLoLine>
+  <cs:leaderLine>
+    <cs:lnRef idx="0"/>
+    <cs:fillRef idx="0"/>
+    <cs:effectRef idx="0"/>
+    <cs:fontRef idx="minor">
+      <a:schemeClr val="tx1"/>
+    </cs:fontRef>
+    <cs:spPr>
+      <a:ln w="9525" cap="flat" cmpd="sng" algn="ctr">
+        <a:solidFill>
+          <a:schemeClr val="tx1">
+            <a:lumMod val="35000"/>
+            <a:lumOff val="65000"/>
+          </a:schemeClr>
+        </a:solidFill>
+        <a:round/>
+      </a:ln>
+    </cs:spPr>
+  </cs:leaderLine>
+  <cs:legend>
+    <cs:lnRef idx="0"/>
+    <cs:fillRef idx="0"/>
+    <cs:effectRef idx="0"/>
+    <cs:fontRef idx="minor">
+      <a:schemeClr val="tx1">
+        <a:lumMod val="65000"/>
+        <a:lumOff val="35000"/>
+      </a:schemeClr>
+    </cs:fontRef>
+    <cs:defRPr sz="900" kern="1200"/>
+  </cs:legend>
+  <cs:plotArea mods="allowNoFillOverride allowNoLineOverride">
+    <cs:lnRef idx="0"/>
+    <cs:fillRef idx="0"/>
+    <cs:effectRef idx="0"/>
+    <cs:fontRef idx="minor">
+      <a:schemeClr val="tx1"/>
+    </cs:fontRef>
+  </cs:plotArea>
+  <cs:plotArea3D mods="allowNoFillOverride allowNoLineOverride">
+    <cs:lnRef idx="0"/>
+    <cs:fillRef idx="0"/>
+    <cs:effectRef idx="0"/>
+    <cs:fontRef idx="minor">
+      <a:schemeClr val="tx1"/>
+    </cs:fontRef>
+  </cs:plotArea3D>
+  <cs:seriesAxis>
+    <cs:lnRef idx="0"/>
+    <cs:fillRef idx="0"/>
+    <cs:effectRef idx="0"/>
+    <cs:fontRef idx="minor">
+      <a:schemeClr val="tx1">
+        <a:lumMod val="65000"/>
+        <a:lumOff val="35000"/>
+      </a:schemeClr>
+    </cs:fontRef>
+    <cs:defRPr sz="900" kern="1200"/>
+  </cs:seriesAxis>
+  <cs:seriesLine>
+    <cs:lnRef idx="0"/>
+    <cs:fillRef idx="0"/>
+    <cs:effectRef idx="0"/>
+    <cs:fontRef idx="minor">
+      <a:schemeClr val="tx1"/>
+    </cs:fontRef>
+    <cs:spPr>
+      <a:ln w="9525" cap="flat" cmpd="sng" algn="ctr">
+        <a:solidFill>
+          <a:schemeClr val="tx1">
+            <a:lumMod val="35000"/>
+            <a:lumOff val="65000"/>
+          </a:schemeClr>
+        </a:solidFill>
+        <a:round/>
+      </a:ln>
+    </cs:spPr>
+  </cs:seriesLine>
+  <cs:title>
+    <cs:lnRef idx="0"/>
+    <cs:fillRef idx="0"/>
+    <cs:effectRef idx="0"/>
+    <cs:fontRef idx="minor">
+      <a:schemeClr val="tx1">
+        <a:lumMod val="65000"/>
+        <a:lumOff val="35000"/>
+      </a:schemeClr>
+    </cs:fontRef>
+    <cs:defRPr sz="1400" b="0" kern="1200" spc="0" baseline="0"/>
+  </cs:title>
+  <cs:trendline>
+    <cs:lnRef idx="0">
+      <cs:styleClr val="auto"/>
+    </cs:lnRef>
+    <cs:fillRef idx="0"/>
+    <cs:effectRef idx="0"/>
+    <cs:fontRef idx="minor">
+      <a:schemeClr val="tx1"/>
+    </cs:fontRef>
+    <cs:spPr>
+      <a:ln w="19050" cap="rnd">
+        <a:solidFill>
+          <a:schemeClr val="phClr"/>
+        </a:solidFill>
+        <a:prstDash val="sysDot"/>
+      </a:ln>
+    </cs:spPr>
+  </cs:trendline>
+  <cs:trendlineLabel>
+    <cs:lnRef idx="0"/>
+    <cs:fillRef idx="0"/>
+    <cs:effectRef idx="0"/>
+    <cs:fontRef idx="minor">
+      <a:schemeClr val="tx1">
+        <a:lumMod val="65000"/>
+        <a:lumOff val="35000"/>
+      </a:schemeClr>
+    </cs:fontRef>
+    <cs:defRPr sz="900" kern="1200"/>
+  </cs:trendlineLabel>
+  <cs:upBar>
+    <cs:lnRef idx="0"/>
+    <cs:fillRef idx="0"/>
+    <cs:effectRef idx="0"/>
+    <cs:fontRef idx="minor">
+      <a:schemeClr val="dk1"/>
+    </cs:fontRef>
+    <cs:spPr>
+      <a:solidFill>
+        <a:schemeClr val="lt1"/>
+      </a:solidFill>
+      <a:ln w="9525">
+        <a:solidFill>
+          <a:schemeClr val="tx1">
+            <a:lumMod val="15000"/>
+            <a:lumOff val="85000"/>
+          </a:schemeClr>
+        </a:solidFill>
+      </a:ln>
+    </cs:spPr>
+  </cs:upBar>
+  <cs:valueAxis>
+    <cs:lnRef idx="0"/>
+    <cs:fillRef idx="0"/>
+    <cs:effectRef idx="0"/>
+    <cs:fontRef idx="minor">
+      <a:schemeClr val="tx1">
+        <a:lumMod val="65000"/>
+        <a:lumOff val="35000"/>
+      </a:schemeClr>
+    </cs:fontRef>
+    <cs:defRPr sz="900" kern="1200"/>
+  </cs:valueAxis>
+  <cs:wall>
+    <cs:lnRef idx="0"/>
+    <cs:fillRef idx="0"/>
+    <cs:effectRef idx="0"/>
+    <cs:fontRef idx="minor">
+      <a:schemeClr val="tx1"/>
+    </cs:fontRef>
+    <cs:spPr>
+      <a:noFill/>
+      <a:ln>
+        <a:noFill/>
+      </a:ln>
+    </cs:spPr>
+  </cs:wall>
+</cs:chartStyle>
 </file>
 
 <file path=ppt/handoutMasters/handoutMaster1.xml><?xml version="1.0" encoding="utf-8"?>
@@ -5512,6 +8877,36 @@
                 </a:extLst>
               </a:tr>
             </a:tbl>
+          </a:graphicData>
+        </a:graphic>
+      </p:graphicFrame>
+      <p:graphicFrame>
+        <p:nvGraphicFramePr>
+          <p:cNvPr id="7" name="Diagramm 6">
+            <a:extLst>
+              <a:ext uri="{FF2B5EF4-FFF2-40B4-BE49-F238E27FC236}">
+                <a16:creationId xmlns:a16="http://schemas.microsoft.com/office/drawing/2014/main" id="{E1B304C6-0FCC-4903-9FD5-8C584426E2E6}"/>
+              </a:ext>
+            </a:extLst>
+          </p:cNvPr>
+          <p:cNvGraphicFramePr>
+            <a:graphicFrameLocks/>
+          </p:cNvGraphicFramePr>
+          <p:nvPr>
+            <p:extLst>
+              <p:ext uri="{D42A27DB-BD31-4B8C-83A1-F6EECF244321}">
+                <p14:modId xmlns:p14="http://schemas.microsoft.com/office/powerpoint/2010/main" val="2744347138"/>
+              </p:ext>
+            </p:extLst>
+          </p:nvPr>
+        </p:nvGraphicFramePr>
+        <p:xfrm>
+          <a:off x="3923928" y="1902653"/>
+          <a:ext cx="4536504" cy="2171700"/>
+        </p:xfrm>
+        <a:graphic>
+          <a:graphicData uri="http://schemas.openxmlformats.org/drawingml/2006/chart">
+            <c:chart xmlns:c="http://schemas.openxmlformats.org/drawingml/2006/chart" xmlns:r="http://schemas.openxmlformats.org/officeDocument/2006/relationships" r:id="rId2"/>
           </a:graphicData>
         </a:graphic>
       </p:graphicFrame>
@@ -6814,6 +10209,36 @@
           </a:graphicData>
         </a:graphic>
       </p:graphicFrame>
+      <p:graphicFrame>
+        <p:nvGraphicFramePr>
+          <p:cNvPr id="6" name="Diagramm 5">
+            <a:extLst>
+              <a:ext uri="{FF2B5EF4-FFF2-40B4-BE49-F238E27FC236}">
+                <a16:creationId xmlns:a16="http://schemas.microsoft.com/office/drawing/2014/main" id="{3CA4AE78-78FD-45B3-B0E7-A918E18FA25E}"/>
+              </a:ext>
+            </a:extLst>
+          </p:cNvPr>
+          <p:cNvGraphicFramePr>
+            <a:graphicFrameLocks/>
+          </p:cNvGraphicFramePr>
+          <p:nvPr>
+            <p:extLst>
+              <p:ext uri="{D42A27DB-BD31-4B8C-83A1-F6EECF244321}">
+                <p14:modId xmlns:p14="http://schemas.microsoft.com/office/powerpoint/2010/main" val="2943061526"/>
+              </p:ext>
+            </p:extLst>
+          </p:nvPr>
+        </p:nvGraphicFramePr>
+        <p:xfrm>
+          <a:off x="3923928" y="1902653"/>
+          <a:ext cx="4248472" cy="2171700"/>
+        </p:xfrm>
+        <a:graphic>
+          <a:graphicData uri="http://schemas.openxmlformats.org/drawingml/2006/chart">
+            <c:chart xmlns:c="http://schemas.openxmlformats.org/drawingml/2006/chart" xmlns:r="http://schemas.openxmlformats.org/officeDocument/2006/relationships" r:id="rId2"/>
+          </a:graphicData>
+        </a:graphic>
+      </p:graphicFrame>
     </p:spTree>
     <p:extLst>
       <p:ext uri="{BB962C8B-B14F-4D97-AF65-F5344CB8AC3E}">
@@ -7400,6 +10825,36 @@
           </a:graphicData>
         </a:graphic>
       </p:graphicFrame>
+      <p:graphicFrame>
+        <p:nvGraphicFramePr>
+          <p:cNvPr id="6" name="Diagramm 5">
+            <a:extLst>
+              <a:ext uri="{FF2B5EF4-FFF2-40B4-BE49-F238E27FC236}">
+                <a16:creationId xmlns:a16="http://schemas.microsoft.com/office/drawing/2014/main" id="{7F3E3105-0813-4029-B74B-AA841E032EF1}"/>
+              </a:ext>
+            </a:extLst>
+          </p:cNvPr>
+          <p:cNvGraphicFramePr>
+            <a:graphicFrameLocks/>
+          </p:cNvGraphicFramePr>
+          <p:nvPr>
+            <p:extLst>
+              <p:ext uri="{D42A27DB-BD31-4B8C-83A1-F6EECF244321}">
+                <p14:modId xmlns:p14="http://schemas.microsoft.com/office/powerpoint/2010/main" val="4255834580"/>
+              </p:ext>
+            </p:extLst>
+          </p:nvPr>
+        </p:nvGraphicFramePr>
+        <p:xfrm>
+          <a:off x="3851919" y="1902653"/>
+          <a:ext cx="4464497" cy="2171700"/>
+        </p:xfrm>
+        <a:graphic>
+          <a:graphicData uri="http://schemas.openxmlformats.org/drawingml/2006/chart">
+            <c:chart xmlns:c="http://schemas.openxmlformats.org/drawingml/2006/chart" xmlns:r="http://schemas.openxmlformats.org/officeDocument/2006/relationships" r:id="rId2"/>
+          </a:graphicData>
+        </a:graphic>
+      </p:graphicFrame>
     </p:spTree>
     <p:extLst>
       <p:ext uri="{BB962C8B-B14F-4D97-AF65-F5344CB8AC3E}">
@@ -7952,13 +11407,8 @@
             <a:pPr lvl="1"/>
             <a:r>
               <a:rPr lang="de-DE" dirty="0"/>
-              <a:t>Wie verwende ich ein Modell in R im </a:t>
-            </a:r>
-            <a:r>
-              <a:rPr lang="de-DE" dirty="0" err="1"/>
-              <a:t>SQLServer</a:t>
-            </a:r>
-            <a:endParaRPr lang="de-DE" dirty="0"/>
+              <a:t>Wie verwende ich ein Modell in R im SQL-Server</a:t>
+            </a:r>
           </a:p>
           <a:p>
             <a:r>
@@ -8032,13 +11482,8 @@
           <a:p>
             <a:r>
               <a:rPr lang="de-DE" dirty="0"/>
-              <a:t>Theorie zu R und </a:t>
-            </a:r>
-            <a:r>
-              <a:rPr lang="de-DE" dirty="0" err="1"/>
-              <a:t>SQLServer</a:t>
-            </a:r>
-            <a:endParaRPr lang="de-DE" dirty="0"/>
+              <a:t>Theorie zu R und SQL-Server</a:t>
+            </a:r>
           </a:p>
         </p:txBody>
       </p:sp>
@@ -9051,6 +12496,36 @@
                 </a:extLst>
               </a:tr>
             </a:tbl>
+          </a:graphicData>
+        </a:graphic>
+      </p:graphicFrame>
+      <p:graphicFrame>
+        <p:nvGraphicFramePr>
+          <p:cNvPr id="8" name="Diagramm 7">
+            <a:extLst>
+              <a:ext uri="{FF2B5EF4-FFF2-40B4-BE49-F238E27FC236}">
+                <a16:creationId xmlns:a16="http://schemas.microsoft.com/office/drawing/2014/main" id="{AF341009-5E0C-4085-971C-C28E6111D23E}"/>
+              </a:ext>
+            </a:extLst>
+          </p:cNvPr>
+          <p:cNvGraphicFramePr>
+            <a:graphicFrameLocks/>
+          </p:cNvGraphicFramePr>
+          <p:nvPr>
+            <p:extLst>
+              <p:ext uri="{D42A27DB-BD31-4B8C-83A1-F6EECF244321}">
+                <p14:modId xmlns:p14="http://schemas.microsoft.com/office/powerpoint/2010/main" val="2702464677"/>
+              </p:ext>
+            </p:extLst>
+          </p:nvPr>
+        </p:nvGraphicFramePr>
+        <p:xfrm>
+          <a:off x="3995936" y="1902653"/>
+          <a:ext cx="4320480" cy="2171700"/>
+        </p:xfrm>
+        <a:graphic>
+          <a:graphicData uri="http://schemas.openxmlformats.org/drawingml/2006/chart">
+            <c:chart xmlns:c="http://schemas.openxmlformats.org/drawingml/2006/chart" xmlns:r="http://schemas.openxmlformats.org/officeDocument/2006/relationships" r:id="rId2"/>
           </a:graphicData>
         </a:graphic>
       </p:graphicFrame>
@@ -9916,15 +13391,6 @@
 </file>
 
 <file path=customXml/item2.xml><?xml version="1.0" encoding="utf-8"?>
-<?mso-contentType ?>
-<FormTemplates xmlns="http://schemas.microsoft.com/sharepoint/v3/contenttype/forms">
-  <Display>DocumentLibraryForm</Display>
-  <Edit>DocumentLibraryForm</Edit>
-  <New>DocumentLibraryForm</New>
-</FormTemplates>
-</file>
-
-<file path=customXml/item3.xml><?xml version="1.0" encoding="utf-8"?>
 <ct:contentTypeSchema xmlns:ct="http://schemas.microsoft.com/office/2006/metadata/contentType" xmlns:ma="http://schemas.microsoft.com/office/2006/metadata/properties/metaAttributes" ct:_="" ma:_="" ma:contentTypeName="Document" ma:contentTypeID="0x0101007E5E5E72545FEE4EA413C9F33B92CDDC" ma:contentTypeVersion="1" ma:contentTypeDescription="Create a new document." ma:contentTypeScope="" ma:versionID="5fb799aac4c84f0a0e786f5b81ce7a3a">
   <xsd:schema xmlns:xsd="http://www.w3.org/2001/XMLSchema" xmlns:p="http://schemas.microsoft.com/office/2006/metadata/properties" xmlns:ns1="http://schemas.microsoft.com/sharepoint/v3" targetNamespace="http://schemas.microsoft.com/office/2006/metadata/properties" ma:root="true" ma:fieldsID="ddb0c952b897a810c8a4e377cff6bff8" ns1:_="">
     <xsd:import namespace="http://schemas.microsoft.com/sharepoint/v3"/>
@@ -9990,6 +13456,15 @@
 </ct:contentTypeSchema>
 </file>
 
+<file path=customXml/item3.xml><?xml version="1.0" encoding="utf-8"?>
+<?mso-contentType ?>
+<FormTemplates xmlns="http://schemas.microsoft.com/sharepoint/v3/contenttype/forms">
+  <Display>DocumentLibraryForm</Display>
+  <Edit>DocumentLibraryForm</Edit>
+  <New>DocumentLibraryForm</New>
+</FormTemplates>
+</file>
+
 <file path=customXml/itemProps1.xml><?xml version="1.0" encoding="utf-8"?>
 <ds:datastoreItem xmlns:ds="http://schemas.openxmlformats.org/officeDocument/2006/customXml" ds:itemID="{8D29B44A-4CF7-434C-A278-462478FDE8D7}">
   <ds:schemaRefs>
@@ -10006,14 +13481,6 @@
 </file>
 
 <file path=customXml/itemProps2.xml><?xml version="1.0" encoding="utf-8"?>
-<ds:datastoreItem xmlns:ds="http://schemas.openxmlformats.org/officeDocument/2006/customXml" ds:itemID="{066CE0DF-F14B-480E-8BB2-075A909740B9}">
-  <ds:schemaRefs>
-    <ds:schemaRef ds:uri="http://schemas.microsoft.com/sharepoint/v3/contenttype/forms"/>
-  </ds:schemaRefs>
-</ds:datastoreItem>
-</file>
-
-<file path=customXml/itemProps3.xml><?xml version="1.0" encoding="utf-8"?>
 <ds:datastoreItem xmlns:ds="http://schemas.openxmlformats.org/officeDocument/2006/customXml" ds:itemID="{7E02D938-E4F2-40AC-ABEF-165C072F9E88}">
   <ds:schemaRefs>
     <ds:schemaRef ds:uri="http://schemas.microsoft.com/office/2006/metadata/contentType"/>
@@ -10028,4 +13495,12 @@
     <ds:schemaRef ds:uri="http://schemas.microsoft.com/office/internal/2005/internalDocumentation"/>
   </ds:schemaRefs>
 </ds:datastoreItem>
+</file>
+
+<file path=customXml/itemProps3.xml><?xml version="1.0" encoding="utf-8"?>
+<ds:datastoreItem xmlns:ds="http://schemas.openxmlformats.org/officeDocument/2006/customXml" ds:itemID="{066CE0DF-F14B-480E-8BB2-075A909740B9}">
+  <ds:schemaRefs>
+    <ds:schemaRef ds:uri="http://schemas.microsoft.com/sharepoint/v3/contenttype/forms"/>
+  </ds:schemaRefs>
+</ds:datastoreItem>
 </file>
--- a/Bachelor_Zwischenstand.pptx
+++ b/Bachelor_Zwischenstand.pptx
@@ -5,10 +5,10 @@
     <p:sldMasterId id="2147483651" r:id="rId4"/>
   </p:sldMasterIdLst>
   <p:notesMasterIdLst>
-    <p:notesMasterId r:id="rId19"/>
+    <p:notesMasterId r:id="rId22"/>
   </p:notesMasterIdLst>
   <p:handoutMasterIdLst>
-    <p:handoutMasterId r:id="rId20"/>
+    <p:handoutMasterId r:id="rId23"/>
   </p:handoutMasterIdLst>
   <p:sldIdLst>
     <p:sldId id="256" r:id="rId5"/>
@@ -19,12 +19,15 @@
     <p:sldId id="267" r:id="rId10"/>
     <p:sldId id="268" r:id="rId11"/>
     <p:sldId id="269" r:id="rId12"/>
-    <p:sldId id="270" r:id="rId13"/>
-    <p:sldId id="271" r:id="rId14"/>
-    <p:sldId id="272" r:id="rId15"/>
-    <p:sldId id="273" r:id="rId16"/>
-    <p:sldId id="274" r:id="rId17"/>
-    <p:sldId id="258" r:id="rId18"/>
+    <p:sldId id="271" r:id="rId13"/>
+    <p:sldId id="274" r:id="rId14"/>
+    <p:sldId id="277" r:id="rId15"/>
+    <p:sldId id="270" r:id="rId16"/>
+    <p:sldId id="272" r:id="rId17"/>
+    <p:sldId id="273" r:id="rId18"/>
+    <p:sldId id="275" r:id="rId19"/>
+    <p:sldId id="276" r:id="rId20"/>
+    <p:sldId id="258" r:id="rId21"/>
   </p:sldIdLst>
   <p:sldSz cx="9144000" cy="5143500" type="screen16x9"/>
   <p:notesSz cx="6858000" cy="9144000"/>
@@ -150,295 +153,6 @@
 </file>
 
 <file path=ppt/charts/chart1.xml><?xml version="1.0" encoding="utf-8"?>
-<c:chartSpace xmlns:c="http://schemas.openxmlformats.org/drawingml/2006/chart" xmlns:a="http://schemas.openxmlformats.org/drawingml/2006/main" xmlns:r="http://schemas.openxmlformats.org/officeDocument/2006/relationships" xmlns:c16r2="http://schemas.microsoft.com/office/drawing/2015/06/chart">
-  <c:date1904 val="0"/>
-  <c:lang val="de-DE"/>
-  <c:roundedCorners val="0"/>
-  <mc:AlternateContent xmlns:mc="http://schemas.openxmlformats.org/markup-compatibility/2006">
-    <mc:Choice xmlns:c14="http://schemas.microsoft.com/office/drawing/2007/8/2/chart" Requires="c14">
-      <c14:style val="102"/>
-    </mc:Choice>
-    <mc:Fallback>
-      <c:style val="2"/>
-    </mc:Fallback>
-  </mc:AlternateContent>
-  <c:chart>
-    <c:title>
-      <c:overlay val="0"/>
-      <c:spPr>
-        <a:noFill/>
-        <a:ln>
-          <a:noFill/>
-        </a:ln>
-        <a:effectLst/>
-      </c:spPr>
-      <c:txPr>
-        <a:bodyPr rot="0" spcFirstLastPara="1" vertOverflow="ellipsis" vert="horz" wrap="square" anchor="ctr" anchorCtr="1"/>
-        <a:lstStyle/>
-        <a:p>
-          <a:pPr>
-            <a:defRPr sz="1400" b="0" i="0" u="none" strike="noStrike" kern="1200" spc="0" baseline="0">
-              <a:solidFill>
-                <a:schemeClr val="tx1">
-                  <a:lumMod val="65000"/>
-                  <a:lumOff val="35000"/>
-                </a:schemeClr>
-              </a:solidFill>
-              <a:latin typeface="+mn-lt"/>
-              <a:ea typeface="+mn-ea"/>
-              <a:cs typeface="+mn-cs"/>
-            </a:defRPr>
-          </a:pPr>
-          <a:endParaRPr lang="de-DE"/>
-        </a:p>
-      </c:txPr>
-    </c:title>
-    <c:autoTitleDeleted val="0"/>
-    <c:plotArea>
-      <c:layout/>
-      <c:lineChart>
-        <c:grouping val="standard"/>
-        <c:varyColors val="0"/>
-        <c:ser>
-          <c:idx val="0"/>
-          <c:order val="0"/>
-          <c:tx>
-            <c:v>Accuracy</c:v>
-          </c:tx>
-          <c:spPr>
-            <a:ln w="28575" cap="rnd">
-              <a:solidFill>
-                <a:schemeClr val="tx2"/>
-              </a:solidFill>
-              <a:round/>
-            </a:ln>
-            <a:effectLst/>
-          </c:spPr>
-          <c:marker>
-            <c:symbol val="none"/>
-          </c:marker>
-          <c:cat>
-            <c:numRef>
-              <c:f>Rides!$A$3:$A$9</c:f>
-              <c:numCache>
-                <c:formatCode>0</c:formatCode>
-                <c:ptCount val="7"/>
-                <c:pt idx="0">
-                  <c:v>1</c:v>
-                </c:pt>
-                <c:pt idx="1">
-                  <c:v>5</c:v>
-                </c:pt>
-                <c:pt idx="2">
-                  <c:v>10</c:v>
-                </c:pt>
-                <c:pt idx="3">
-                  <c:v>50</c:v>
-                </c:pt>
-                <c:pt idx="4">
-                  <c:v>100</c:v>
-                </c:pt>
-                <c:pt idx="5">
-                  <c:v>500</c:v>
-                </c:pt>
-                <c:pt idx="6">
-                  <c:v>1000</c:v>
-                </c:pt>
-              </c:numCache>
-            </c:numRef>
-          </c:cat>
-          <c:val>
-            <c:numRef>
-              <c:f>Rides!$B$3:$B$9</c:f>
-              <c:numCache>
-                <c:formatCode>0.000</c:formatCode>
-                <c:ptCount val="7"/>
-                <c:pt idx="0">
-                  <c:v>0.1</c:v>
-                </c:pt>
-                <c:pt idx="1">
-                  <c:v>-1.49</c:v>
-                </c:pt>
-                <c:pt idx="2">
-                  <c:v>-0.3</c:v>
-                </c:pt>
-                <c:pt idx="3">
-                  <c:v>0.37</c:v>
-                </c:pt>
-                <c:pt idx="4">
-                  <c:v>0.5</c:v>
-                </c:pt>
-                <c:pt idx="5">
-                  <c:v>0.7</c:v>
-                </c:pt>
-                <c:pt idx="6">
-                  <c:v>0.73</c:v>
-                </c:pt>
-              </c:numCache>
-            </c:numRef>
-          </c:val>
-          <c:smooth val="0"/>
-          <c:extLst>
-            <c:ext xmlns:c16="http://schemas.microsoft.com/office/drawing/2014/chart" uri="{C3380CC4-5D6E-409C-BE32-E72D297353CC}">
-              <c16:uniqueId val="{00000000-D350-46D5-85C0-C6212EA174D1}"/>
-            </c:ext>
-          </c:extLst>
-        </c:ser>
-        <c:dLbls>
-          <c:showLegendKey val="0"/>
-          <c:showVal val="0"/>
-          <c:showCatName val="0"/>
-          <c:showSerName val="0"/>
-          <c:showPercent val="0"/>
-          <c:showBubbleSize val="0"/>
-        </c:dLbls>
-        <c:smooth val="0"/>
-        <c:axId val="459571648"/>
-        <c:axId val="459999248"/>
-      </c:lineChart>
-      <c:catAx>
-        <c:axId val="459571648"/>
-        <c:scaling>
-          <c:orientation val="minMax"/>
-        </c:scaling>
-        <c:delete val="0"/>
-        <c:axPos val="b"/>
-        <c:numFmt formatCode="0" sourceLinked="1"/>
-        <c:majorTickMark val="none"/>
-        <c:minorTickMark val="none"/>
-        <c:tickLblPos val="nextTo"/>
-        <c:spPr>
-          <a:noFill/>
-          <a:ln w="9525" cap="flat" cmpd="sng" algn="ctr">
-            <a:solidFill>
-              <a:schemeClr val="tx1">
-                <a:lumMod val="15000"/>
-                <a:lumOff val="85000"/>
-              </a:schemeClr>
-            </a:solidFill>
-            <a:round/>
-          </a:ln>
-          <a:effectLst/>
-        </c:spPr>
-        <c:txPr>
-          <a:bodyPr rot="-60000000" spcFirstLastPara="1" vertOverflow="ellipsis" vert="horz" wrap="square" anchor="ctr" anchorCtr="1"/>
-          <a:lstStyle/>
-          <a:p>
-            <a:pPr>
-              <a:defRPr sz="900" b="0" i="0" u="none" strike="noStrike" kern="1200" baseline="0">
-                <a:solidFill>
-                  <a:schemeClr val="tx1">
-                    <a:lumMod val="65000"/>
-                    <a:lumOff val="35000"/>
-                  </a:schemeClr>
-                </a:solidFill>
-                <a:latin typeface="+mn-lt"/>
-                <a:ea typeface="+mn-ea"/>
-                <a:cs typeface="+mn-cs"/>
-              </a:defRPr>
-            </a:pPr>
-            <a:endParaRPr lang="de-DE"/>
-          </a:p>
-        </c:txPr>
-        <c:crossAx val="459999248"/>
-        <c:crosses val="autoZero"/>
-        <c:auto val="1"/>
-        <c:lblAlgn val="ctr"/>
-        <c:lblOffset val="100"/>
-        <c:noMultiLvlLbl val="0"/>
-      </c:catAx>
-      <c:valAx>
-        <c:axId val="459999248"/>
-        <c:scaling>
-          <c:orientation val="minMax"/>
-        </c:scaling>
-        <c:delete val="0"/>
-        <c:axPos val="l"/>
-        <c:majorGridlines>
-          <c:spPr>
-            <a:ln w="9525" cap="flat" cmpd="sng" algn="ctr">
-              <a:solidFill>
-                <a:schemeClr val="tx1">
-                  <a:lumMod val="15000"/>
-                  <a:lumOff val="85000"/>
-                </a:schemeClr>
-              </a:solidFill>
-              <a:round/>
-            </a:ln>
-            <a:effectLst/>
-          </c:spPr>
-        </c:majorGridlines>
-        <c:numFmt formatCode="0.000" sourceLinked="1"/>
-        <c:majorTickMark val="none"/>
-        <c:minorTickMark val="none"/>
-        <c:tickLblPos val="nextTo"/>
-        <c:spPr>
-          <a:noFill/>
-          <a:ln>
-            <a:noFill/>
-          </a:ln>
-          <a:effectLst/>
-        </c:spPr>
-        <c:txPr>
-          <a:bodyPr rot="-60000000" spcFirstLastPara="1" vertOverflow="ellipsis" vert="horz" wrap="square" anchor="ctr" anchorCtr="1"/>
-          <a:lstStyle/>
-          <a:p>
-            <a:pPr>
-              <a:defRPr sz="900" b="0" i="0" u="none" strike="noStrike" kern="1200" baseline="0">
-                <a:solidFill>
-                  <a:schemeClr val="tx1">
-                    <a:lumMod val="65000"/>
-                    <a:lumOff val="35000"/>
-                  </a:schemeClr>
-                </a:solidFill>
-                <a:latin typeface="+mn-lt"/>
-                <a:ea typeface="+mn-ea"/>
-                <a:cs typeface="+mn-cs"/>
-              </a:defRPr>
-            </a:pPr>
-            <a:endParaRPr lang="de-DE"/>
-          </a:p>
-        </c:txPr>
-        <c:crossAx val="459571648"/>
-        <c:crosses val="autoZero"/>
-        <c:crossBetween val="between"/>
-      </c:valAx>
-      <c:spPr>
-        <a:noFill/>
-        <a:ln>
-          <a:noFill/>
-        </a:ln>
-        <a:effectLst/>
-      </c:spPr>
-    </c:plotArea>
-    <c:plotVisOnly val="1"/>
-    <c:dispBlanksAs val="gap"/>
-    <c:showDLblsOverMax val="0"/>
-  </c:chart>
-  <c:spPr>
-    <a:noFill/>
-    <a:ln>
-      <a:noFill/>
-    </a:ln>
-    <a:effectLst/>
-  </c:spPr>
-  <c:txPr>
-    <a:bodyPr/>
-    <a:lstStyle/>
-    <a:p>
-      <a:pPr>
-        <a:defRPr/>
-      </a:pPr>
-      <a:endParaRPr lang="de-DE"/>
-    </a:p>
-  </c:txPr>
-  <c:externalData r:id="rId3">
-    <c:autoUpdate val="0"/>
-  </c:externalData>
-</c:chartSpace>
-</file>
-
-<file path=ppt/charts/chart2.xml><?xml version="1.0" encoding="utf-8"?>
 <c:chartSpace xmlns:c="http://schemas.openxmlformats.org/drawingml/2006/chart" xmlns:a="http://schemas.openxmlformats.org/drawingml/2006/main" xmlns:r="http://schemas.openxmlformats.org/officeDocument/2006/relationships" xmlns:c16r2="http://schemas.microsoft.com/office/drawing/2015/06/chart">
   <c:date1904 val="0"/>
   <c:lang val="de-DE"/>
@@ -745,266 +459,7 @@
 </c:chartSpace>
 </file>
 
-<file path=ppt/charts/chart3.xml><?xml version="1.0" encoding="utf-8"?>
-<c:chartSpace xmlns:c="http://schemas.openxmlformats.org/drawingml/2006/chart" xmlns:a="http://schemas.openxmlformats.org/drawingml/2006/main" xmlns:r="http://schemas.openxmlformats.org/officeDocument/2006/relationships" xmlns:c16r2="http://schemas.microsoft.com/office/drawing/2015/06/chart">
-  <c:date1904 val="0"/>
-  <c:lang val="de-DE"/>
-  <c:roundedCorners val="0"/>
-  <mc:AlternateContent xmlns:mc="http://schemas.openxmlformats.org/markup-compatibility/2006">
-    <mc:Choice xmlns:c14="http://schemas.microsoft.com/office/drawing/2007/8/2/chart" Requires="c14">
-      <c14:style val="102"/>
-    </mc:Choice>
-    <mc:Fallback>
-      <c:style val="2"/>
-    </mc:Fallback>
-  </mc:AlternateContent>
-  <c:chart>
-    <c:title>
-      <c:overlay val="0"/>
-      <c:spPr>
-        <a:noFill/>
-        <a:ln>
-          <a:noFill/>
-        </a:ln>
-        <a:effectLst/>
-      </c:spPr>
-      <c:txPr>
-        <a:bodyPr rot="0" spcFirstLastPara="1" vertOverflow="ellipsis" vert="horz" wrap="square" anchor="ctr" anchorCtr="1"/>
-        <a:lstStyle/>
-        <a:p>
-          <a:pPr>
-            <a:defRPr sz="1400" b="0" i="0" u="none" strike="noStrike" kern="1200" spc="0" baseline="0">
-              <a:solidFill>
-                <a:schemeClr val="tx1">
-                  <a:lumMod val="65000"/>
-                  <a:lumOff val="35000"/>
-                </a:schemeClr>
-              </a:solidFill>
-              <a:latin typeface="+mn-lt"/>
-              <a:ea typeface="+mn-ea"/>
-              <a:cs typeface="+mn-cs"/>
-            </a:defRPr>
-          </a:pPr>
-          <a:endParaRPr lang="de-DE"/>
-        </a:p>
-      </c:txPr>
-    </c:title>
-    <c:autoTitleDeleted val="0"/>
-    <c:plotArea>
-      <c:layout/>
-      <c:lineChart>
-        <c:grouping val="standard"/>
-        <c:varyColors val="0"/>
-        <c:ser>
-          <c:idx val="1"/>
-          <c:order val="0"/>
-          <c:tx>
-            <c:v>Accuracy</c:v>
-          </c:tx>
-          <c:spPr>
-            <a:ln w="28575" cap="rnd">
-              <a:solidFill>
-                <a:schemeClr val="tx2"/>
-              </a:solidFill>
-              <a:round/>
-            </a:ln>
-            <a:effectLst/>
-          </c:spPr>
-          <c:marker>
-            <c:symbol val="none"/>
-          </c:marker>
-          <c:val>
-            <c:numRef>
-              <c:f>RevenueAVG!$B$3:$B$9</c:f>
-              <c:numCache>
-                <c:formatCode>0.000</c:formatCode>
-                <c:ptCount val="7"/>
-                <c:pt idx="0">
-                  <c:v>0.01</c:v>
-                </c:pt>
-                <c:pt idx="1">
-                  <c:v>-7.0000000000000007E-2</c:v>
-                </c:pt>
-                <c:pt idx="2">
-                  <c:v>-0.2</c:v>
-                </c:pt>
-                <c:pt idx="3">
-                  <c:v>0</c:v>
-                </c:pt>
-                <c:pt idx="4">
-                  <c:v>0.18</c:v>
-                </c:pt>
-                <c:pt idx="5">
-                  <c:v>0.31</c:v>
-                </c:pt>
-                <c:pt idx="6">
-                  <c:v>0.31</c:v>
-                </c:pt>
-              </c:numCache>
-            </c:numRef>
-          </c:val>
-          <c:smooth val="0"/>
-          <c:extLst>
-            <c:ext xmlns:c16="http://schemas.microsoft.com/office/drawing/2014/chart" uri="{C3380CC4-5D6E-409C-BE32-E72D297353CC}">
-              <c16:uniqueId val="{00000000-47DC-4947-8727-E928BDEAC05D}"/>
-            </c:ext>
-          </c:extLst>
-        </c:ser>
-        <c:dLbls>
-          <c:showLegendKey val="0"/>
-          <c:showVal val="0"/>
-          <c:showCatName val="0"/>
-          <c:showSerName val="0"/>
-          <c:showPercent val="0"/>
-          <c:showBubbleSize val="0"/>
-        </c:dLbls>
-        <c:smooth val="0"/>
-        <c:axId val="460140904"/>
-        <c:axId val="460141232"/>
-      </c:lineChart>
-      <c:catAx>
-        <c:axId val="460140904"/>
-        <c:scaling>
-          <c:orientation val="minMax"/>
-        </c:scaling>
-        <c:delete val="0"/>
-        <c:axPos val="b"/>
-        <c:numFmt formatCode="0" sourceLinked="1"/>
-        <c:majorTickMark val="none"/>
-        <c:minorTickMark val="none"/>
-        <c:tickLblPos val="nextTo"/>
-        <c:spPr>
-          <a:noFill/>
-          <a:ln w="9525" cap="flat" cmpd="sng" algn="ctr">
-            <a:solidFill>
-              <a:schemeClr val="tx1">
-                <a:lumMod val="15000"/>
-                <a:lumOff val="85000"/>
-              </a:schemeClr>
-            </a:solidFill>
-            <a:round/>
-          </a:ln>
-          <a:effectLst/>
-        </c:spPr>
-        <c:txPr>
-          <a:bodyPr rot="-60000000" spcFirstLastPara="1" vertOverflow="ellipsis" vert="horz" wrap="square" anchor="ctr" anchorCtr="1"/>
-          <a:lstStyle/>
-          <a:p>
-            <a:pPr>
-              <a:defRPr sz="900" b="0" i="0" u="none" strike="noStrike" kern="1200" baseline="0">
-                <a:solidFill>
-                  <a:schemeClr val="tx1">
-                    <a:lumMod val="65000"/>
-                    <a:lumOff val="35000"/>
-                  </a:schemeClr>
-                </a:solidFill>
-                <a:latin typeface="+mn-lt"/>
-                <a:ea typeface="+mn-ea"/>
-                <a:cs typeface="+mn-cs"/>
-              </a:defRPr>
-            </a:pPr>
-            <a:endParaRPr lang="de-DE"/>
-          </a:p>
-        </c:txPr>
-        <c:crossAx val="460141232"/>
-        <c:crosses val="autoZero"/>
-        <c:auto val="1"/>
-        <c:lblAlgn val="ctr"/>
-        <c:lblOffset val="100"/>
-        <c:noMultiLvlLbl val="0"/>
-      </c:catAx>
-      <c:valAx>
-        <c:axId val="460141232"/>
-        <c:scaling>
-          <c:orientation val="minMax"/>
-        </c:scaling>
-        <c:delete val="0"/>
-        <c:axPos val="l"/>
-        <c:majorGridlines>
-          <c:spPr>
-            <a:ln w="9525" cap="flat" cmpd="sng" algn="ctr">
-              <a:solidFill>
-                <a:schemeClr val="tx1">
-                  <a:lumMod val="15000"/>
-                  <a:lumOff val="85000"/>
-                </a:schemeClr>
-              </a:solidFill>
-              <a:round/>
-            </a:ln>
-            <a:effectLst/>
-          </c:spPr>
-        </c:majorGridlines>
-        <c:numFmt formatCode="0.000" sourceLinked="1"/>
-        <c:majorTickMark val="none"/>
-        <c:minorTickMark val="none"/>
-        <c:tickLblPos val="nextTo"/>
-        <c:spPr>
-          <a:noFill/>
-          <a:ln>
-            <a:noFill/>
-          </a:ln>
-          <a:effectLst/>
-        </c:spPr>
-        <c:txPr>
-          <a:bodyPr rot="-60000000" spcFirstLastPara="1" vertOverflow="ellipsis" vert="horz" wrap="square" anchor="ctr" anchorCtr="1"/>
-          <a:lstStyle/>
-          <a:p>
-            <a:pPr>
-              <a:defRPr sz="900" b="0" i="0" u="none" strike="noStrike" kern="1200" baseline="0">
-                <a:solidFill>
-                  <a:schemeClr val="tx1">
-                    <a:lumMod val="65000"/>
-                    <a:lumOff val="35000"/>
-                  </a:schemeClr>
-                </a:solidFill>
-                <a:latin typeface="+mn-lt"/>
-                <a:ea typeface="+mn-ea"/>
-                <a:cs typeface="+mn-cs"/>
-              </a:defRPr>
-            </a:pPr>
-            <a:endParaRPr lang="de-DE"/>
-          </a:p>
-        </c:txPr>
-        <c:crossAx val="460140904"/>
-        <c:crosses val="autoZero"/>
-        <c:crossBetween val="between"/>
-      </c:valAx>
-      <c:spPr>
-        <a:noFill/>
-        <a:ln>
-          <a:noFill/>
-        </a:ln>
-        <a:effectLst/>
-      </c:spPr>
-    </c:plotArea>
-    <c:plotVisOnly val="1"/>
-    <c:dispBlanksAs val="gap"/>
-    <c:showDLblsOverMax val="0"/>
-  </c:chart>
-  <c:spPr>
-    <a:noFill/>
-    <a:ln>
-      <a:noFill/>
-    </a:ln>
-    <a:effectLst/>
-  </c:spPr>
-  <c:txPr>
-    <a:bodyPr/>
-    <a:lstStyle/>
-    <a:p>
-      <a:pPr>
-        <a:defRPr/>
-      </a:pPr>
-      <a:endParaRPr lang="de-DE"/>
-    </a:p>
-  </c:txPr>
-  <c:externalData r:id="rId3">
-    <c:autoUpdate val="0"/>
-  </c:externalData>
-</c:chartSpace>
-</file>
-
-<file path=ppt/charts/chart4.xml><?xml version="1.0" encoding="utf-8"?>
+<file path=ppt/charts/chart2.xml><?xml version="1.0" encoding="utf-8"?>
 <c:chartSpace xmlns:c="http://schemas.openxmlformats.org/drawingml/2006/chart" xmlns:a="http://schemas.openxmlformats.org/drawingml/2006/main" xmlns:r="http://schemas.openxmlformats.org/officeDocument/2006/relationships" xmlns:c16r2="http://schemas.microsoft.com/office/drawing/2015/06/chart">
   <c:date1904 val="0"/>
   <c:lang val="de-DE"/>
@@ -1290,6 +745,875 @@
 </c:chartSpace>
 </file>
 
+<file path=ppt/charts/chart3.xml><?xml version="1.0" encoding="utf-8"?>
+<c:chartSpace xmlns:c="http://schemas.openxmlformats.org/drawingml/2006/chart" xmlns:a="http://schemas.openxmlformats.org/drawingml/2006/main" xmlns:r="http://schemas.openxmlformats.org/officeDocument/2006/relationships" xmlns:c16r2="http://schemas.microsoft.com/office/drawing/2015/06/chart">
+  <c:date1904 val="0"/>
+  <c:lang val="de-DE"/>
+  <c:roundedCorners val="0"/>
+  <mc:AlternateContent xmlns:mc="http://schemas.openxmlformats.org/markup-compatibility/2006">
+    <mc:Choice xmlns:c14="http://schemas.microsoft.com/office/drawing/2007/8/2/chart" Requires="c14">
+      <c14:style val="102"/>
+    </mc:Choice>
+    <mc:Fallback>
+      <c:style val="2"/>
+    </mc:Fallback>
+  </mc:AlternateContent>
+  <c:chart>
+    <c:title>
+      <c:tx>
+        <c:rich>
+          <a:bodyPr rot="0" spcFirstLastPara="1" vertOverflow="ellipsis" vert="horz" wrap="square" anchor="ctr" anchorCtr="1"/>
+          <a:lstStyle/>
+          <a:p>
+            <a:pPr>
+              <a:defRPr sz="1400" b="0" i="0" u="none" strike="noStrike" kern="1200" spc="0" baseline="0">
+                <a:solidFill>
+                  <a:schemeClr val="tx1">
+                    <a:lumMod val="65000"/>
+                    <a:lumOff val="35000"/>
+                  </a:schemeClr>
+                </a:solidFill>
+                <a:latin typeface="+mn-lt"/>
+                <a:ea typeface="+mn-ea"/>
+                <a:cs typeface="+mn-cs"/>
+              </a:defRPr>
+            </a:pPr>
+            <a:r>
+              <a:rPr lang="en-US" dirty="0" err="1"/>
+              <a:t>Verteilung</a:t>
+            </a:r>
+            <a:r>
+              <a:rPr lang="en-US" dirty="0"/>
+              <a:t> der </a:t>
+            </a:r>
+            <a:r>
+              <a:rPr lang="en-US" dirty="0" err="1"/>
+              <a:t>Passagiere</a:t>
+            </a:r>
+            <a:endParaRPr lang="en-US" dirty="0"/>
+          </a:p>
+        </c:rich>
+      </c:tx>
+      <c:overlay val="0"/>
+      <c:spPr>
+        <a:noFill/>
+        <a:ln>
+          <a:noFill/>
+        </a:ln>
+        <a:effectLst/>
+      </c:spPr>
+      <c:txPr>
+        <a:bodyPr rot="0" spcFirstLastPara="1" vertOverflow="ellipsis" vert="horz" wrap="square" anchor="ctr" anchorCtr="1"/>
+        <a:lstStyle/>
+        <a:p>
+          <a:pPr>
+            <a:defRPr sz="1400" b="0" i="0" u="none" strike="noStrike" kern="1200" spc="0" baseline="0">
+              <a:solidFill>
+                <a:schemeClr val="tx1">
+                  <a:lumMod val="65000"/>
+                  <a:lumOff val="35000"/>
+                </a:schemeClr>
+              </a:solidFill>
+              <a:latin typeface="+mn-lt"/>
+              <a:ea typeface="+mn-ea"/>
+              <a:cs typeface="+mn-cs"/>
+            </a:defRPr>
+          </a:pPr>
+          <a:endParaRPr lang="de-DE"/>
+        </a:p>
+      </c:txPr>
+    </c:title>
+    <c:autoTitleDeleted val="0"/>
+    <c:plotArea>
+      <c:layout/>
+      <c:barChart>
+        <c:barDir val="col"/>
+        <c:grouping val="clustered"/>
+        <c:varyColors val="0"/>
+        <c:ser>
+          <c:idx val="0"/>
+          <c:order val="0"/>
+          <c:tx>
+            <c:strRef>
+              <c:f>Passagiere!$B$1</c:f>
+              <c:strCache>
+                <c:ptCount val="1"/>
+                <c:pt idx="0">
+                  <c:v>Anzahl Fahrten</c:v>
+                </c:pt>
+              </c:strCache>
+            </c:strRef>
+          </c:tx>
+          <c:spPr>
+            <a:solidFill>
+              <a:schemeClr val="accent1"/>
+            </a:solidFill>
+            <a:ln>
+              <a:noFill/>
+            </a:ln>
+            <a:effectLst/>
+          </c:spPr>
+          <c:invertIfNegative val="0"/>
+          <c:cat>
+            <c:numRef>
+              <c:f>Passagiere!$A$2:$A$11</c:f>
+              <c:numCache>
+                <c:formatCode>General</c:formatCode>
+                <c:ptCount val="10"/>
+                <c:pt idx="0">
+                  <c:v>0</c:v>
+                </c:pt>
+                <c:pt idx="1">
+                  <c:v>1</c:v>
+                </c:pt>
+                <c:pt idx="2">
+                  <c:v>2</c:v>
+                </c:pt>
+                <c:pt idx="3">
+                  <c:v>3</c:v>
+                </c:pt>
+                <c:pt idx="4">
+                  <c:v>4</c:v>
+                </c:pt>
+                <c:pt idx="5">
+                  <c:v>5</c:v>
+                </c:pt>
+                <c:pt idx="6">
+                  <c:v>6</c:v>
+                </c:pt>
+                <c:pt idx="7">
+                  <c:v>7</c:v>
+                </c:pt>
+                <c:pt idx="8">
+                  <c:v>8</c:v>
+                </c:pt>
+                <c:pt idx="9">
+                  <c:v>9</c:v>
+                </c:pt>
+              </c:numCache>
+            </c:numRef>
+          </c:cat>
+          <c:val>
+            <c:numRef>
+              <c:f>Passagiere!$B$2:$B$11</c:f>
+              <c:numCache>
+                <c:formatCode>General</c:formatCode>
+                <c:ptCount val="10"/>
+                <c:pt idx="0">
+                  <c:v>235038</c:v>
+                </c:pt>
+                <c:pt idx="1">
+                  <c:v>121785762</c:v>
+                </c:pt>
+                <c:pt idx="2">
+                  <c:v>25035025</c:v>
+                </c:pt>
+                <c:pt idx="3">
+                  <c:v>7177486</c:v>
+                </c:pt>
+                <c:pt idx="4">
+                  <c:v>3414208</c:v>
+                </c:pt>
+                <c:pt idx="5">
+                  <c:v>8169270</c:v>
+                </c:pt>
+                <c:pt idx="6">
+                  <c:v>5025873</c:v>
+                </c:pt>
+                <c:pt idx="7">
+                  <c:v>260</c:v>
+                </c:pt>
+                <c:pt idx="8">
+                  <c:v>260</c:v>
+                </c:pt>
+                <c:pt idx="9">
+                  <c:v>109</c:v>
+                </c:pt>
+              </c:numCache>
+            </c:numRef>
+          </c:val>
+          <c:extLst>
+            <c:ext xmlns:c16="http://schemas.microsoft.com/office/drawing/2014/chart" uri="{C3380CC4-5D6E-409C-BE32-E72D297353CC}">
+              <c16:uniqueId val="{00000000-F1ED-4FF5-8FF5-7AA983C85C0A}"/>
+            </c:ext>
+          </c:extLst>
+        </c:ser>
+        <c:dLbls>
+          <c:showLegendKey val="0"/>
+          <c:showVal val="0"/>
+          <c:showCatName val="0"/>
+          <c:showSerName val="0"/>
+          <c:showPercent val="0"/>
+          <c:showBubbleSize val="0"/>
+        </c:dLbls>
+        <c:gapWidth val="219"/>
+        <c:overlap val="-27"/>
+        <c:axId val="480610072"/>
+        <c:axId val="480611712"/>
+      </c:barChart>
+      <c:catAx>
+        <c:axId val="480610072"/>
+        <c:scaling>
+          <c:orientation val="minMax"/>
+        </c:scaling>
+        <c:delete val="0"/>
+        <c:axPos val="b"/>
+        <c:numFmt formatCode="General" sourceLinked="1"/>
+        <c:majorTickMark val="none"/>
+        <c:minorTickMark val="none"/>
+        <c:tickLblPos val="nextTo"/>
+        <c:spPr>
+          <a:noFill/>
+          <a:ln w="9525" cap="flat" cmpd="sng" algn="ctr">
+            <a:solidFill>
+              <a:schemeClr val="tx1">
+                <a:lumMod val="15000"/>
+                <a:lumOff val="85000"/>
+              </a:schemeClr>
+            </a:solidFill>
+            <a:round/>
+          </a:ln>
+          <a:effectLst/>
+        </c:spPr>
+        <c:txPr>
+          <a:bodyPr rot="-60000000" spcFirstLastPara="1" vertOverflow="ellipsis" vert="horz" wrap="square" anchor="ctr" anchorCtr="1"/>
+          <a:lstStyle/>
+          <a:p>
+            <a:pPr>
+              <a:defRPr sz="900" b="0" i="0" u="none" strike="noStrike" kern="1200" baseline="0">
+                <a:solidFill>
+                  <a:schemeClr val="tx1">
+                    <a:lumMod val="65000"/>
+                    <a:lumOff val="35000"/>
+                  </a:schemeClr>
+                </a:solidFill>
+                <a:latin typeface="+mn-lt"/>
+                <a:ea typeface="+mn-ea"/>
+                <a:cs typeface="+mn-cs"/>
+              </a:defRPr>
+            </a:pPr>
+            <a:endParaRPr lang="de-DE"/>
+          </a:p>
+        </c:txPr>
+        <c:crossAx val="480611712"/>
+        <c:crosses val="autoZero"/>
+        <c:auto val="1"/>
+        <c:lblAlgn val="ctr"/>
+        <c:lblOffset val="100"/>
+        <c:noMultiLvlLbl val="0"/>
+      </c:catAx>
+      <c:valAx>
+        <c:axId val="480611712"/>
+        <c:scaling>
+          <c:orientation val="minMax"/>
+        </c:scaling>
+        <c:delete val="1"/>
+        <c:axPos val="l"/>
+        <c:majorGridlines>
+          <c:spPr>
+            <a:ln w="9525" cap="flat" cmpd="sng" algn="ctr">
+              <a:solidFill>
+                <a:schemeClr val="tx1">
+                  <a:lumMod val="15000"/>
+                  <a:lumOff val="85000"/>
+                </a:schemeClr>
+              </a:solidFill>
+              <a:round/>
+            </a:ln>
+            <a:effectLst/>
+          </c:spPr>
+        </c:majorGridlines>
+        <c:numFmt formatCode="General" sourceLinked="1"/>
+        <c:majorTickMark val="none"/>
+        <c:minorTickMark val="none"/>
+        <c:tickLblPos val="nextTo"/>
+        <c:crossAx val="480610072"/>
+        <c:crosses val="autoZero"/>
+        <c:crossBetween val="between"/>
+      </c:valAx>
+      <c:spPr>
+        <a:noFill/>
+        <a:ln>
+          <a:noFill/>
+        </a:ln>
+        <a:effectLst/>
+      </c:spPr>
+    </c:plotArea>
+    <c:plotVisOnly val="1"/>
+    <c:dispBlanksAs val="gap"/>
+    <c:showDLblsOverMax val="0"/>
+  </c:chart>
+  <c:spPr>
+    <a:noFill/>
+    <a:ln>
+      <a:noFill/>
+    </a:ln>
+    <a:effectLst/>
+  </c:spPr>
+  <c:txPr>
+    <a:bodyPr/>
+    <a:lstStyle/>
+    <a:p>
+      <a:pPr>
+        <a:defRPr/>
+      </a:pPr>
+      <a:endParaRPr lang="de-DE"/>
+    </a:p>
+  </c:txPr>
+  <c:externalData r:id="rId3">
+    <c:autoUpdate val="0"/>
+  </c:externalData>
+</c:chartSpace>
+</file>
+
+<file path=ppt/charts/chart4.xml><?xml version="1.0" encoding="utf-8"?>
+<c:chartSpace xmlns:c="http://schemas.openxmlformats.org/drawingml/2006/chart" xmlns:a="http://schemas.openxmlformats.org/drawingml/2006/main" xmlns:r="http://schemas.openxmlformats.org/officeDocument/2006/relationships" xmlns:c16r2="http://schemas.microsoft.com/office/drawing/2015/06/chart">
+  <c:date1904 val="0"/>
+  <c:lang val="de-DE"/>
+  <c:roundedCorners val="0"/>
+  <mc:AlternateContent xmlns:mc="http://schemas.openxmlformats.org/markup-compatibility/2006">
+    <mc:Choice xmlns:c14="http://schemas.microsoft.com/office/drawing/2007/8/2/chart" Requires="c14">
+      <c14:style val="102"/>
+    </mc:Choice>
+    <mc:Fallback>
+      <c:style val="2"/>
+    </mc:Fallback>
+  </mc:AlternateContent>
+  <c:chart>
+    <c:title>
+      <c:overlay val="0"/>
+      <c:spPr>
+        <a:noFill/>
+        <a:ln>
+          <a:noFill/>
+        </a:ln>
+        <a:effectLst/>
+      </c:spPr>
+      <c:txPr>
+        <a:bodyPr rot="0" spcFirstLastPara="1" vertOverflow="ellipsis" vert="horz" wrap="square" anchor="ctr" anchorCtr="1"/>
+        <a:lstStyle/>
+        <a:p>
+          <a:pPr>
+            <a:defRPr sz="1400" b="0" i="0" u="none" strike="noStrike" kern="1200" spc="0" baseline="0">
+              <a:solidFill>
+                <a:schemeClr val="tx1">
+                  <a:lumMod val="65000"/>
+                  <a:lumOff val="35000"/>
+                </a:schemeClr>
+              </a:solidFill>
+              <a:latin typeface="+mn-lt"/>
+              <a:ea typeface="+mn-ea"/>
+              <a:cs typeface="+mn-cs"/>
+            </a:defRPr>
+          </a:pPr>
+          <a:endParaRPr lang="de-DE"/>
+        </a:p>
+      </c:txPr>
+    </c:title>
+    <c:autoTitleDeleted val="0"/>
+    <c:plotArea>
+      <c:layout/>
+      <c:lineChart>
+        <c:grouping val="standard"/>
+        <c:varyColors val="0"/>
+        <c:ser>
+          <c:idx val="0"/>
+          <c:order val="0"/>
+          <c:tx>
+            <c:v>Accuracy</c:v>
+          </c:tx>
+          <c:spPr>
+            <a:ln w="28575" cap="rnd">
+              <a:solidFill>
+                <a:schemeClr val="tx2"/>
+              </a:solidFill>
+              <a:round/>
+            </a:ln>
+            <a:effectLst/>
+          </c:spPr>
+          <c:marker>
+            <c:symbol val="none"/>
+          </c:marker>
+          <c:cat>
+            <c:numRef>
+              <c:f>Rides!$A$3:$A$9</c:f>
+              <c:numCache>
+                <c:formatCode>0</c:formatCode>
+                <c:ptCount val="7"/>
+                <c:pt idx="0">
+                  <c:v>1</c:v>
+                </c:pt>
+                <c:pt idx="1">
+                  <c:v>5</c:v>
+                </c:pt>
+                <c:pt idx="2">
+                  <c:v>10</c:v>
+                </c:pt>
+                <c:pt idx="3">
+                  <c:v>50</c:v>
+                </c:pt>
+                <c:pt idx="4">
+                  <c:v>100</c:v>
+                </c:pt>
+                <c:pt idx="5">
+                  <c:v>500</c:v>
+                </c:pt>
+                <c:pt idx="6">
+                  <c:v>1000</c:v>
+                </c:pt>
+              </c:numCache>
+            </c:numRef>
+          </c:cat>
+          <c:val>
+            <c:numRef>
+              <c:f>Rides!$B$3:$B$9</c:f>
+              <c:numCache>
+                <c:formatCode>0.000</c:formatCode>
+                <c:ptCount val="7"/>
+                <c:pt idx="0">
+                  <c:v>0.1</c:v>
+                </c:pt>
+                <c:pt idx="1">
+                  <c:v>-1.49</c:v>
+                </c:pt>
+                <c:pt idx="2">
+                  <c:v>-0.3</c:v>
+                </c:pt>
+                <c:pt idx="3">
+                  <c:v>0.37</c:v>
+                </c:pt>
+                <c:pt idx="4">
+                  <c:v>0.5</c:v>
+                </c:pt>
+                <c:pt idx="5">
+                  <c:v>0.7</c:v>
+                </c:pt>
+                <c:pt idx="6">
+                  <c:v>0.73</c:v>
+                </c:pt>
+              </c:numCache>
+            </c:numRef>
+          </c:val>
+          <c:smooth val="0"/>
+          <c:extLst>
+            <c:ext xmlns:c16="http://schemas.microsoft.com/office/drawing/2014/chart" uri="{C3380CC4-5D6E-409C-BE32-E72D297353CC}">
+              <c16:uniqueId val="{00000000-D350-46D5-85C0-C6212EA174D1}"/>
+            </c:ext>
+          </c:extLst>
+        </c:ser>
+        <c:dLbls>
+          <c:showLegendKey val="0"/>
+          <c:showVal val="0"/>
+          <c:showCatName val="0"/>
+          <c:showSerName val="0"/>
+          <c:showPercent val="0"/>
+          <c:showBubbleSize val="0"/>
+        </c:dLbls>
+        <c:smooth val="0"/>
+        <c:axId val="459571648"/>
+        <c:axId val="459999248"/>
+      </c:lineChart>
+      <c:catAx>
+        <c:axId val="459571648"/>
+        <c:scaling>
+          <c:orientation val="minMax"/>
+        </c:scaling>
+        <c:delete val="0"/>
+        <c:axPos val="b"/>
+        <c:numFmt formatCode="0" sourceLinked="1"/>
+        <c:majorTickMark val="none"/>
+        <c:minorTickMark val="none"/>
+        <c:tickLblPos val="nextTo"/>
+        <c:spPr>
+          <a:noFill/>
+          <a:ln w="9525" cap="flat" cmpd="sng" algn="ctr">
+            <a:solidFill>
+              <a:schemeClr val="tx1">
+                <a:lumMod val="15000"/>
+                <a:lumOff val="85000"/>
+              </a:schemeClr>
+            </a:solidFill>
+            <a:round/>
+          </a:ln>
+          <a:effectLst/>
+        </c:spPr>
+        <c:txPr>
+          <a:bodyPr rot="-60000000" spcFirstLastPara="1" vertOverflow="ellipsis" vert="horz" wrap="square" anchor="ctr" anchorCtr="1"/>
+          <a:lstStyle/>
+          <a:p>
+            <a:pPr>
+              <a:defRPr sz="900" b="0" i="0" u="none" strike="noStrike" kern="1200" baseline="0">
+                <a:solidFill>
+                  <a:schemeClr val="tx1">
+                    <a:lumMod val="65000"/>
+                    <a:lumOff val="35000"/>
+                  </a:schemeClr>
+                </a:solidFill>
+                <a:latin typeface="+mn-lt"/>
+                <a:ea typeface="+mn-ea"/>
+                <a:cs typeface="+mn-cs"/>
+              </a:defRPr>
+            </a:pPr>
+            <a:endParaRPr lang="de-DE"/>
+          </a:p>
+        </c:txPr>
+        <c:crossAx val="459999248"/>
+        <c:crosses val="autoZero"/>
+        <c:auto val="1"/>
+        <c:lblAlgn val="ctr"/>
+        <c:lblOffset val="100"/>
+        <c:noMultiLvlLbl val="0"/>
+      </c:catAx>
+      <c:valAx>
+        <c:axId val="459999248"/>
+        <c:scaling>
+          <c:orientation val="minMax"/>
+        </c:scaling>
+        <c:delete val="0"/>
+        <c:axPos val="l"/>
+        <c:majorGridlines>
+          <c:spPr>
+            <a:ln w="9525" cap="flat" cmpd="sng" algn="ctr">
+              <a:solidFill>
+                <a:schemeClr val="tx1">
+                  <a:lumMod val="15000"/>
+                  <a:lumOff val="85000"/>
+                </a:schemeClr>
+              </a:solidFill>
+              <a:round/>
+            </a:ln>
+            <a:effectLst/>
+          </c:spPr>
+        </c:majorGridlines>
+        <c:numFmt formatCode="0.000" sourceLinked="1"/>
+        <c:majorTickMark val="none"/>
+        <c:minorTickMark val="none"/>
+        <c:tickLblPos val="nextTo"/>
+        <c:spPr>
+          <a:noFill/>
+          <a:ln>
+            <a:noFill/>
+          </a:ln>
+          <a:effectLst/>
+        </c:spPr>
+        <c:txPr>
+          <a:bodyPr rot="-60000000" spcFirstLastPara="1" vertOverflow="ellipsis" vert="horz" wrap="square" anchor="ctr" anchorCtr="1"/>
+          <a:lstStyle/>
+          <a:p>
+            <a:pPr>
+              <a:defRPr sz="900" b="0" i="0" u="none" strike="noStrike" kern="1200" baseline="0">
+                <a:solidFill>
+                  <a:schemeClr val="tx1">
+                    <a:lumMod val="65000"/>
+                    <a:lumOff val="35000"/>
+                  </a:schemeClr>
+                </a:solidFill>
+                <a:latin typeface="+mn-lt"/>
+                <a:ea typeface="+mn-ea"/>
+                <a:cs typeface="+mn-cs"/>
+              </a:defRPr>
+            </a:pPr>
+            <a:endParaRPr lang="de-DE"/>
+          </a:p>
+        </c:txPr>
+        <c:crossAx val="459571648"/>
+        <c:crosses val="autoZero"/>
+        <c:crossBetween val="between"/>
+      </c:valAx>
+      <c:spPr>
+        <a:noFill/>
+        <a:ln>
+          <a:noFill/>
+        </a:ln>
+        <a:effectLst/>
+      </c:spPr>
+    </c:plotArea>
+    <c:plotVisOnly val="1"/>
+    <c:dispBlanksAs val="gap"/>
+    <c:showDLblsOverMax val="0"/>
+  </c:chart>
+  <c:spPr>
+    <a:noFill/>
+    <a:ln>
+      <a:noFill/>
+    </a:ln>
+    <a:effectLst/>
+  </c:spPr>
+  <c:txPr>
+    <a:bodyPr/>
+    <a:lstStyle/>
+    <a:p>
+      <a:pPr>
+        <a:defRPr/>
+      </a:pPr>
+      <a:endParaRPr lang="de-DE"/>
+    </a:p>
+  </c:txPr>
+  <c:externalData r:id="rId3">
+    <c:autoUpdate val="0"/>
+  </c:externalData>
+</c:chartSpace>
+</file>
+
+<file path=ppt/charts/chart5.xml><?xml version="1.0" encoding="utf-8"?>
+<c:chartSpace xmlns:c="http://schemas.openxmlformats.org/drawingml/2006/chart" xmlns:a="http://schemas.openxmlformats.org/drawingml/2006/main" xmlns:r="http://schemas.openxmlformats.org/officeDocument/2006/relationships" xmlns:c16r2="http://schemas.microsoft.com/office/drawing/2015/06/chart">
+  <c:date1904 val="0"/>
+  <c:lang val="de-DE"/>
+  <c:roundedCorners val="0"/>
+  <mc:AlternateContent xmlns:mc="http://schemas.openxmlformats.org/markup-compatibility/2006">
+    <mc:Choice xmlns:c14="http://schemas.microsoft.com/office/drawing/2007/8/2/chart" Requires="c14">
+      <c14:style val="102"/>
+    </mc:Choice>
+    <mc:Fallback>
+      <c:style val="2"/>
+    </mc:Fallback>
+  </mc:AlternateContent>
+  <c:chart>
+    <c:title>
+      <c:overlay val="0"/>
+      <c:spPr>
+        <a:noFill/>
+        <a:ln>
+          <a:noFill/>
+        </a:ln>
+        <a:effectLst/>
+      </c:spPr>
+      <c:txPr>
+        <a:bodyPr rot="0" spcFirstLastPara="1" vertOverflow="ellipsis" vert="horz" wrap="square" anchor="ctr" anchorCtr="1"/>
+        <a:lstStyle/>
+        <a:p>
+          <a:pPr>
+            <a:defRPr sz="1400" b="0" i="0" u="none" strike="noStrike" kern="1200" spc="0" baseline="0">
+              <a:solidFill>
+                <a:schemeClr val="tx1">
+                  <a:lumMod val="65000"/>
+                  <a:lumOff val="35000"/>
+                </a:schemeClr>
+              </a:solidFill>
+              <a:latin typeface="+mn-lt"/>
+              <a:ea typeface="+mn-ea"/>
+              <a:cs typeface="+mn-cs"/>
+            </a:defRPr>
+          </a:pPr>
+          <a:endParaRPr lang="de-DE"/>
+        </a:p>
+      </c:txPr>
+    </c:title>
+    <c:autoTitleDeleted val="0"/>
+    <c:plotArea>
+      <c:layout/>
+      <c:lineChart>
+        <c:grouping val="standard"/>
+        <c:varyColors val="0"/>
+        <c:ser>
+          <c:idx val="1"/>
+          <c:order val="0"/>
+          <c:tx>
+            <c:v>Accuracy</c:v>
+          </c:tx>
+          <c:spPr>
+            <a:ln w="28575" cap="rnd">
+              <a:solidFill>
+                <a:schemeClr val="tx2"/>
+              </a:solidFill>
+              <a:round/>
+            </a:ln>
+            <a:effectLst/>
+          </c:spPr>
+          <c:marker>
+            <c:symbol val="none"/>
+          </c:marker>
+          <c:val>
+            <c:numRef>
+              <c:f>RevenueAVG!$B$3:$B$9</c:f>
+              <c:numCache>
+                <c:formatCode>0.000</c:formatCode>
+                <c:ptCount val="7"/>
+                <c:pt idx="0">
+                  <c:v>0.01</c:v>
+                </c:pt>
+                <c:pt idx="1">
+                  <c:v>-7.0000000000000007E-2</c:v>
+                </c:pt>
+                <c:pt idx="2">
+                  <c:v>-0.2</c:v>
+                </c:pt>
+                <c:pt idx="3">
+                  <c:v>0</c:v>
+                </c:pt>
+                <c:pt idx="4">
+                  <c:v>0.18</c:v>
+                </c:pt>
+                <c:pt idx="5">
+                  <c:v>0.31</c:v>
+                </c:pt>
+                <c:pt idx="6">
+                  <c:v>0.31</c:v>
+                </c:pt>
+              </c:numCache>
+            </c:numRef>
+          </c:val>
+          <c:smooth val="0"/>
+          <c:extLst>
+            <c:ext xmlns:c16="http://schemas.microsoft.com/office/drawing/2014/chart" uri="{C3380CC4-5D6E-409C-BE32-E72D297353CC}">
+              <c16:uniqueId val="{00000000-47DC-4947-8727-E928BDEAC05D}"/>
+            </c:ext>
+          </c:extLst>
+        </c:ser>
+        <c:dLbls>
+          <c:showLegendKey val="0"/>
+          <c:showVal val="0"/>
+          <c:showCatName val="0"/>
+          <c:showSerName val="0"/>
+          <c:showPercent val="0"/>
+          <c:showBubbleSize val="0"/>
+        </c:dLbls>
+        <c:smooth val="0"/>
+        <c:axId val="460140904"/>
+        <c:axId val="460141232"/>
+      </c:lineChart>
+      <c:catAx>
+        <c:axId val="460140904"/>
+        <c:scaling>
+          <c:orientation val="minMax"/>
+        </c:scaling>
+        <c:delete val="0"/>
+        <c:axPos val="b"/>
+        <c:numFmt formatCode="0" sourceLinked="1"/>
+        <c:majorTickMark val="none"/>
+        <c:minorTickMark val="none"/>
+        <c:tickLblPos val="nextTo"/>
+        <c:spPr>
+          <a:noFill/>
+          <a:ln w="9525" cap="flat" cmpd="sng" algn="ctr">
+            <a:solidFill>
+              <a:schemeClr val="tx1">
+                <a:lumMod val="15000"/>
+                <a:lumOff val="85000"/>
+              </a:schemeClr>
+            </a:solidFill>
+            <a:round/>
+          </a:ln>
+          <a:effectLst/>
+        </c:spPr>
+        <c:txPr>
+          <a:bodyPr rot="-60000000" spcFirstLastPara="1" vertOverflow="ellipsis" vert="horz" wrap="square" anchor="ctr" anchorCtr="1"/>
+          <a:lstStyle/>
+          <a:p>
+            <a:pPr>
+              <a:defRPr sz="900" b="0" i="0" u="none" strike="noStrike" kern="1200" baseline="0">
+                <a:solidFill>
+                  <a:schemeClr val="tx1">
+                    <a:lumMod val="65000"/>
+                    <a:lumOff val="35000"/>
+                  </a:schemeClr>
+                </a:solidFill>
+                <a:latin typeface="+mn-lt"/>
+                <a:ea typeface="+mn-ea"/>
+                <a:cs typeface="+mn-cs"/>
+              </a:defRPr>
+            </a:pPr>
+            <a:endParaRPr lang="de-DE"/>
+          </a:p>
+        </c:txPr>
+        <c:crossAx val="460141232"/>
+        <c:crosses val="autoZero"/>
+        <c:auto val="1"/>
+        <c:lblAlgn val="ctr"/>
+        <c:lblOffset val="100"/>
+        <c:noMultiLvlLbl val="0"/>
+      </c:catAx>
+      <c:valAx>
+        <c:axId val="460141232"/>
+        <c:scaling>
+          <c:orientation val="minMax"/>
+        </c:scaling>
+        <c:delete val="0"/>
+        <c:axPos val="l"/>
+        <c:majorGridlines>
+          <c:spPr>
+            <a:ln w="9525" cap="flat" cmpd="sng" algn="ctr">
+              <a:solidFill>
+                <a:schemeClr val="tx1">
+                  <a:lumMod val="15000"/>
+                  <a:lumOff val="85000"/>
+                </a:schemeClr>
+              </a:solidFill>
+              <a:round/>
+            </a:ln>
+            <a:effectLst/>
+          </c:spPr>
+        </c:majorGridlines>
+        <c:numFmt formatCode="0.000" sourceLinked="1"/>
+        <c:majorTickMark val="none"/>
+        <c:minorTickMark val="none"/>
+        <c:tickLblPos val="nextTo"/>
+        <c:spPr>
+          <a:noFill/>
+          <a:ln>
+            <a:noFill/>
+          </a:ln>
+          <a:effectLst/>
+        </c:spPr>
+        <c:txPr>
+          <a:bodyPr rot="-60000000" spcFirstLastPara="1" vertOverflow="ellipsis" vert="horz" wrap="square" anchor="ctr" anchorCtr="1"/>
+          <a:lstStyle/>
+          <a:p>
+            <a:pPr>
+              <a:defRPr sz="900" b="0" i="0" u="none" strike="noStrike" kern="1200" baseline="0">
+                <a:solidFill>
+                  <a:schemeClr val="tx1">
+                    <a:lumMod val="65000"/>
+                    <a:lumOff val="35000"/>
+                  </a:schemeClr>
+                </a:solidFill>
+                <a:latin typeface="+mn-lt"/>
+                <a:ea typeface="+mn-ea"/>
+                <a:cs typeface="+mn-cs"/>
+              </a:defRPr>
+            </a:pPr>
+            <a:endParaRPr lang="de-DE"/>
+          </a:p>
+        </c:txPr>
+        <c:crossAx val="460140904"/>
+        <c:crosses val="autoZero"/>
+        <c:crossBetween val="between"/>
+      </c:valAx>
+      <c:spPr>
+        <a:noFill/>
+        <a:ln>
+          <a:noFill/>
+        </a:ln>
+        <a:effectLst/>
+      </c:spPr>
+    </c:plotArea>
+    <c:plotVisOnly val="1"/>
+    <c:dispBlanksAs val="gap"/>
+    <c:showDLblsOverMax val="0"/>
+  </c:chart>
+  <c:spPr>
+    <a:noFill/>
+    <a:ln>
+      <a:noFill/>
+    </a:ln>
+    <a:effectLst/>
+  </c:spPr>
+  <c:txPr>
+    <a:bodyPr/>
+    <a:lstStyle/>
+    <a:p>
+      <a:pPr>
+        <a:defRPr/>
+      </a:pPr>
+      <a:endParaRPr lang="de-DE"/>
+    </a:p>
+  </c:txPr>
+  <c:externalData r:id="rId3">
+    <c:autoUpdate val="0"/>
+  </c:externalData>
+</c:chartSpace>
+</file>
+
 <file path=ppt/charts/colors1.xml><?xml version="1.0" encoding="utf-8"?>
 <cs:colorStyle xmlns:cs="http://schemas.microsoft.com/office/drawing/2012/chartStyle" xmlns:a="http://schemas.openxmlformats.org/drawingml/2006/main" meth="cycle" id="10">
   <a:schemeClr val="accent1"/>
@@ -1411,6 +1735,46 @@
 </file>
 
 <file path=ppt/charts/colors4.xml><?xml version="1.0" encoding="utf-8"?>
+<cs:colorStyle xmlns:cs="http://schemas.microsoft.com/office/drawing/2012/chartStyle" xmlns:a="http://schemas.openxmlformats.org/drawingml/2006/main" meth="cycle" id="10">
+  <a:schemeClr val="accent1"/>
+  <a:schemeClr val="accent2"/>
+  <a:schemeClr val="accent3"/>
+  <a:schemeClr val="accent4"/>
+  <a:schemeClr val="accent5"/>
+  <a:schemeClr val="accent6"/>
+  <cs:variation/>
+  <cs:variation>
+    <a:lumMod val="60000"/>
+  </cs:variation>
+  <cs:variation>
+    <a:lumMod val="80000"/>
+    <a:lumOff val="20000"/>
+  </cs:variation>
+  <cs:variation>
+    <a:lumMod val="80000"/>
+  </cs:variation>
+  <cs:variation>
+    <a:lumMod val="60000"/>
+    <a:lumOff val="40000"/>
+  </cs:variation>
+  <cs:variation>
+    <a:lumMod val="50000"/>
+  </cs:variation>
+  <cs:variation>
+    <a:lumMod val="70000"/>
+    <a:lumOff val="30000"/>
+  </cs:variation>
+  <cs:variation>
+    <a:lumMod val="70000"/>
+  </cs:variation>
+  <cs:variation>
+    <a:lumMod val="50000"/>
+    <a:lumOff val="50000"/>
+  </cs:variation>
+</cs:colorStyle>
+</file>
+
+<file path=ppt/charts/colors5.xml><?xml version="1.0" encoding="utf-8"?>
 <cs:colorStyle xmlns:cs="http://schemas.microsoft.com/office/drawing/2012/chartStyle" xmlns:a="http://schemas.openxmlformats.org/drawingml/2006/main" meth="cycle" id="10">
   <a:schemeClr val="accent1"/>
   <a:schemeClr val="accent2"/>
@@ -2483,7 +2847,7 @@
 </file>
 
 <file path=ppt/charts/style3.xml><?xml version="1.0" encoding="utf-8"?>
-<cs:chartStyle xmlns:cs="http://schemas.microsoft.com/office/drawing/2012/chartStyle" xmlns:a="http://schemas.openxmlformats.org/drawingml/2006/main" id="227">
+<cs:chartStyle xmlns:cs="http://schemas.microsoft.com/office/drawing/2012/chartStyle" xmlns:a="http://schemas.openxmlformats.org/drawingml/2006/main" id="201">
   <cs:axisTitle>
     <cs:lnRef idx="0"/>
     <cs:fillRef idx="0"/>
@@ -2591,11 +2955,6 @@
     <cs:fontRef idx="minor">
       <a:schemeClr val="tx1"/>
     </cs:fontRef>
-    <cs:spPr>
-      <a:solidFill>
-        <a:schemeClr val="phClr"/>
-      </a:solidFill>
-    </cs:spPr>
   </cs:dataPoint>
   <cs:dataPoint3D>
     <cs:lnRef idx="0"/>
@@ -2606,11 +2965,6 @@
     <cs:fontRef idx="minor">
       <a:schemeClr val="tx1"/>
     </cs:fontRef>
-    <cs:spPr>
-      <a:solidFill>
-        <a:schemeClr val="phClr"/>
-      </a:solidFill>
-    </cs:spPr>
   </cs:dataPoint3D>
   <cs:dataPointLine>
     <cs:lnRef idx="0">
@@ -2642,9 +2996,6 @@
       <a:schemeClr val="tx1"/>
     </cs:fontRef>
     <cs:spPr>
-      <a:solidFill>
-        <a:schemeClr val="phClr"/>
-      </a:solidFill>
       <a:ln w="9525">
         <a:solidFill>
           <a:schemeClr val="phClr"/>
@@ -3514,6 +3865,522 @@
 </cs:chartStyle>
 </file>
 
+<file path=ppt/charts/style5.xml><?xml version="1.0" encoding="utf-8"?>
+<cs:chartStyle xmlns:cs="http://schemas.microsoft.com/office/drawing/2012/chartStyle" xmlns:a="http://schemas.openxmlformats.org/drawingml/2006/main" id="227">
+  <cs:axisTitle>
+    <cs:lnRef idx="0"/>
+    <cs:fillRef idx="0"/>
+    <cs:effectRef idx="0"/>
+    <cs:fontRef idx="minor">
+      <a:schemeClr val="tx1">
+        <a:lumMod val="65000"/>
+        <a:lumOff val="35000"/>
+      </a:schemeClr>
+    </cs:fontRef>
+    <cs:defRPr sz="1000" kern="1200"/>
+  </cs:axisTitle>
+  <cs:categoryAxis>
+    <cs:lnRef idx="0"/>
+    <cs:fillRef idx="0"/>
+    <cs:effectRef idx="0"/>
+    <cs:fontRef idx="minor">
+      <a:schemeClr val="tx1">
+        <a:lumMod val="65000"/>
+        <a:lumOff val="35000"/>
+      </a:schemeClr>
+    </cs:fontRef>
+    <cs:spPr>
+      <a:ln w="9525" cap="flat" cmpd="sng" algn="ctr">
+        <a:solidFill>
+          <a:schemeClr val="tx1">
+            <a:lumMod val="15000"/>
+            <a:lumOff val="85000"/>
+          </a:schemeClr>
+        </a:solidFill>
+        <a:round/>
+      </a:ln>
+    </cs:spPr>
+    <cs:defRPr sz="900" kern="1200"/>
+  </cs:categoryAxis>
+  <cs:chartArea mods="allowNoFillOverride allowNoLineOverride">
+    <cs:lnRef idx="0"/>
+    <cs:fillRef idx="0"/>
+    <cs:effectRef idx="0"/>
+    <cs:fontRef idx="minor">
+      <a:schemeClr val="tx1"/>
+    </cs:fontRef>
+    <cs:spPr>
+      <a:solidFill>
+        <a:schemeClr val="bg1"/>
+      </a:solidFill>
+      <a:ln w="9525" cap="flat" cmpd="sng" algn="ctr">
+        <a:solidFill>
+          <a:schemeClr val="tx1">
+            <a:lumMod val="15000"/>
+            <a:lumOff val="85000"/>
+          </a:schemeClr>
+        </a:solidFill>
+        <a:round/>
+      </a:ln>
+    </cs:spPr>
+    <cs:defRPr sz="1000" kern="1200"/>
+  </cs:chartArea>
+  <cs:dataLabel>
+    <cs:lnRef idx="0"/>
+    <cs:fillRef idx="0"/>
+    <cs:effectRef idx="0"/>
+    <cs:fontRef idx="minor">
+      <a:schemeClr val="tx1">
+        <a:lumMod val="75000"/>
+        <a:lumOff val="25000"/>
+      </a:schemeClr>
+    </cs:fontRef>
+    <cs:defRPr sz="900" kern="1200"/>
+  </cs:dataLabel>
+  <cs:dataLabelCallout>
+    <cs:lnRef idx="0"/>
+    <cs:fillRef idx="0"/>
+    <cs:effectRef idx="0"/>
+    <cs:fontRef idx="minor">
+      <a:schemeClr val="dk1">
+        <a:lumMod val="65000"/>
+        <a:lumOff val="35000"/>
+      </a:schemeClr>
+    </cs:fontRef>
+    <cs:spPr>
+      <a:solidFill>
+        <a:schemeClr val="lt1"/>
+      </a:solidFill>
+      <a:ln>
+        <a:solidFill>
+          <a:schemeClr val="dk1">
+            <a:lumMod val="25000"/>
+            <a:lumOff val="75000"/>
+          </a:schemeClr>
+        </a:solidFill>
+      </a:ln>
+    </cs:spPr>
+    <cs:defRPr sz="900" kern="1200"/>
+    <cs:bodyPr rot="0" spcFirstLastPara="1" vertOverflow="clip" horzOverflow="clip" vert="horz" wrap="square" lIns="36576" tIns="18288" rIns="36576" bIns="18288" anchor="ctr" anchorCtr="1">
+      <a:spAutoFit/>
+    </cs:bodyPr>
+  </cs:dataLabelCallout>
+  <cs:dataPoint>
+    <cs:lnRef idx="0"/>
+    <cs:fillRef idx="1">
+      <cs:styleClr val="auto"/>
+    </cs:fillRef>
+    <cs:effectRef idx="0"/>
+    <cs:fontRef idx="minor">
+      <a:schemeClr val="tx1"/>
+    </cs:fontRef>
+    <cs:spPr>
+      <a:solidFill>
+        <a:schemeClr val="phClr"/>
+      </a:solidFill>
+    </cs:spPr>
+  </cs:dataPoint>
+  <cs:dataPoint3D>
+    <cs:lnRef idx="0"/>
+    <cs:fillRef idx="1">
+      <cs:styleClr val="auto"/>
+    </cs:fillRef>
+    <cs:effectRef idx="0"/>
+    <cs:fontRef idx="minor">
+      <a:schemeClr val="tx1"/>
+    </cs:fontRef>
+    <cs:spPr>
+      <a:solidFill>
+        <a:schemeClr val="phClr"/>
+      </a:solidFill>
+    </cs:spPr>
+  </cs:dataPoint3D>
+  <cs:dataPointLine>
+    <cs:lnRef idx="0">
+      <cs:styleClr val="auto"/>
+    </cs:lnRef>
+    <cs:fillRef idx="1"/>
+    <cs:effectRef idx="0"/>
+    <cs:fontRef idx="minor">
+      <a:schemeClr val="tx1"/>
+    </cs:fontRef>
+    <cs:spPr>
+      <a:ln w="28575" cap="rnd">
+        <a:solidFill>
+          <a:schemeClr val="phClr"/>
+        </a:solidFill>
+        <a:round/>
+      </a:ln>
+    </cs:spPr>
+  </cs:dataPointLine>
+  <cs:dataPointMarker>
+    <cs:lnRef idx="0">
+      <cs:styleClr val="auto"/>
+    </cs:lnRef>
+    <cs:fillRef idx="1">
+      <cs:styleClr val="auto"/>
+    </cs:fillRef>
+    <cs:effectRef idx="0"/>
+    <cs:fontRef idx="minor">
+      <a:schemeClr val="tx1"/>
+    </cs:fontRef>
+    <cs:spPr>
+      <a:solidFill>
+        <a:schemeClr val="phClr"/>
+      </a:solidFill>
+      <a:ln w="9525">
+        <a:solidFill>
+          <a:schemeClr val="phClr"/>
+        </a:solidFill>
+      </a:ln>
+    </cs:spPr>
+  </cs:dataPointMarker>
+  <cs:dataPointMarkerLayout symbol="circle" size="5"/>
+  <cs:dataPointWireframe>
+    <cs:lnRef idx="0">
+      <cs:styleClr val="auto"/>
+    </cs:lnRef>
+    <cs:fillRef idx="1"/>
+    <cs:effectRef idx="0"/>
+    <cs:fontRef idx="minor">
+      <a:schemeClr val="tx1"/>
+    </cs:fontRef>
+    <cs:spPr>
+      <a:ln w="9525" cap="rnd">
+        <a:solidFill>
+          <a:schemeClr val="phClr"/>
+        </a:solidFill>
+        <a:round/>
+      </a:ln>
+    </cs:spPr>
+  </cs:dataPointWireframe>
+  <cs:dataTable>
+    <cs:lnRef idx="0"/>
+    <cs:fillRef idx="0"/>
+    <cs:effectRef idx="0"/>
+    <cs:fontRef idx="minor">
+      <a:schemeClr val="tx1">
+        <a:lumMod val="65000"/>
+        <a:lumOff val="35000"/>
+      </a:schemeClr>
+    </cs:fontRef>
+    <cs:spPr>
+      <a:noFill/>
+      <a:ln w="9525" cap="flat" cmpd="sng" algn="ctr">
+        <a:solidFill>
+          <a:schemeClr val="tx1">
+            <a:lumMod val="15000"/>
+            <a:lumOff val="85000"/>
+          </a:schemeClr>
+        </a:solidFill>
+        <a:round/>
+      </a:ln>
+    </cs:spPr>
+    <cs:defRPr sz="900" kern="1200"/>
+  </cs:dataTable>
+  <cs:downBar>
+    <cs:lnRef idx="0"/>
+    <cs:fillRef idx="0"/>
+    <cs:effectRef idx="0"/>
+    <cs:fontRef idx="minor">
+      <a:schemeClr val="dk1"/>
+    </cs:fontRef>
+    <cs:spPr>
+      <a:solidFill>
+        <a:schemeClr val="dk1">
+          <a:lumMod val="65000"/>
+          <a:lumOff val="35000"/>
+        </a:schemeClr>
+      </a:solidFill>
+      <a:ln w="9525">
+        <a:solidFill>
+          <a:schemeClr val="tx1">
+            <a:lumMod val="65000"/>
+            <a:lumOff val="35000"/>
+          </a:schemeClr>
+        </a:solidFill>
+      </a:ln>
+    </cs:spPr>
+  </cs:downBar>
+  <cs:dropLine>
+    <cs:lnRef idx="0"/>
+    <cs:fillRef idx="0"/>
+    <cs:effectRef idx="0"/>
+    <cs:fontRef idx="minor">
+      <a:schemeClr val="tx1"/>
+    </cs:fontRef>
+    <cs:spPr>
+      <a:ln w="9525" cap="flat" cmpd="sng" algn="ctr">
+        <a:solidFill>
+          <a:schemeClr val="tx1">
+            <a:lumMod val="35000"/>
+            <a:lumOff val="65000"/>
+          </a:schemeClr>
+        </a:solidFill>
+        <a:round/>
+      </a:ln>
+    </cs:spPr>
+  </cs:dropLine>
+  <cs:errorBar>
+    <cs:lnRef idx="0"/>
+    <cs:fillRef idx="0"/>
+    <cs:effectRef idx="0"/>
+    <cs:fontRef idx="minor">
+      <a:schemeClr val="tx1"/>
+    </cs:fontRef>
+    <cs:spPr>
+      <a:ln w="9525" cap="flat" cmpd="sng" algn="ctr">
+        <a:solidFill>
+          <a:schemeClr val="tx1">
+            <a:lumMod val="65000"/>
+            <a:lumOff val="35000"/>
+          </a:schemeClr>
+        </a:solidFill>
+        <a:round/>
+      </a:ln>
+    </cs:spPr>
+  </cs:errorBar>
+  <cs:floor>
+    <cs:lnRef idx="0"/>
+    <cs:fillRef idx="0"/>
+    <cs:effectRef idx="0"/>
+    <cs:fontRef idx="minor">
+      <a:schemeClr val="tx1"/>
+    </cs:fontRef>
+    <cs:spPr>
+      <a:noFill/>
+      <a:ln>
+        <a:noFill/>
+      </a:ln>
+    </cs:spPr>
+  </cs:floor>
+  <cs:gridlineMajor>
+    <cs:lnRef idx="0"/>
+    <cs:fillRef idx="0"/>
+    <cs:effectRef idx="0"/>
+    <cs:fontRef idx="minor">
+      <a:schemeClr val="tx1"/>
+    </cs:fontRef>
+    <cs:spPr>
+      <a:ln w="9525" cap="flat" cmpd="sng" algn="ctr">
+        <a:solidFill>
+          <a:schemeClr val="tx1">
+            <a:lumMod val="15000"/>
+            <a:lumOff val="85000"/>
+          </a:schemeClr>
+        </a:solidFill>
+        <a:round/>
+      </a:ln>
+    </cs:spPr>
+  </cs:gridlineMajor>
+  <cs:gridlineMinor>
+    <cs:lnRef idx="0"/>
+    <cs:fillRef idx="0"/>
+    <cs:effectRef idx="0"/>
+    <cs:fontRef idx="minor">
+      <a:schemeClr val="tx1"/>
+    </cs:fontRef>
+    <cs:spPr>
+      <a:ln w="9525" cap="flat" cmpd="sng" algn="ctr">
+        <a:solidFill>
+          <a:schemeClr val="tx1">
+            <a:lumMod val="5000"/>
+            <a:lumOff val="95000"/>
+          </a:schemeClr>
+        </a:solidFill>
+        <a:round/>
+      </a:ln>
+    </cs:spPr>
+  </cs:gridlineMinor>
+  <cs:hiLoLine>
+    <cs:lnRef idx="0"/>
+    <cs:fillRef idx="0"/>
+    <cs:effectRef idx="0"/>
+    <cs:fontRef idx="minor">
+      <a:schemeClr val="tx1"/>
+    </cs:fontRef>
+    <cs:spPr>
+      <a:ln w="9525" cap="flat" cmpd="sng" algn="ctr">
+        <a:solidFill>
+          <a:schemeClr val="tx1">
+            <a:lumMod val="75000"/>
+            <a:lumOff val="25000"/>
+          </a:schemeClr>
+        </a:solidFill>
+        <a:round/>
+      </a:ln>
+    </cs:spPr>
+  </cs:hiLoLine>
+  <cs:leaderLine>
+    <cs:lnRef idx="0"/>
+    <cs:fillRef idx="0"/>
+    <cs:effectRef idx="0"/>
+    <cs:fontRef idx="minor">
+      <a:schemeClr val="tx1"/>
+    </cs:fontRef>
+    <cs:spPr>
+      <a:ln w="9525" cap="flat" cmpd="sng" algn="ctr">
+        <a:solidFill>
+          <a:schemeClr val="tx1">
+            <a:lumMod val="35000"/>
+            <a:lumOff val="65000"/>
+          </a:schemeClr>
+        </a:solidFill>
+        <a:round/>
+      </a:ln>
+    </cs:spPr>
+  </cs:leaderLine>
+  <cs:legend>
+    <cs:lnRef idx="0"/>
+    <cs:fillRef idx="0"/>
+    <cs:effectRef idx="0"/>
+    <cs:fontRef idx="minor">
+      <a:schemeClr val="tx1">
+        <a:lumMod val="65000"/>
+        <a:lumOff val="35000"/>
+      </a:schemeClr>
+    </cs:fontRef>
+    <cs:defRPr sz="900" kern="1200"/>
+  </cs:legend>
+  <cs:plotArea mods="allowNoFillOverride allowNoLineOverride">
+    <cs:lnRef idx="0"/>
+    <cs:fillRef idx="0"/>
+    <cs:effectRef idx="0"/>
+    <cs:fontRef idx="minor">
+      <a:schemeClr val="tx1"/>
+    </cs:fontRef>
+  </cs:plotArea>
+  <cs:plotArea3D mods="allowNoFillOverride allowNoLineOverride">
+    <cs:lnRef idx="0"/>
+    <cs:fillRef idx="0"/>
+    <cs:effectRef idx="0"/>
+    <cs:fontRef idx="minor">
+      <a:schemeClr val="tx1"/>
+    </cs:fontRef>
+  </cs:plotArea3D>
+  <cs:seriesAxis>
+    <cs:lnRef idx="0"/>
+    <cs:fillRef idx="0"/>
+    <cs:effectRef idx="0"/>
+    <cs:fontRef idx="minor">
+      <a:schemeClr val="tx1">
+        <a:lumMod val="65000"/>
+        <a:lumOff val="35000"/>
+      </a:schemeClr>
+    </cs:fontRef>
+    <cs:defRPr sz="900" kern="1200"/>
+  </cs:seriesAxis>
+  <cs:seriesLine>
+    <cs:lnRef idx="0"/>
+    <cs:fillRef idx="0"/>
+    <cs:effectRef idx="0"/>
+    <cs:fontRef idx="minor">
+      <a:schemeClr val="tx1"/>
+    </cs:fontRef>
+    <cs:spPr>
+      <a:ln w="9525" cap="flat" cmpd="sng" algn="ctr">
+        <a:solidFill>
+          <a:schemeClr val="tx1">
+            <a:lumMod val="35000"/>
+            <a:lumOff val="65000"/>
+          </a:schemeClr>
+        </a:solidFill>
+        <a:round/>
+      </a:ln>
+    </cs:spPr>
+  </cs:seriesLine>
+  <cs:title>
+    <cs:lnRef idx="0"/>
+    <cs:fillRef idx="0"/>
+    <cs:effectRef idx="0"/>
+    <cs:fontRef idx="minor">
+      <a:schemeClr val="tx1">
+        <a:lumMod val="65000"/>
+        <a:lumOff val="35000"/>
+      </a:schemeClr>
+    </cs:fontRef>
+    <cs:defRPr sz="1400" b="0" kern="1200" spc="0" baseline="0"/>
+  </cs:title>
+  <cs:trendline>
+    <cs:lnRef idx="0">
+      <cs:styleClr val="auto"/>
+    </cs:lnRef>
+    <cs:fillRef idx="0"/>
+    <cs:effectRef idx="0"/>
+    <cs:fontRef idx="minor">
+      <a:schemeClr val="tx1"/>
+    </cs:fontRef>
+    <cs:spPr>
+      <a:ln w="19050" cap="rnd">
+        <a:solidFill>
+          <a:schemeClr val="phClr"/>
+        </a:solidFill>
+        <a:prstDash val="sysDot"/>
+      </a:ln>
+    </cs:spPr>
+  </cs:trendline>
+  <cs:trendlineLabel>
+    <cs:lnRef idx="0"/>
+    <cs:fillRef idx="0"/>
+    <cs:effectRef idx="0"/>
+    <cs:fontRef idx="minor">
+      <a:schemeClr val="tx1">
+        <a:lumMod val="65000"/>
+        <a:lumOff val="35000"/>
+      </a:schemeClr>
+    </cs:fontRef>
+    <cs:defRPr sz="900" kern="1200"/>
+  </cs:trendlineLabel>
+  <cs:upBar>
+    <cs:lnRef idx="0"/>
+    <cs:fillRef idx="0"/>
+    <cs:effectRef idx="0"/>
+    <cs:fontRef idx="minor">
+      <a:schemeClr val="dk1"/>
+    </cs:fontRef>
+    <cs:spPr>
+      <a:solidFill>
+        <a:schemeClr val="lt1"/>
+      </a:solidFill>
+      <a:ln w="9525">
+        <a:solidFill>
+          <a:schemeClr val="tx1">
+            <a:lumMod val="15000"/>
+            <a:lumOff val="85000"/>
+          </a:schemeClr>
+        </a:solidFill>
+      </a:ln>
+    </cs:spPr>
+  </cs:upBar>
+  <cs:valueAxis>
+    <cs:lnRef idx="0"/>
+    <cs:fillRef idx="0"/>
+    <cs:effectRef idx="0"/>
+    <cs:fontRef idx="minor">
+      <a:schemeClr val="tx1">
+        <a:lumMod val="65000"/>
+        <a:lumOff val="35000"/>
+      </a:schemeClr>
+    </cs:fontRef>
+    <cs:defRPr sz="900" kern="1200"/>
+  </cs:valueAxis>
+  <cs:wall>
+    <cs:lnRef idx="0"/>
+    <cs:fillRef idx="0"/>
+    <cs:effectRef idx="0"/>
+    <cs:fontRef idx="minor">
+      <a:schemeClr val="tx1"/>
+    </cs:fontRef>
+    <cs:spPr>
+      <a:noFill/>
+      <a:ln>
+        <a:noFill/>
+      </a:ln>
+    </cs:spPr>
+  </cs:wall>
+</cs:chartStyle>
+</file>
+
 <file path=ppt/handoutMasters/handoutMaster1.xml><?xml version="1.0" encoding="utf-8"?>
 <p:handoutMaster xmlns:a="http://schemas.openxmlformats.org/drawingml/2006/main" xmlns:r="http://schemas.openxmlformats.org/officeDocument/2006/relationships" xmlns:p="http://schemas.openxmlformats.org/presentationml/2006/main">
   <p:cSld>
@@ -8276,10 +9143,9 @@
           <a:lstStyle/>
           <a:p>
             <a:r>
-              <a:rPr lang="en-US" dirty="0" err="1"/>
-              <a:t>Halbzeit-Fazit</a:t>
-            </a:r>
-            <a:endParaRPr lang="en-US" dirty="0"/>
+              <a:rPr lang="en-US" dirty="0"/>
+              <a:t>Intermediate Status</a:t>
+            </a:r>
           </a:p>
         </p:txBody>
       </p:sp>
@@ -8341,13 +9207,13 @@
           <a:p>
             <a:r>
               <a:rPr lang="de-DE" dirty="0"/>
-              <a:t>Eingabe-Features: Distanz, Fahrtkosten, Zeit, Passagieranzahl, Orte</a:t>
+              <a:t>Eingabe-Features: Distanz, Fahrtkosten, Dauer, Passagieranzahl, Orte</a:t>
             </a:r>
           </a:p>
           <a:p>
             <a:r>
               <a:rPr lang="de-DE" dirty="0"/>
-              <a:t>Ausgabe-Feature: Höhe des Trinkgeldes</a:t>
+              <a:t>Ausgabe-Feature: Rate der Taxifahrt (Standard, Nacht, Flughafen)</a:t>
             </a:r>
           </a:p>
           <a:p>
@@ -8419,8 +9285,16 @@
           <a:p>
             <a:r>
               <a:rPr lang="de-DE" dirty="0"/>
-              <a:t>Trinkgeldvorhersage</a:t>
-            </a:r>
+              <a:t>Ratenerkennung</a:t>
+            </a:r>
+            <a:br>
+              <a:rPr lang="de-DE" dirty="0"/>
+            </a:br>
+            <a:r>
+              <a:rPr lang="de-DE" sz="1800" dirty="0"/>
+              <a:t>(Multiklassen Klassifizierung)</a:t>
+            </a:r>
+            <a:endParaRPr lang="de-DE" dirty="0"/>
           </a:p>
         </p:txBody>
       </p:sp>
@@ -8439,7 +9313,1296 @@
           <p:nvPr>
             <p:extLst>
               <p:ext uri="{D42A27DB-BD31-4B8C-83A1-F6EECF244321}">
-                <p14:modId xmlns:p14="http://schemas.microsoft.com/office/powerpoint/2010/main" val="1675825305"/>
+                <p14:modId xmlns:p14="http://schemas.microsoft.com/office/powerpoint/2010/main" val="2230315357"/>
+              </p:ext>
+            </p:extLst>
+          </p:nvPr>
+        </p:nvGraphicFramePr>
+        <p:xfrm>
+          <a:off x="262222" y="1902653"/>
+          <a:ext cx="3312368" cy="2171700"/>
+        </p:xfrm>
+        <a:graphic>
+          <a:graphicData uri="http://schemas.openxmlformats.org/drawingml/2006/table">
+            <a:tbl>
+              <a:tblPr firstRow="1" bandRow="1">
+                <a:tableStyleId>{5C22544A-7EE6-4342-B048-85BDC9FD1C3A}</a:tableStyleId>
+              </a:tblPr>
+              <a:tblGrid>
+                <a:gridCol w="1242137">
+                  <a:extLst>
+                    <a:ext uri="{9D8B030D-6E8A-4147-A177-3AD203B41FA5}">
+                      <a16:colId xmlns:a16="http://schemas.microsoft.com/office/drawing/2014/main" val="292505027"/>
+                    </a:ext>
+                  </a:extLst>
+                </a:gridCol>
+                <a:gridCol w="897101">
+                  <a:extLst>
+                    <a:ext uri="{9D8B030D-6E8A-4147-A177-3AD203B41FA5}">
+                      <a16:colId xmlns:a16="http://schemas.microsoft.com/office/drawing/2014/main" val="3445480926"/>
+                    </a:ext>
+                  </a:extLst>
+                </a:gridCol>
+                <a:gridCol w="1173130">
+                  <a:extLst>
+                    <a:ext uri="{9D8B030D-6E8A-4147-A177-3AD203B41FA5}">
+                      <a16:colId xmlns:a16="http://schemas.microsoft.com/office/drawing/2014/main" val="2021208456"/>
+                    </a:ext>
+                  </a:extLst>
+                </a:gridCol>
+              </a:tblGrid>
+              <a:tr h="406442">
+                <a:tc>
+                  <a:txBody>
+                    <a:bodyPr/>
+                    <a:lstStyle/>
+                    <a:p>
+                      <a:pPr algn="r"/>
+                      <a:r>
+                        <a:rPr lang="de-DE" sz="1050" dirty="0"/>
+                        <a:t>Eingabe</a:t>
+                      </a:r>
+                      <a:br>
+                        <a:rPr lang="de-DE" sz="1050" dirty="0"/>
+                      </a:br>
+                      <a:r>
+                        <a:rPr lang="de-DE" sz="1050" dirty="0"/>
+                        <a:t>( in Tausend)</a:t>
+                      </a:r>
+                    </a:p>
+                  </a:txBody>
+                  <a:tcPr/>
+                </a:tc>
+                <a:tc>
+                  <a:txBody>
+                    <a:bodyPr/>
+                    <a:lstStyle/>
+                    <a:p>
+                      <a:pPr algn="r"/>
+                      <a:r>
+                        <a:rPr lang="de-DE" sz="1050" dirty="0" err="1"/>
+                        <a:t>Accuracy</a:t>
+                      </a:r>
+                      <a:endParaRPr lang="de-DE" sz="1050" dirty="0"/>
+                    </a:p>
+                  </a:txBody>
+                  <a:tcPr/>
+                </a:tc>
+                <a:tc>
+                  <a:txBody>
+                    <a:bodyPr/>
+                    <a:lstStyle/>
+                    <a:p>
+                      <a:pPr algn="r"/>
+                      <a:r>
+                        <a:rPr lang="de-DE" sz="1050" dirty="0"/>
+                        <a:t>Zeit (in Min)</a:t>
+                      </a:r>
+                    </a:p>
+                  </a:txBody>
+                  <a:tcPr/>
+                </a:tc>
+                <a:extLst>
+                  <a:ext uri="{0D108BD9-81ED-4DB2-BD59-A6C34878D82A}">
+                    <a16:rowId xmlns:a16="http://schemas.microsoft.com/office/drawing/2014/main" val="2033634572"/>
+                  </a:ext>
+                </a:extLst>
+              </a:tr>
+              <a:tr h="240256">
+                <a:tc>
+                  <a:txBody>
+                    <a:bodyPr/>
+                    <a:lstStyle/>
+                    <a:p>
+                      <a:pPr algn="r"/>
+                      <a:r>
+                        <a:rPr lang="de-DE" sz="1050" dirty="0"/>
+                        <a:t>1</a:t>
+                      </a:r>
+                    </a:p>
+                  </a:txBody>
+                  <a:tcPr/>
+                </a:tc>
+                <a:tc>
+                  <a:txBody>
+                    <a:bodyPr/>
+                    <a:lstStyle/>
+                    <a:p>
+                      <a:pPr algn="r"/>
+                      <a:r>
+                        <a:rPr lang="de-DE" sz="1050" dirty="0"/>
+                        <a:t>0.975</a:t>
+                      </a:r>
+                    </a:p>
+                  </a:txBody>
+                  <a:tcPr/>
+                </a:tc>
+                <a:tc>
+                  <a:txBody>
+                    <a:bodyPr/>
+                    <a:lstStyle/>
+                    <a:p>
+                      <a:pPr algn="r"/>
+                      <a:r>
+                        <a:rPr lang="de-DE" sz="1050" dirty="0"/>
+                        <a:t>0.1</a:t>
+                      </a:r>
+                    </a:p>
+                  </a:txBody>
+                  <a:tcPr/>
+                </a:tc>
+                <a:extLst>
+                  <a:ext uri="{0D108BD9-81ED-4DB2-BD59-A6C34878D82A}">
+                    <a16:rowId xmlns:a16="http://schemas.microsoft.com/office/drawing/2014/main" val="3195731110"/>
+                  </a:ext>
+                </a:extLst>
+              </a:tr>
+              <a:tr h="240256">
+                <a:tc>
+                  <a:txBody>
+                    <a:bodyPr/>
+                    <a:lstStyle/>
+                    <a:p>
+                      <a:pPr algn="r"/>
+                      <a:r>
+                        <a:rPr lang="de-DE" sz="1050" dirty="0"/>
+                        <a:t>5</a:t>
+                      </a:r>
+                    </a:p>
+                  </a:txBody>
+                  <a:tcPr/>
+                </a:tc>
+                <a:tc>
+                  <a:txBody>
+                    <a:bodyPr/>
+                    <a:lstStyle/>
+                    <a:p>
+                      <a:pPr algn="r"/>
+                      <a:r>
+                        <a:rPr lang="de-DE" sz="1050" dirty="0"/>
+                        <a:t>0.993</a:t>
+                      </a:r>
+                    </a:p>
+                  </a:txBody>
+                  <a:tcPr/>
+                </a:tc>
+                <a:tc>
+                  <a:txBody>
+                    <a:bodyPr/>
+                    <a:lstStyle/>
+                    <a:p>
+                      <a:pPr algn="r"/>
+                      <a:r>
+                        <a:rPr lang="de-DE" sz="1050" dirty="0"/>
+                        <a:t>0.2</a:t>
+                      </a:r>
+                    </a:p>
+                  </a:txBody>
+                  <a:tcPr/>
+                </a:tc>
+                <a:extLst>
+                  <a:ext uri="{0D108BD9-81ED-4DB2-BD59-A6C34878D82A}">
+                    <a16:rowId xmlns:a16="http://schemas.microsoft.com/office/drawing/2014/main" val="1156751406"/>
+                  </a:ext>
+                </a:extLst>
+              </a:tr>
+              <a:tr h="240256">
+                <a:tc>
+                  <a:txBody>
+                    <a:bodyPr/>
+                    <a:lstStyle/>
+                    <a:p>
+                      <a:pPr algn="r"/>
+                      <a:r>
+                        <a:rPr lang="de-DE" sz="1050" dirty="0"/>
+                        <a:t>10</a:t>
+                      </a:r>
+                    </a:p>
+                  </a:txBody>
+                  <a:tcPr/>
+                </a:tc>
+                <a:tc>
+                  <a:txBody>
+                    <a:bodyPr/>
+                    <a:lstStyle/>
+                    <a:p>
+                      <a:pPr algn="r"/>
+                      <a:r>
+                        <a:rPr lang="de-DE" sz="1050" dirty="0"/>
+                        <a:t>0.994</a:t>
+                      </a:r>
+                    </a:p>
+                  </a:txBody>
+                  <a:tcPr/>
+                </a:tc>
+                <a:tc>
+                  <a:txBody>
+                    <a:bodyPr/>
+                    <a:lstStyle/>
+                    <a:p>
+                      <a:pPr algn="r"/>
+                      <a:r>
+                        <a:rPr lang="de-DE" sz="1050" dirty="0"/>
+                        <a:t>3</a:t>
+                      </a:r>
+                    </a:p>
+                  </a:txBody>
+                  <a:tcPr/>
+                </a:tc>
+                <a:extLst>
+                  <a:ext uri="{0D108BD9-81ED-4DB2-BD59-A6C34878D82A}">
+                    <a16:rowId xmlns:a16="http://schemas.microsoft.com/office/drawing/2014/main" val="2662975499"/>
+                  </a:ext>
+                </a:extLst>
+              </a:tr>
+              <a:tr h="240256">
+                <a:tc>
+                  <a:txBody>
+                    <a:bodyPr/>
+                    <a:lstStyle/>
+                    <a:p>
+                      <a:pPr algn="r"/>
+                      <a:r>
+                        <a:rPr lang="de-DE" sz="1050" dirty="0"/>
+                        <a:t>50</a:t>
+                      </a:r>
+                    </a:p>
+                  </a:txBody>
+                  <a:tcPr/>
+                </a:tc>
+                <a:tc>
+                  <a:txBody>
+                    <a:bodyPr/>
+                    <a:lstStyle/>
+                    <a:p>
+                      <a:pPr algn="r"/>
+                      <a:r>
+                        <a:rPr lang="de-DE" sz="1050" dirty="0"/>
+                        <a:t>0.995</a:t>
+                      </a:r>
+                    </a:p>
+                  </a:txBody>
+                  <a:tcPr/>
+                </a:tc>
+                <a:tc>
+                  <a:txBody>
+                    <a:bodyPr/>
+                    <a:lstStyle/>
+                    <a:p>
+                      <a:pPr algn="r"/>
+                      <a:r>
+                        <a:rPr lang="de-DE" sz="1050" dirty="0"/>
+                        <a:t>3</a:t>
+                      </a:r>
+                    </a:p>
+                  </a:txBody>
+                  <a:tcPr/>
+                </a:tc>
+                <a:extLst>
+                  <a:ext uri="{0D108BD9-81ED-4DB2-BD59-A6C34878D82A}">
+                    <a16:rowId xmlns:a16="http://schemas.microsoft.com/office/drawing/2014/main" val="1983554128"/>
+                  </a:ext>
+                </a:extLst>
+              </a:tr>
+              <a:tr h="240256">
+                <a:tc>
+                  <a:txBody>
+                    <a:bodyPr/>
+                    <a:lstStyle/>
+                    <a:p>
+                      <a:pPr algn="r"/>
+                      <a:r>
+                        <a:rPr lang="de-DE" sz="1050" dirty="0"/>
+                        <a:t>100</a:t>
+                      </a:r>
+                    </a:p>
+                  </a:txBody>
+                  <a:tcPr/>
+                </a:tc>
+                <a:tc>
+                  <a:txBody>
+                    <a:bodyPr/>
+                    <a:lstStyle/>
+                    <a:p>
+                      <a:pPr algn="r"/>
+                      <a:r>
+                        <a:rPr lang="de-DE" sz="1050" dirty="0"/>
+                        <a:t>0.997</a:t>
+                      </a:r>
+                    </a:p>
+                  </a:txBody>
+                  <a:tcPr/>
+                </a:tc>
+                <a:tc>
+                  <a:txBody>
+                    <a:bodyPr/>
+                    <a:lstStyle/>
+                    <a:p>
+                      <a:pPr algn="r"/>
+                      <a:r>
+                        <a:rPr lang="de-DE" sz="1050" dirty="0"/>
+                        <a:t>11</a:t>
+                      </a:r>
+                    </a:p>
+                  </a:txBody>
+                  <a:tcPr/>
+                </a:tc>
+                <a:extLst>
+                  <a:ext uri="{0D108BD9-81ED-4DB2-BD59-A6C34878D82A}">
+                    <a16:rowId xmlns:a16="http://schemas.microsoft.com/office/drawing/2014/main" val="2776762072"/>
+                  </a:ext>
+                </a:extLst>
+              </a:tr>
+              <a:tr h="240256">
+                <a:tc>
+                  <a:txBody>
+                    <a:bodyPr/>
+                    <a:lstStyle/>
+                    <a:p>
+                      <a:pPr algn="r"/>
+                      <a:r>
+                        <a:rPr lang="de-DE" sz="1050" dirty="0"/>
+                        <a:t>500</a:t>
+                      </a:r>
+                    </a:p>
+                  </a:txBody>
+                  <a:tcPr/>
+                </a:tc>
+                <a:tc>
+                  <a:txBody>
+                    <a:bodyPr/>
+                    <a:lstStyle/>
+                    <a:p>
+                      <a:pPr algn="r"/>
+                      <a:r>
+                        <a:rPr lang="de-DE" sz="1050" dirty="0"/>
+                        <a:t>0.998</a:t>
+                      </a:r>
+                    </a:p>
+                  </a:txBody>
+                  <a:tcPr/>
+                </a:tc>
+                <a:tc>
+                  <a:txBody>
+                    <a:bodyPr/>
+                    <a:lstStyle/>
+                    <a:p>
+                      <a:pPr algn="r"/>
+                      <a:r>
+                        <a:rPr lang="de-DE" sz="1050" dirty="0"/>
+                        <a:t>71</a:t>
+                      </a:r>
+                    </a:p>
+                  </a:txBody>
+                  <a:tcPr/>
+                </a:tc>
+                <a:extLst>
+                  <a:ext uri="{0D108BD9-81ED-4DB2-BD59-A6C34878D82A}">
+                    <a16:rowId xmlns:a16="http://schemas.microsoft.com/office/drawing/2014/main" val="1865525454"/>
+                  </a:ext>
+                </a:extLst>
+              </a:tr>
+              <a:tr h="240256">
+                <a:tc>
+                  <a:txBody>
+                    <a:bodyPr/>
+                    <a:lstStyle/>
+                    <a:p>
+                      <a:pPr algn="r"/>
+                      <a:r>
+                        <a:rPr lang="de-DE" sz="1050" dirty="0"/>
+                        <a:t>1000</a:t>
+                      </a:r>
+                    </a:p>
+                  </a:txBody>
+                  <a:tcPr/>
+                </a:tc>
+                <a:tc>
+                  <a:txBody>
+                    <a:bodyPr/>
+                    <a:lstStyle/>
+                    <a:p>
+                      <a:pPr algn="r"/>
+                      <a:r>
+                        <a:rPr lang="de-DE" sz="1050" dirty="0"/>
+                        <a:t>-</a:t>
+                      </a:r>
+                    </a:p>
+                  </a:txBody>
+                  <a:tcPr/>
+                </a:tc>
+                <a:tc>
+                  <a:txBody>
+                    <a:bodyPr/>
+                    <a:lstStyle/>
+                    <a:p>
+                      <a:pPr algn="r"/>
+                      <a:r>
+                        <a:rPr lang="de-DE" sz="1050" dirty="0"/>
+                        <a:t>-</a:t>
+                      </a:r>
+                    </a:p>
+                  </a:txBody>
+                  <a:tcPr/>
+                </a:tc>
+                <a:extLst>
+                  <a:ext uri="{0D108BD9-81ED-4DB2-BD59-A6C34878D82A}">
+                    <a16:rowId xmlns:a16="http://schemas.microsoft.com/office/drawing/2014/main" val="4046004130"/>
+                  </a:ext>
+                </a:extLst>
+              </a:tr>
+            </a:tbl>
+          </a:graphicData>
+        </a:graphic>
+      </p:graphicFrame>
+      <p:graphicFrame>
+        <p:nvGraphicFramePr>
+          <p:cNvPr id="6" name="Diagramm 5">
+            <a:extLst>
+              <a:ext uri="{FF2B5EF4-FFF2-40B4-BE49-F238E27FC236}">
+                <a16:creationId xmlns:a16="http://schemas.microsoft.com/office/drawing/2014/main" id="{7F3E3105-0813-4029-B74B-AA841E032EF1}"/>
+              </a:ext>
+            </a:extLst>
+          </p:cNvPr>
+          <p:cNvGraphicFramePr>
+            <a:graphicFrameLocks/>
+          </p:cNvGraphicFramePr>
+          <p:nvPr>
+            <p:extLst>
+              <p:ext uri="{D42A27DB-BD31-4B8C-83A1-F6EECF244321}">
+                <p14:modId xmlns:p14="http://schemas.microsoft.com/office/powerpoint/2010/main" val="4255834580"/>
+              </p:ext>
+            </p:extLst>
+          </p:nvPr>
+        </p:nvGraphicFramePr>
+        <p:xfrm>
+          <a:off x="3851919" y="1902653"/>
+          <a:ext cx="4464497" cy="2171700"/>
+        </p:xfrm>
+        <a:graphic>
+          <a:graphicData uri="http://schemas.openxmlformats.org/drawingml/2006/chart">
+            <c:chart xmlns:c="http://schemas.openxmlformats.org/drawingml/2006/chart" xmlns:r="http://schemas.openxmlformats.org/officeDocument/2006/relationships" r:id="rId2"/>
+          </a:graphicData>
+        </a:graphic>
+      </p:graphicFrame>
+      <p:sp>
+        <p:nvSpPr>
+          <p:cNvPr id="7" name="Rechteck: abgerundete Ecken 6">
+            <a:extLst>
+              <a:ext uri="{FF2B5EF4-FFF2-40B4-BE49-F238E27FC236}">
+                <a16:creationId xmlns:a16="http://schemas.microsoft.com/office/drawing/2014/main" id="{886B924F-9C7F-4C5F-8C80-2701552162F4}"/>
+              </a:ext>
+            </a:extLst>
+          </p:cNvPr>
+          <p:cNvSpPr/>
+          <p:nvPr/>
+        </p:nvSpPr>
+        <p:spPr>
+          <a:xfrm>
+            <a:off x="323528" y="4155926"/>
+            <a:ext cx="3251062" cy="432048"/>
+          </a:xfrm>
+          <a:prstGeom prst="roundRect">
+            <a:avLst/>
+          </a:prstGeom>
+        </p:spPr>
+        <p:style>
+          <a:lnRef idx="2">
+            <a:schemeClr val="accent1">
+              <a:shade val="50000"/>
+            </a:schemeClr>
+          </a:lnRef>
+          <a:fillRef idx="1">
+            <a:schemeClr val="accent1"/>
+          </a:fillRef>
+          <a:effectRef idx="0">
+            <a:schemeClr val="accent1"/>
+          </a:effectRef>
+          <a:fontRef idx="minor">
+            <a:schemeClr val="lt1"/>
+          </a:fontRef>
+        </p:style>
+        <p:txBody>
+          <a:bodyPr rtlCol="0" anchor="ctr"/>
+          <a:lstStyle/>
+          <a:p>
+            <a:pPr algn="ctr"/>
+            <a:r>
+              <a:rPr lang="de-DE" sz="1100" dirty="0"/>
+              <a:t>von den 24 nicht erkannten Raten haben 13 die Rate „</a:t>
+            </a:r>
+            <a:r>
+              <a:rPr lang="de-DE" sz="1100" dirty="0" err="1"/>
+              <a:t>Negotiated</a:t>
+            </a:r>
+            <a:r>
+              <a:rPr lang="de-DE" sz="1100" dirty="0"/>
+              <a:t>“</a:t>
+            </a:r>
+            <a:endParaRPr lang="de-DE" dirty="0"/>
+          </a:p>
+        </p:txBody>
+      </p:sp>
+    </p:spTree>
+    <p:extLst>
+      <p:ext uri="{BB962C8B-B14F-4D97-AF65-F5344CB8AC3E}">
+        <p14:creationId xmlns:p14="http://schemas.microsoft.com/office/powerpoint/2010/main" val="3008625710"/>
+      </p:ext>
+    </p:extLst>
+  </p:cSld>
+  <p:clrMapOvr>
+    <a:masterClrMapping/>
+  </p:clrMapOvr>
+</p:sld>
+</file>
+
+<file path=ppt/slides/slide11.xml><?xml version="1.0" encoding="utf-8"?>
+<p:sld xmlns:a="http://schemas.openxmlformats.org/drawingml/2006/main" xmlns:r="http://schemas.openxmlformats.org/officeDocument/2006/relationships" xmlns:p="http://schemas.openxmlformats.org/presentationml/2006/main">
+  <p:cSld>
+    <p:spTree>
+      <p:nvGrpSpPr>
+        <p:cNvPr id="1" name=""/>
+        <p:cNvGrpSpPr/>
+        <p:nvPr/>
+      </p:nvGrpSpPr>
+      <p:grpSpPr>
+        <a:xfrm>
+          <a:off x="0" y="0"/>
+          <a:ext cx="0" cy="0"/>
+          <a:chOff x="0" y="0"/>
+          <a:chExt cx="0" cy="0"/>
+        </a:xfrm>
+      </p:grpSpPr>
+      <p:sp>
+        <p:nvSpPr>
+          <p:cNvPr id="2" name="Inhaltsplatzhalter 1">
+            <a:extLst>
+              <a:ext uri="{FF2B5EF4-FFF2-40B4-BE49-F238E27FC236}">
+                <a16:creationId xmlns:a16="http://schemas.microsoft.com/office/drawing/2014/main" id="{1812FF71-7B24-4928-B766-40A88B759706}"/>
+              </a:ext>
+            </a:extLst>
+          </p:cNvPr>
+          <p:cNvSpPr>
+            <a:spLocks noGrp="1"/>
+          </p:cNvSpPr>
+          <p:nvPr>
+            <p:ph idx="1"/>
+          </p:nvPr>
+        </p:nvSpPr>
+        <p:spPr>
+          <a:xfrm>
+            <a:off x="216488" y="843559"/>
+            <a:ext cx="8748000" cy="648072"/>
+          </a:xfrm>
+        </p:spPr>
+        <p:txBody>
+          <a:bodyPr/>
+          <a:lstStyle/>
+          <a:p>
+            <a:r>
+              <a:rPr lang="de-DE" dirty="0"/>
+              <a:t>Eingabe-Features: Distanz, Fahrtkosten, Dauer, Orte</a:t>
+            </a:r>
+          </a:p>
+          <a:p>
+            <a:r>
+              <a:rPr lang="de-DE" dirty="0"/>
+              <a:t>Ausgabe-Feature: Anzahl der Passagiere</a:t>
+            </a:r>
+          </a:p>
+          <a:p>
+            <a:r>
+              <a:rPr lang="de-DE" dirty="0"/>
+              <a:t>2 Hidden Layer mit je 100 Nodes, </a:t>
+            </a:r>
+            <a:r>
+              <a:rPr lang="de-DE" dirty="0" err="1"/>
+              <a:t>Sigmoid</a:t>
+            </a:r>
+            <a:r>
+              <a:rPr lang="de-DE" dirty="0"/>
+              <a:t>, 250 Epochen</a:t>
+            </a:r>
+          </a:p>
+        </p:txBody>
+      </p:sp>
+      <p:sp>
+        <p:nvSpPr>
+          <p:cNvPr id="3" name="Foliennummernplatzhalter 2">
+            <a:extLst>
+              <a:ext uri="{FF2B5EF4-FFF2-40B4-BE49-F238E27FC236}">
+                <a16:creationId xmlns:a16="http://schemas.microsoft.com/office/drawing/2014/main" id="{DFAEA9F0-14D8-4DAC-B1E8-6ACF0A6DEF16}"/>
+              </a:ext>
+            </a:extLst>
+          </p:cNvPr>
+          <p:cNvSpPr>
+            <a:spLocks noGrp="1"/>
+          </p:cNvSpPr>
+          <p:nvPr>
+            <p:ph type="sldNum" sz="quarter" idx="4"/>
+          </p:nvPr>
+        </p:nvSpPr>
+        <p:spPr/>
+        <p:txBody>
+          <a:bodyPr/>
+          <a:lstStyle/>
+          <a:p>
+            <a:fld id="{DAF489CC-3B7A-4DA5-A8C0-4984788D0EC5}" type="slidenum">
+              <a:rPr lang="nl-NL" smtClean="0"/>
+              <a:pPr/>
+              <a:t>11</a:t>
+            </a:fld>
+            <a:endParaRPr lang="nl-NL" dirty="0"/>
+          </a:p>
+        </p:txBody>
+      </p:sp>
+      <p:sp>
+        <p:nvSpPr>
+          <p:cNvPr id="4" name="Titel 3">
+            <a:extLst>
+              <a:ext uri="{FF2B5EF4-FFF2-40B4-BE49-F238E27FC236}">
+                <a16:creationId xmlns:a16="http://schemas.microsoft.com/office/drawing/2014/main" id="{A27C5E03-EC7A-401F-9AA5-5598E9CCAA4D}"/>
+              </a:ext>
+            </a:extLst>
+          </p:cNvPr>
+          <p:cNvSpPr>
+            <a:spLocks noGrp="1"/>
+          </p:cNvSpPr>
+          <p:nvPr>
+            <p:ph type="title"/>
+          </p:nvPr>
+        </p:nvSpPr>
+        <p:spPr/>
+        <p:txBody>
+          <a:bodyPr/>
+          <a:lstStyle/>
+          <a:p>
+            <a:r>
+              <a:rPr lang="de-DE" dirty="0"/>
+              <a:t>Passagieraufkommen</a:t>
+            </a:r>
+            <a:br>
+              <a:rPr lang="de-DE" dirty="0"/>
+            </a:br>
+            <a:r>
+              <a:rPr lang="de-DE" sz="1800" dirty="0"/>
+              <a:t>(Multiklassen-Klassifizierung)</a:t>
+            </a:r>
+            <a:endParaRPr lang="de-DE" dirty="0"/>
+          </a:p>
+        </p:txBody>
+      </p:sp>
+      <p:graphicFrame>
+        <p:nvGraphicFramePr>
+          <p:cNvPr id="5" name="Tabelle 4">
+            <a:extLst>
+              <a:ext uri="{FF2B5EF4-FFF2-40B4-BE49-F238E27FC236}">
+                <a16:creationId xmlns:a16="http://schemas.microsoft.com/office/drawing/2014/main" id="{DD79D7F0-F8BD-48B0-8D94-6B8953EF6AB6}"/>
+              </a:ext>
+            </a:extLst>
+          </p:cNvPr>
+          <p:cNvGraphicFramePr>
+            <a:graphicFrameLocks noGrp="1"/>
+          </p:cNvGraphicFramePr>
+          <p:nvPr>
+            <p:extLst>
+              <p:ext uri="{D42A27DB-BD31-4B8C-83A1-F6EECF244321}">
+                <p14:modId xmlns:p14="http://schemas.microsoft.com/office/powerpoint/2010/main" val="3112393631"/>
+              </p:ext>
+            </p:extLst>
+          </p:nvPr>
+        </p:nvGraphicFramePr>
+        <p:xfrm>
+          <a:off x="262222" y="1902653"/>
+          <a:ext cx="3312368" cy="1668780"/>
+        </p:xfrm>
+        <a:graphic>
+          <a:graphicData uri="http://schemas.openxmlformats.org/drawingml/2006/table">
+            <a:tbl>
+              <a:tblPr firstRow="1" bandRow="1">
+                <a:tableStyleId>{5C22544A-7EE6-4342-B048-85BDC9FD1C3A}</a:tableStyleId>
+              </a:tblPr>
+              <a:tblGrid>
+                <a:gridCol w="1242137">
+                  <a:extLst>
+                    <a:ext uri="{9D8B030D-6E8A-4147-A177-3AD203B41FA5}">
+                      <a16:colId xmlns:a16="http://schemas.microsoft.com/office/drawing/2014/main" val="292505027"/>
+                    </a:ext>
+                  </a:extLst>
+                </a:gridCol>
+                <a:gridCol w="979409">
+                  <a:extLst>
+                    <a:ext uri="{9D8B030D-6E8A-4147-A177-3AD203B41FA5}">
+                      <a16:colId xmlns:a16="http://schemas.microsoft.com/office/drawing/2014/main" val="3445480926"/>
+                    </a:ext>
+                  </a:extLst>
+                </a:gridCol>
+                <a:gridCol w="1090822">
+                  <a:extLst>
+                    <a:ext uri="{9D8B030D-6E8A-4147-A177-3AD203B41FA5}">
+                      <a16:colId xmlns:a16="http://schemas.microsoft.com/office/drawing/2014/main" val="2021208456"/>
+                    </a:ext>
+                  </a:extLst>
+                </a:gridCol>
+              </a:tblGrid>
+              <a:tr h="406442">
+                <a:tc>
+                  <a:txBody>
+                    <a:bodyPr/>
+                    <a:lstStyle/>
+                    <a:p>
+                      <a:pPr algn="r"/>
+                      <a:r>
+                        <a:rPr lang="de-DE" sz="1050" dirty="0"/>
+                        <a:t>Eingabe</a:t>
+                      </a:r>
+                      <a:br>
+                        <a:rPr lang="de-DE" sz="1050" dirty="0"/>
+                      </a:br>
+                      <a:r>
+                        <a:rPr lang="de-DE" sz="1050" dirty="0"/>
+                        <a:t>( in Tausend)</a:t>
+                      </a:r>
+                    </a:p>
+                  </a:txBody>
+                  <a:tcPr/>
+                </a:tc>
+                <a:tc>
+                  <a:txBody>
+                    <a:bodyPr/>
+                    <a:lstStyle/>
+                    <a:p>
+                      <a:pPr algn="r"/>
+                      <a:r>
+                        <a:rPr lang="de-DE" sz="1050" dirty="0" err="1"/>
+                        <a:t>Accuracy</a:t>
+                      </a:r>
+                      <a:endParaRPr lang="de-DE" sz="1050" dirty="0"/>
+                    </a:p>
+                  </a:txBody>
+                  <a:tcPr/>
+                </a:tc>
+                <a:tc>
+                  <a:txBody>
+                    <a:bodyPr/>
+                    <a:lstStyle/>
+                    <a:p>
+                      <a:pPr algn="r"/>
+                      <a:r>
+                        <a:rPr lang="de-DE" sz="1050" dirty="0"/>
+                        <a:t>Zeit (in Min)</a:t>
+                      </a:r>
+                    </a:p>
+                  </a:txBody>
+                  <a:tcPr/>
+                </a:tc>
+                <a:extLst>
+                  <a:ext uri="{0D108BD9-81ED-4DB2-BD59-A6C34878D82A}">
+                    <a16:rowId xmlns:a16="http://schemas.microsoft.com/office/drawing/2014/main" val="2033634572"/>
+                  </a:ext>
+                </a:extLst>
+              </a:tr>
+              <a:tr h="240256">
+                <a:tc>
+                  <a:txBody>
+                    <a:bodyPr/>
+                    <a:lstStyle/>
+                    <a:p>
+                      <a:pPr algn="r"/>
+                      <a:r>
+                        <a:rPr lang="de-DE" sz="1050" dirty="0"/>
+                        <a:t>1</a:t>
+                      </a:r>
+                    </a:p>
+                  </a:txBody>
+                  <a:tcPr/>
+                </a:tc>
+                <a:tc>
+                  <a:txBody>
+                    <a:bodyPr/>
+                    <a:lstStyle/>
+                    <a:p>
+                      <a:pPr algn="r"/>
+                      <a:r>
+                        <a:rPr lang="de-DE" sz="1050" dirty="0"/>
+                        <a:t>0.31</a:t>
+                      </a:r>
+                    </a:p>
+                  </a:txBody>
+                  <a:tcPr/>
+                </a:tc>
+                <a:tc>
+                  <a:txBody>
+                    <a:bodyPr/>
+                    <a:lstStyle/>
+                    <a:p>
+                      <a:pPr algn="r"/>
+                      <a:r>
+                        <a:rPr lang="de-DE" sz="1050" dirty="0"/>
+                        <a:t>1</a:t>
+                      </a:r>
+                    </a:p>
+                  </a:txBody>
+                  <a:tcPr/>
+                </a:tc>
+                <a:extLst>
+                  <a:ext uri="{0D108BD9-81ED-4DB2-BD59-A6C34878D82A}">
+                    <a16:rowId xmlns:a16="http://schemas.microsoft.com/office/drawing/2014/main" val="3195731110"/>
+                  </a:ext>
+                </a:extLst>
+              </a:tr>
+              <a:tr h="240256">
+                <a:tc>
+                  <a:txBody>
+                    <a:bodyPr/>
+                    <a:lstStyle/>
+                    <a:p>
+                      <a:pPr algn="r"/>
+                      <a:r>
+                        <a:rPr lang="de-DE" sz="1050" dirty="0"/>
+                        <a:t>5</a:t>
+                      </a:r>
+                    </a:p>
+                  </a:txBody>
+                  <a:tcPr/>
+                </a:tc>
+                <a:tc>
+                  <a:txBody>
+                    <a:bodyPr/>
+                    <a:lstStyle/>
+                    <a:p>
+                      <a:pPr algn="r"/>
+                      <a:r>
+                        <a:rPr lang="de-DE" sz="1050" dirty="0"/>
+                        <a:t>0.58</a:t>
+                      </a:r>
+                    </a:p>
+                  </a:txBody>
+                  <a:tcPr/>
+                </a:tc>
+                <a:tc>
+                  <a:txBody>
+                    <a:bodyPr/>
+                    <a:lstStyle/>
+                    <a:p>
+                      <a:pPr algn="r"/>
+                      <a:r>
+                        <a:rPr lang="de-DE" sz="1050" dirty="0"/>
+                        <a:t>3</a:t>
+                      </a:r>
+                    </a:p>
+                  </a:txBody>
+                  <a:tcPr/>
+                </a:tc>
+                <a:extLst>
+                  <a:ext uri="{0D108BD9-81ED-4DB2-BD59-A6C34878D82A}">
+                    <a16:rowId xmlns:a16="http://schemas.microsoft.com/office/drawing/2014/main" val="1156751406"/>
+                  </a:ext>
+                </a:extLst>
+              </a:tr>
+              <a:tr h="240256">
+                <a:tc>
+                  <a:txBody>
+                    <a:bodyPr/>
+                    <a:lstStyle/>
+                    <a:p>
+                      <a:pPr algn="r"/>
+                      <a:r>
+                        <a:rPr lang="de-DE" sz="1050" dirty="0"/>
+                        <a:t>10</a:t>
+                      </a:r>
+                    </a:p>
+                  </a:txBody>
+                  <a:tcPr/>
+                </a:tc>
+                <a:tc>
+                  <a:txBody>
+                    <a:bodyPr/>
+                    <a:lstStyle/>
+                    <a:p>
+                      <a:pPr algn="r"/>
+                      <a:r>
+                        <a:rPr lang="de-DE" sz="1050" dirty="0"/>
+                        <a:t>0.69</a:t>
+                      </a:r>
+                    </a:p>
+                  </a:txBody>
+                  <a:tcPr/>
+                </a:tc>
+                <a:tc>
+                  <a:txBody>
+                    <a:bodyPr/>
+                    <a:lstStyle/>
+                    <a:p>
+                      <a:pPr algn="r"/>
+                      <a:r>
+                        <a:rPr lang="de-DE" sz="1050" dirty="0"/>
+                        <a:t>6</a:t>
+                      </a:r>
+                    </a:p>
+                  </a:txBody>
+                  <a:tcPr/>
+                </a:tc>
+                <a:extLst>
+                  <a:ext uri="{0D108BD9-81ED-4DB2-BD59-A6C34878D82A}">
+                    <a16:rowId xmlns:a16="http://schemas.microsoft.com/office/drawing/2014/main" val="2662975499"/>
+                  </a:ext>
+                </a:extLst>
+              </a:tr>
+              <a:tr h="240256">
+                <a:tc>
+                  <a:txBody>
+                    <a:bodyPr/>
+                    <a:lstStyle/>
+                    <a:p>
+                      <a:pPr algn="r"/>
+                      <a:r>
+                        <a:rPr lang="de-DE" sz="1050" dirty="0"/>
+                        <a:t>50</a:t>
+                      </a:r>
+                    </a:p>
+                  </a:txBody>
+                  <a:tcPr/>
+                </a:tc>
+                <a:tc>
+                  <a:txBody>
+                    <a:bodyPr/>
+                    <a:lstStyle/>
+                    <a:p>
+                      <a:pPr algn="r"/>
+                      <a:r>
+                        <a:rPr lang="de-DE" sz="1050" dirty="0"/>
+                        <a:t>0.71</a:t>
+                      </a:r>
+                    </a:p>
+                  </a:txBody>
+                  <a:tcPr/>
+                </a:tc>
+                <a:tc>
+                  <a:txBody>
+                    <a:bodyPr/>
+                    <a:lstStyle/>
+                    <a:p>
+                      <a:pPr algn="r"/>
+                      <a:r>
+                        <a:rPr lang="de-DE" sz="1050" dirty="0"/>
+                        <a:t>11</a:t>
+                      </a:r>
+                    </a:p>
+                  </a:txBody>
+                  <a:tcPr/>
+                </a:tc>
+                <a:extLst>
+                  <a:ext uri="{0D108BD9-81ED-4DB2-BD59-A6C34878D82A}">
+                    <a16:rowId xmlns:a16="http://schemas.microsoft.com/office/drawing/2014/main" val="1983554128"/>
+                  </a:ext>
+                </a:extLst>
+              </a:tr>
+              <a:tr h="240256">
+                <a:tc>
+                  <a:txBody>
+                    <a:bodyPr/>
+                    <a:lstStyle/>
+                    <a:p>
+                      <a:pPr algn="r"/>
+                      <a:r>
+                        <a:rPr lang="de-DE" sz="1050" dirty="0"/>
+                        <a:t>100</a:t>
+                      </a:r>
+                    </a:p>
+                  </a:txBody>
+                  <a:tcPr/>
+                </a:tc>
+                <a:tc>
+                  <a:txBody>
+                    <a:bodyPr/>
+                    <a:lstStyle/>
+                    <a:p>
+                      <a:pPr algn="r"/>
+                      <a:r>
+                        <a:rPr lang="de-DE" sz="1050" dirty="0"/>
+                        <a:t>0.71</a:t>
+                      </a:r>
+                    </a:p>
+                  </a:txBody>
+                  <a:tcPr/>
+                </a:tc>
+                <a:tc>
+                  <a:txBody>
+                    <a:bodyPr/>
+                    <a:lstStyle/>
+                    <a:p>
+                      <a:pPr algn="r"/>
+                      <a:r>
+                        <a:rPr lang="de-DE" sz="1050" dirty="0"/>
+                        <a:t>31</a:t>
+                      </a:r>
+                    </a:p>
+                  </a:txBody>
+                  <a:tcPr/>
+                </a:tc>
+                <a:extLst>
+                  <a:ext uri="{0D108BD9-81ED-4DB2-BD59-A6C34878D82A}">
+                    <a16:rowId xmlns:a16="http://schemas.microsoft.com/office/drawing/2014/main" val="2776762072"/>
+                  </a:ext>
+                </a:extLst>
+              </a:tr>
+            </a:tbl>
+          </a:graphicData>
+        </a:graphic>
+      </p:graphicFrame>
+      <p:graphicFrame>
+        <p:nvGraphicFramePr>
+          <p:cNvPr id="7" name="Diagramm 6">
+            <a:extLst>
+              <a:ext uri="{FF2B5EF4-FFF2-40B4-BE49-F238E27FC236}">
+                <a16:creationId xmlns:a16="http://schemas.microsoft.com/office/drawing/2014/main" id="{FC6C36A9-34D5-4EBD-AEDD-288F17D1D0FD}"/>
+              </a:ext>
+            </a:extLst>
+          </p:cNvPr>
+          <p:cNvGraphicFramePr>
+            <a:graphicFrameLocks/>
+          </p:cNvGraphicFramePr>
+          <p:nvPr>
+            <p:extLst>
+              <p:ext uri="{D42A27DB-BD31-4B8C-83A1-F6EECF244321}">
+                <p14:modId xmlns:p14="http://schemas.microsoft.com/office/powerpoint/2010/main" val="1416283292"/>
+              </p:ext>
+            </p:extLst>
+          </p:nvPr>
+        </p:nvGraphicFramePr>
+        <p:xfrm>
+          <a:off x="4211960" y="1902653"/>
+          <a:ext cx="4176464" cy="1944216"/>
+        </p:xfrm>
+        <a:graphic>
+          <a:graphicData uri="http://schemas.openxmlformats.org/drawingml/2006/chart">
+            <c:chart xmlns:c="http://schemas.openxmlformats.org/drawingml/2006/chart" xmlns:r="http://schemas.openxmlformats.org/officeDocument/2006/relationships" r:id="rId2"/>
+          </a:graphicData>
+        </a:graphic>
+      </p:graphicFrame>
+      <p:sp>
+        <p:nvSpPr>
+          <p:cNvPr id="8" name="Rechteck: abgerundete Ecken 7">
+            <a:extLst>
+              <a:ext uri="{FF2B5EF4-FFF2-40B4-BE49-F238E27FC236}">
+                <a16:creationId xmlns:a16="http://schemas.microsoft.com/office/drawing/2014/main" id="{D09E776E-1428-45D1-84C2-F47AA906E658}"/>
+              </a:ext>
+            </a:extLst>
+          </p:cNvPr>
+          <p:cNvSpPr/>
+          <p:nvPr/>
+        </p:nvSpPr>
+        <p:spPr>
+          <a:xfrm>
+            <a:off x="375585" y="3833987"/>
+            <a:ext cx="3085642" cy="525081"/>
+          </a:xfrm>
+          <a:prstGeom prst="roundRect">
+            <a:avLst/>
+          </a:prstGeom>
+        </p:spPr>
+        <p:style>
+          <a:lnRef idx="2">
+            <a:schemeClr val="accent1">
+              <a:shade val="50000"/>
+            </a:schemeClr>
+          </a:lnRef>
+          <a:fillRef idx="1">
+            <a:schemeClr val="accent1"/>
+          </a:fillRef>
+          <a:effectRef idx="0">
+            <a:schemeClr val="accent1"/>
+          </a:effectRef>
+          <a:fontRef idx="minor">
+            <a:schemeClr val="lt1"/>
+          </a:fontRef>
+        </p:style>
+        <p:txBody>
+          <a:bodyPr rtlCol="0" anchor="ctr"/>
+          <a:lstStyle/>
+          <a:p>
+            <a:pPr algn="ctr"/>
+            <a:r>
+              <a:rPr lang="de-DE" sz="1200" dirty="0"/>
+              <a:t>Problem: NN sagt immer 1 Passagier </a:t>
+            </a:r>
+            <a:br>
+              <a:rPr lang="de-DE" sz="1200" dirty="0"/>
+            </a:br>
+            <a:r>
+              <a:rPr lang="de-DE" sz="1200" dirty="0"/>
+              <a:t>– stimmt in 71% der Fälle</a:t>
+            </a:r>
+            <a:endParaRPr lang="de-DE" dirty="0"/>
+          </a:p>
+        </p:txBody>
+      </p:sp>
+    </p:spTree>
+    <p:extLst>
+      <p:ext uri="{BB962C8B-B14F-4D97-AF65-F5344CB8AC3E}">
+        <p14:creationId xmlns:p14="http://schemas.microsoft.com/office/powerpoint/2010/main" val="1068568323"/>
+      </p:ext>
+    </p:extLst>
+  </p:cSld>
+  <p:clrMapOvr>
+    <a:masterClrMapping/>
+  </p:clrMapOvr>
+</p:sld>
+</file>
+
+<file path=ppt/slides/slide12.xml><?xml version="1.0" encoding="utf-8"?>
+<p:sld xmlns:a="http://schemas.openxmlformats.org/drawingml/2006/main" xmlns:r="http://schemas.openxmlformats.org/officeDocument/2006/relationships" xmlns:p="http://schemas.openxmlformats.org/presentationml/2006/main">
+  <p:cSld>
+    <p:spTree>
+      <p:nvGrpSpPr>
+        <p:cNvPr id="1" name=""/>
+        <p:cNvGrpSpPr/>
+        <p:nvPr/>
+      </p:nvGrpSpPr>
+      <p:grpSpPr>
+        <a:xfrm>
+          <a:off x="0" y="0"/>
+          <a:ext cx="0" cy="0"/>
+          <a:chOff x="0" y="0"/>
+          <a:chExt cx="0" cy="0"/>
+        </a:xfrm>
+      </p:grpSpPr>
+      <p:sp>
+        <p:nvSpPr>
+          <p:cNvPr id="2" name="Inhaltsplatzhalter 1">
+            <a:extLst>
+              <a:ext uri="{FF2B5EF4-FFF2-40B4-BE49-F238E27FC236}">
+                <a16:creationId xmlns:a16="http://schemas.microsoft.com/office/drawing/2014/main" id="{1812FF71-7B24-4928-B766-40A88B759706}"/>
+              </a:ext>
+            </a:extLst>
+          </p:cNvPr>
+          <p:cNvSpPr>
+            <a:spLocks noGrp="1"/>
+          </p:cNvSpPr>
+          <p:nvPr>
+            <p:ph idx="1"/>
+          </p:nvPr>
+        </p:nvSpPr>
+        <p:spPr>
+          <a:xfrm>
+            <a:off x="216488" y="843559"/>
+            <a:ext cx="8748000" cy="648072"/>
+          </a:xfrm>
+        </p:spPr>
+        <p:txBody>
+          <a:bodyPr/>
+          <a:lstStyle/>
+          <a:p>
+            <a:r>
+              <a:rPr lang="de-DE" dirty="0"/>
+              <a:t>Eingabe-Features: Ort, Datum, Tageszeit auf Stunde, Temperatur auf 10°C</a:t>
+            </a:r>
+          </a:p>
+          <a:p>
+            <a:r>
+              <a:rPr lang="de-DE" dirty="0"/>
+              <a:t>Ausgabe-Feature: Anzahl der Fahrten </a:t>
+            </a:r>
+          </a:p>
+          <a:p>
+            <a:r>
+              <a:rPr lang="de-DE" dirty="0"/>
+              <a:t>1 Hidden Layer mit 300 Nodes, </a:t>
+            </a:r>
+            <a:r>
+              <a:rPr lang="de-DE" dirty="0" err="1"/>
+              <a:t>Tanh</a:t>
+            </a:r>
+            <a:r>
+              <a:rPr lang="de-DE" dirty="0"/>
+              <a:t>, 500 Epochen</a:t>
+            </a:r>
+          </a:p>
+        </p:txBody>
+      </p:sp>
+      <p:sp>
+        <p:nvSpPr>
+          <p:cNvPr id="3" name="Foliennummernplatzhalter 2">
+            <a:extLst>
+              <a:ext uri="{FF2B5EF4-FFF2-40B4-BE49-F238E27FC236}">
+                <a16:creationId xmlns:a16="http://schemas.microsoft.com/office/drawing/2014/main" id="{DFAEA9F0-14D8-4DAC-B1E8-6ACF0A6DEF16}"/>
+              </a:ext>
+            </a:extLst>
+          </p:cNvPr>
+          <p:cNvSpPr>
+            <a:spLocks noGrp="1"/>
+          </p:cNvSpPr>
+          <p:nvPr>
+            <p:ph type="sldNum" sz="quarter" idx="4"/>
+          </p:nvPr>
+        </p:nvSpPr>
+        <p:spPr/>
+        <p:txBody>
+          <a:bodyPr/>
+          <a:lstStyle/>
+          <a:p>
+            <a:fld id="{DAF489CC-3B7A-4DA5-A8C0-4984788D0EC5}" type="slidenum">
+              <a:rPr lang="nl-NL" smtClean="0"/>
+              <a:pPr/>
+              <a:t>12</a:t>
+            </a:fld>
+            <a:endParaRPr lang="nl-NL" dirty="0"/>
+          </a:p>
+        </p:txBody>
+      </p:sp>
+      <p:sp>
+        <p:nvSpPr>
+          <p:cNvPr id="4" name="Titel 3">
+            <a:extLst>
+              <a:ext uri="{FF2B5EF4-FFF2-40B4-BE49-F238E27FC236}">
+                <a16:creationId xmlns:a16="http://schemas.microsoft.com/office/drawing/2014/main" id="{A27C5E03-EC7A-401F-9AA5-5598E9CCAA4D}"/>
+              </a:ext>
+            </a:extLst>
+          </p:cNvPr>
+          <p:cNvSpPr>
+            <a:spLocks noGrp="1"/>
+          </p:cNvSpPr>
+          <p:nvPr>
+            <p:ph type="title"/>
+          </p:nvPr>
+        </p:nvSpPr>
+        <p:spPr/>
+        <p:txBody>
+          <a:bodyPr/>
+          <a:lstStyle/>
+          <a:p>
+            <a:r>
+              <a:rPr lang="de-DE" dirty="0"/>
+              <a:t>Fahrtenaufkommen</a:t>
+            </a:r>
+            <a:br>
+              <a:rPr lang="de-DE" dirty="0"/>
+            </a:br>
+            <a:r>
+              <a:rPr lang="de-DE" sz="1800" dirty="0"/>
+              <a:t>(Regression)</a:t>
+            </a:r>
+            <a:endParaRPr lang="de-DE" dirty="0"/>
+          </a:p>
+        </p:txBody>
+      </p:sp>
+      <p:graphicFrame>
+        <p:nvGraphicFramePr>
+          <p:cNvPr id="5" name="Tabelle 4">
+            <a:extLst>
+              <a:ext uri="{FF2B5EF4-FFF2-40B4-BE49-F238E27FC236}">
+                <a16:creationId xmlns:a16="http://schemas.microsoft.com/office/drawing/2014/main" id="{DD79D7F0-F8BD-48B0-8D94-6B8953EF6AB6}"/>
+              </a:ext>
+            </a:extLst>
+          </p:cNvPr>
+          <p:cNvGraphicFramePr>
+            <a:graphicFrameLocks noGrp="1"/>
+          </p:cNvGraphicFramePr>
+          <p:nvPr>
+            <p:extLst>
+              <p:ext uri="{D42A27DB-BD31-4B8C-83A1-F6EECF244321}">
+                <p14:modId xmlns:p14="http://schemas.microsoft.com/office/powerpoint/2010/main" val="2775887143"/>
               </p:ext>
             </p:extLst>
           </p:nvPr>
@@ -8556,7 +10719,7 @@
                       <a:pPr algn="r"/>
                       <a:r>
                         <a:rPr lang="de-DE" sz="1050" dirty="0"/>
-                        <a:t>0.38</a:t>
+                        <a:t>0.1</a:t>
                       </a:r>
                     </a:p>
                   </a:txBody>
@@ -8570,7 +10733,7 @@
                       <a:pPr algn="r"/>
                       <a:r>
                         <a:rPr lang="de-DE" sz="1050" dirty="0"/>
-                        <a:t>1</a:t>
+                        <a:t>0.1</a:t>
                       </a:r>
                     </a:p>
                   </a:txBody>
@@ -8605,7 +10768,7 @@
                       <a:pPr algn="r"/>
                       <a:r>
                         <a:rPr lang="de-DE" sz="1050" dirty="0"/>
-                        <a:t>0.74</a:t>
+                        <a:t>-1.5</a:t>
                       </a:r>
                     </a:p>
                   </a:txBody>
@@ -8619,7 +10782,7 @@
                       <a:pPr algn="r"/>
                       <a:r>
                         <a:rPr lang="de-DE" sz="1050" dirty="0"/>
-                        <a:t>2</a:t>
+                        <a:t>0.4</a:t>
                       </a:r>
                     </a:p>
                   </a:txBody>
@@ -8654,7 +10817,7 @@
                       <a:pPr algn="r"/>
                       <a:r>
                         <a:rPr lang="de-DE" sz="1050" dirty="0"/>
-                        <a:t>0.78</a:t>
+                        <a:t>-0.3</a:t>
                       </a:r>
                     </a:p>
                   </a:txBody>
@@ -8668,7 +10831,7 @@
                       <a:pPr algn="r"/>
                       <a:r>
                         <a:rPr lang="de-DE" sz="1050" dirty="0"/>
-                        <a:t>3</a:t>
+                        <a:t>1.5</a:t>
                       </a:r>
                     </a:p>
                   </a:txBody>
@@ -8703,7 +10866,7 @@
                       <a:pPr algn="r"/>
                       <a:r>
                         <a:rPr lang="de-DE" sz="1050" dirty="0"/>
-                        <a:t>0.83</a:t>
+                        <a:t>0.37</a:t>
                       </a:r>
                     </a:p>
                   </a:txBody>
@@ -8717,7 +10880,7 @@
                       <a:pPr algn="r"/>
                       <a:r>
                         <a:rPr lang="de-DE" sz="1050" dirty="0"/>
-                        <a:t>4</a:t>
+                        <a:t>3.5</a:t>
                       </a:r>
                     </a:p>
                   </a:txBody>
@@ -8752,7 +10915,7 @@
                       <a:pPr algn="r"/>
                       <a:r>
                         <a:rPr lang="de-DE" sz="1050" dirty="0"/>
-                        <a:t>0.85</a:t>
+                        <a:t>0.5</a:t>
                       </a:r>
                     </a:p>
                   </a:txBody>
@@ -8766,7 +10929,7 @@
                       <a:pPr algn="r"/>
                       <a:r>
                         <a:rPr lang="de-DE" sz="1050" dirty="0"/>
-                        <a:t>5</a:t>
+                        <a:t>6</a:t>
                       </a:r>
                     </a:p>
                   </a:txBody>
@@ -8801,7 +10964,7 @@
                       <a:pPr algn="r"/>
                       <a:r>
                         <a:rPr lang="de-DE" sz="1050" dirty="0"/>
-                        <a:t>0.88</a:t>
+                        <a:t>0.7</a:t>
                       </a:r>
                     </a:p>
                   </a:txBody>
@@ -8815,7 +10978,7 @@
                       <a:pPr algn="r"/>
                       <a:r>
                         <a:rPr lang="de-DE" sz="1050" dirty="0"/>
-                        <a:t>36</a:t>
+                        <a:t>34</a:t>
                       </a:r>
                     </a:p>
                   </a:txBody>
@@ -8850,7 +11013,7 @@
                       <a:pPr algn="r"/>
                       <a:r>
                         <a:rPr lang="de-DE" sz="1050" dirty="0"/>
-                        <a:t>0.90</a:t>
+                        <a:t>0.73</a:t>
                       </a:r>
                     </a:p>
                   </a:txBody>
@@ -8864,7 +11027,7 @@
                       <a:pPr algn="r"/>
                       <a:r>
                         <a:rPr lang="de-DE" sz="1050" dirty="0"/>
-                        <a:t>71</a:t>
+                        <a:t>69</a:t>
                       </a:r>
                     </a:p>
                   </a:txBody>
@@ -8882,10 +11045,10 @@
       </p:graphicFrame>
       <p:graphicFrame>
         <p:nvGraphicFramePr>
-          <p:cNvPr id="7" name="Diagramm 6">
+          <p:cNvPr id="8" name="Diagramm 7">
             <a:extLst>
               <a:ext uri="{FF2B5EF4-FFF2-40B4-BE49-F238E27FC236}">
-                <a16:creationId xmlns:a16="http://schemas.microsoft.com/office/drawing/2014/main" id="{E1B304C6-0FCC-4903-9FD5-8C584426E2E6}"/>
+                <a16:creationId xmlns:a16="http://schemas.microsoft.com/office/drawing/2014/main" id="{AF341009-5E0C-4085-971C-C28E6111D23E}"/>
               </a:ext>
             </a:extLst>
           </p:cNvPr>
@@ -8895,14 +11058,14 @@
           <p:nvPr>
             <p:extLst>
               <p:ext uri="{D42A27DB-BD31-4B8C-83A1-F6EECF244321}">
-                <p14:modId xmlns:p14="http://schemas.microsoft.com/office/powerpoint/2010/main" val="2744347138"/>
+                <p14:modId xmlns:p14="http://schemas.microsoft.com/office/powerpoint/2010/main" val="2702464677"/>
               </p:ext>
             </p:extLst>
           </p:nvPr>
         </p:nvGraphicFramePr>
         <p:xfrm>
-          <a:off x="3923928" y="1902653"/>
-          <a:ext cx="4536504" cy="2171700"/>
+          <a:off x="3995936" y="1902653"/>
+          <a:ext cx="4320480" cy="2171700"/>
         </p:xfrm>
         <a:graphic>
           <a:graphicData uri="http://schemas.openxmlformats.org/drawingml/2006/chart">
@@ -8913,7 +11076,7 @@
     </p:spTree>
     <p:extLst>
       <p:ext uri="{BB962C8B-B14F-4D97-AF65-F5344CB8AC3E}">
-        <p14:creationId xmlns:p14="http://schemas.microsoft.com/office/powerpoint/2010/main" val="189505923"/>
+        <p14:creationId xmlns:p14="http://schemas.microsoft.com/office/powerpoint/2010/main" val="3412439601"/>
       </p:ext>
     </p:extLst>
   </p:cSld>
@@ -8923,7 +11086,7 @@
 </p:sld>
 </file>
 
-<file path=ppt/slides/slide11.xml><?xml version="1.0" encoding="utf-8"?>
+<file path=ppt/slides/slide13.xml><?xml version="1.0" encoding="utf-8"?>
 <p:sld xmlns:a="http://schemas.openxmlformats.org/drawingml/2006/main" xmlns:r="http://schemas.openxmlformats.org/officeDocument/2006/relationships" xmlns:p="http://schemas.openxmlformats.org/presentationml/2006/main">
   <p:cSld>
     <p:spTree>
@@ -9017,7 +11180,7 @@
             <a:fld id="{DAF489CC-3B7A-4DA5-A8C0-4984788D0EC5}" type="slidenum">
               <a:rPr lang="nl-NL" smtClean="0"/>
               <a:pPr/>
-              <a:t>11</a:t>
+              <a:t>13</a:t>
             </a:fld>
             <a:endParaRPr lang="nl-NL" dirty="0"/>
           </a:p>
@@ -9048,6 +11211,14 @@
               <a:rPr lang="de-DE" dirty="0"/>
               <a:t>Umsatzprognose</a:t>
             </a:r>
+            <a:br>
+              <a:rPr lang="de-DE" dirty="0"/>
+            </a:br>
+            <a:r>
+              <a:rPr lang="de-DE" sz="1800" dirty="0"/>
+              <a:t>(Regression)</a:t>
+            </a:r>
+            <a:endParaRPr lang="de-DE" dirty="0"/>
           </a:p>
         </p:txBody>
       </p:sp>
@@ -9618,7 +11789,7 @@
 </p:sld>
 </file>
 
-<file path=ppt/slides/slide12.xml><?xml version="1.0" encoding="utf-8"?>
+<file path=ppt/slides/slide14.xml><?xml version="1.0" encoding="utf-8"?>
 <p:sld xmlns:a="http://schemas.openxmlformats.org/drawingml/2006/main" xmlns:r="http://schemas.openxmlformats.org/officeDocument/2006/relationships" xmlns:p="http://schemas.openxmlformats.org/presentationml/2006/main">
   <p:cSld>
     <p:spTree>
@@ -9712,7 +11883,7 @@
             <a:fld id="{DAF489CC-3B7A-4DA5-A8C0-4984788D0EC5}" type="slidenum">
               <a:rPr lang="nl-NL" smtClean="0"/>
               <a:pPr/>
-              <a:t>12</a:t>
+              <a:t>14</a:t>
             </a:fld>
             <a:endParaRPr lang="nl-NL" dirty="0"/>
           </a:p>
@@ -10252,7 +12423,7 @@
 </p:sld>
 </file>
 
-<file path=ppt/slides/slide13.xml><?xml version="1.0" encoding="utf-8"?>
+<file path=ppt/slides/slide15.xml><?xml version="1.0" encoding="utf-8"?>
 <p:sld xmlns:a="http://schemas.openxmlformats.org/drawingml/2006/main" xmlns:r="http://schemas.openxmlformats.org/officeDocument/2006/relationships" xmlns:p="http://schemas.openxmlformats.org/presentationml/2006/main">
   <p:cSld>
     <p:spTree>
@@ -10274,7 +12445,7 @@
           <p:cNvPr id="2" name="Inhaltsplatzhalter 1">
             <a:extLst>
               <a:ext uri="{FF2B5EF4-FFF2-40B4-BE49-F238E27FC236}">
-                <a16:creationId xmlns:a16="http://schemas.microsoft.com/office/drawing/2014/main" id="{1812FF71-7B24-4928-B766-40A88B759706}"/>
+                <a16:creationId xmlns:a16="http://schemas.microsoft.com/office/drawing/2014/main" id="{3F672E81-C503-4BD4-B4FD-E22789D27431}"/>
               </a:ext>
             </a:extLst>
           </p:cNvPr>
@@ -10285,40 +12456,70 @@
             <p:ph idx="1"/>
           </p:nvPr>
         </p:nvSpPr>
-        <p:spPr>
-          <a:xfrm>
-            <a:off x="216488" y="843559"/>
-            <a:ext cx="8748000" cy="648072"/>
-          </a:xfrm>
-        </p:spPr>
+        <p:spPr/>
         <p:txBody>
           <a:bodyPr/>
           <a:lstStyle/>
           <a:p>
             <a:r>
+              <a:rPr lang="de-DE" dirty="0" err="1"/>
+              <a:t>Multiclass</a:t>
+            </a:r>
+            <a:r>
               <a:rPr lang="de-DE" dirty="0"/>
-              <a:t>Eingabe-Features: Distanz, Fahrtkosten, Dauer, Passagieranzahl, Orte</a:t>
+              <a:t>-NN brauchen länger zum trainieren</a:t>
             </a:r>
           </a:p>
           <a:p>
             <a:r>
               <a:rPr lang="de-DE" dirty="0"/>
-              <a:t>Ausgabe-Feature: Rate der Taxifahrt (Standard, Nacht, Flughafen)</a:t>
+              <a:t>Benötigte Trainingszeit wächst (im Wesentlichen) durch Anzahl der Gewichte</a:t>
             </a:r>
           </a:p>
           <a:p>
             <a:r>
               <a:rPr lang="de-DE" dirty="0"/>
-              <a:t>2 Hidden Layer mit je 100 Nodes, </a:t>
+              <a:t>Daten </a:t>
+            </a:r>
+            <a:r>
+              <a:rPr lang="de-DE" b="1" dirty="0"/>
+              <a:t>müssen</a:t>
+            </a:r>
+            <a:r>
+              <a:rPr lang="de-DE" dirty="0"/>
+              <a:t> gefiltert/aufbereitet werden</a:t>
+            </a:r>
+          </a:p>
+          <a:p>
+            <a:r>
+              <a:rPr lang="de-DE" dirty="0"/>
+              <a:t>„Tiefe“ Netze neigen zu prinzipiellem </a:t>
             </a:r>
             <a:r>
               <a:rPr lang="de-DE" dirty="0" err="1"/>
-              <a:t>Sigmoid</a:t>
+              <a:t>Overfitting</a:t>
             </a:r>
             <a:r>
               <a:rPr lang="de-DE" dirty="0"/>
-              <a:t>, 500 Epochen</a:t>
-            </a:r>
+              <a:t> (Siehe Fahrtenaufkommen)</a:t>
+            </a:r>
+          </a:p>
+          <a:p>
+            <a:r>
+              <a:rPr lang="de-DE" dirty="0"/>
+              <a:t>Bei Erarbeitung: Jede Trainingsmenge vorher „</a:t>
+            </a:r>
+            <a:r>
+              <a:rPr lang="de-DE" dirty="0" err="1"/>
+              <a:t>Shufflen</a:t>
+            </a:r>
+            <a:r>
+              <a:rPr lang="de-DE" dirty="0"/>
+              <a:t>“ und zwischenspeichern</a:t>
+            </a:r>
+          </a:p>
+          <a:p>
+            <a:endParaRPr lang="de-DE" dirty="0"/>
           </a:p>
         </p:txBody>
       </p:sp>
@@ -10327,7 +12528,7 @@
           <p:cNvPr id="3" name="Foliennummernplatzhalter 2">
             <a:extLst>
               <a:ext uri="{FF2B5EF4-FFF2-40B4-BE49-F238E27FC236}">
-                <a16:creationId xmlns:a16="http://schemas.microsoft.com/office/drawing/2014/main" id="{DFAEA9F0-14D8-4DAC-B1E8-6ACF0A6DEF16}"/>
+                <a16:creationId xmlns:a16="http://schemas.microsoft.com/office/drawing/2014/main" id="{32EF8A93-BD83-478F-A7DC-937EE3EA8DB5}"/>
               </a:ext>
             </a:extLst>
           </p:cNvPr>
@@ -10346,7 +12547,7 @@
             <a:fld id="{DAF489CC-3B7A-4DA5-A8C0-4984788D0EC5}" type="slidenum">
               <a:rPr lang="nl-NL" smtClean="0"/>
               <a:pPr/>
-              <a:t>13</a:t>
+              <a:t>15</a:t>
             </a:fld>
             <a:endParaRPr lang="nl-NL" dirty="0"/>
           </a:p>
@@ -10357,7 +12558,7 @@
           <p:cNvPr id="4" name="Titel 3">
             <a:extLst>
               <a:ext uri="{FF2B5EF4-FFF2-40B4-BE49-F238E27FC236}">
-                <a16:creationId xmlns:a16="http://schemas.microsoft.com/office/drawing/2014/main" id="{A27C5E03-EC7A-401F-9AA5-5598E9CCAA4D}"/>
+                <a16:creationId xmlns:a16="http://schemas.microsoft.com/office/drawing/2014/main" id="{CBF2ADBF-C5DC-4409-B01C-3FBD7398E6D8}"/>
               </a:ext>
             </a:extLst>
           </p:cNvPr>
@@ -10375,490 +12576,15 @@
           <a:p>
             <a:r>
               <a:rPr lang="de-DE" dirty="0"/>
-              <a:t>Ratenerkennung</a:t>
+              <a:t>Wichtige Ergebnisse</a:t>
             </a:r>
           </a:p>
         </p:txBody>
       </p:sp>
-      <p:graphicFrame>
-        <p:nvGraphicFramePr>
-          <p:cNvPr id="5" name="Tabelle 4">
-            <a:extLst>
-              <a:ext uri="{FF2B5EF4-FFF2-40B4-BE49-F238E27FC236}">
-                <a16:creationId xmlns:a16="http://schemas.microsoft.com/office/drawing/2014/main" id="{DD79D7F0-F8BD-48B0-8D94-6B8953EF6AB6}"/>
-              </a:ext>
-            </a:extLst>
-          </p:cNvPr>
-          <p:cNvGraphicFramePr>
-            <a:graphicFrameLocks noGrp="1"/>
-          </p:cNvGraphicFramePr>
-          <p:nvPr>
-            <p:extLst>
-              <p:ext uri="{D42A27DB-BD31-4B8C-83A1-F6EECF244321}">
-                <p14:modId xmlns:p14="http://schemas.microsoft.com/office/powerpoint/2010/main" val="1870714549"/>
-              </p:ext>
-            </p:extLst>
-          </p:nvPr>
-        </p:nvGraphicFramePr>
-        <p:xfrm>
-          <a:off x="262222" y="1902653"/>
-          <a:ext cx="3312368" cy="2171700"/>
-        </p:xfrm>
-        <a:graphic>
-          <a:graphicData uri="http://schemas.openxmlformats.org/drawingml/2006/table">
-            <a:tbl>
-              <a:tblPr firstRow="1" bandRow="1">
-                <a:tableStyleId>{5C22544A-7EE6-4342-B048-85BDC9FD1C3A}</a:tableStyleId>
-              </a:tblPr>
-              <a:tblGrid>
-                <a:gridCol w="1242137">
-                  <a:extLst>
-                    <a:ext uri="{9D8B030D-6E8A-4147-A177-3AD203B41FA5}">
-                      <a16:colId xmlns:a16="http://schemas.microsoft.com/office/drawing/2014/main" val="292505027"/>
-                    </a:ext>
-                  </a:extLst>
-                </a:gridCol>
-                <a:gridCol w="897101">
-                  <a:extLst>
-                    <a:ext uri="{9D8B030D-6E8A-4147-A177-3AD203B41FA5}">
-                      <a16:colId xmlns:a16="http://schemas.microsoft.com/office/drawing/2014/main" val="3445480926"/>
-                    </a:ext>
-                  </a:extLst>
-                </a:gridCol>
-                <a:gridCol w="1173130">
-                  <a:extLst>
-                    <a:ext uri="{9D8B030D-6E8A-4147-A177-3AD203B41FA5}">
-                      <a16:colId xmlns:a16="http://schemas.microsoft.com/office/drawing/2014/main" val="2021208456"/>
-                    </a:ext>
-                  </a:extLst>
-                </a:gridCol>
-              </a:tblGrid>
-              <a:tr h="406442">
-                <a:tc>
-                  <a:txBody>
-                    <a:bodyPr/>
-                    <a:lstStyle/>
-                    <a:p>
-                      <a:pPr algn="r"/>
-                      <a:r>
-                        <a:rPr lang="de-DE" sz="1050" dirty="0"/>
-                        <a:t>Eingabe</a:t>
-                      </a:r>
-                      <a:br>
-                        <a:rPr lang="de-DE" sz="1050" dirty="0"/>
-                      </a:br>
-                      <a:r>
-                        <a:rPr lang="de-DE" sz="1050" dirty="0"/>
-                        <a:t>( in Tausend)</a:t>
-                      </a:r>
-                    </a:p>
-                  </a:txBody>
-                  <a:tcPr/>
-                </a:tc>
-                <a:tc>
-                  <a:txBody>
-                    <a:bodyPr/>
-                    <a:lstStyle/>
-                    <a:p>
-                      <a:pPr algn="r"/>
-                      <a:r>
-                        <a:rPr lang="de-DE" sz="1050" dirty="0" err="1"/>
-                        <a:t>Accuracy</a:t>
-                      </a:r>
-                      <a:endParaRPr lang="de-DE" sz="1050" dirty="0"/>
-                    </a:p>
-                  </a:txBody>
-                  <a:tcPr/>
-                </a:tc>
-                <a:tc>
-                  <a:txBody>
-                    <a:bodyPr/>
-                    <a:lstStyle/>
-                    <a:p>
-                      <a:pPr algn="r"/>
-                      <a:r>
-                        <a:rPr lang="de-DE" sz="1050" dirty="0"/>
-                        <a:t>Zeit (in Min)</a:t>
-                      </a:r>
-                    </a:p>
-                  </a:txBody>
-                  <a:tcPr/>
-                </a:tc>
-                <a:extLst>
-                  <a:ext uri="{0D108BD9-81ED-4DB2-BD59-A6C34878D82A}">
-                    <a16:rowId xmlns:a16="http://schemas.microsoft.com/office/drawing/2014/main" val="2033634572"/>
-                  </a:ext>
-                </a:extLst>
-              </a:tr>
-              <a:tr h="240256">
-                <a:tc>
-                  <a:txBody>
-                    <a:bodyPr/>
-                    <a:lstStyle/>
-                    <a:p>
-                      <a:pPr algn="r"/>
-                      <a:r>
-                        <a:rPr lang="de-DE" sz="1050" dirty="0"/>
-                        <a:t>1</a:t>
-                      </a:r>
-                    </a:p>
-                  </a:txBody>
-                  <a:tcPr/>
-                </a:tc>
-                <a:tc>
-                  <a:txBody>
-                    <a:bodyPr/>
-                    <a:lstStyle/>
-                    <a:p>
-                      <a:pPr algn="r"/>
-                      <a:r>
-                        <a:rPr lang="de-DE" sz="1050" dirty="0"/>
-                        <a:t>0.975</a:t>
-                      </a:r>
-                    </a:p>
-                  </a:txBody>
-                  <a:tcPr/>
-                </a:tc>
-                <a:tc>
-                  <a:txBody>
-                    <a:bodyPr/>
-                    <a:lstStyle/>
-                    <a:p>
-                      <a:pPr algn="r"/>
-                      <a:r>
-                        <a:rPr lang="de-DE" sz="1050" dirty="0"/>
-                        <a:t>0.1</a:t>
-                      </a:r>
-                    </a:p>
-                  </a:txBody>
-                  <a:tcPr/>
-                </a:tc>
-                <a:extLst>
-                  <a:ext uri="{0D108BD9-81ED-4DB2-BD59-A6C34878D82A}">
-                    <a16:rowId xmlns:a16="http://schemas.microsoft.com/office/drawing/2014/main" val="3195731110"/>
-                  </a:ext>
-                </a:extLst>
-              </a:tr>
-              <a:tr h="240256">
-                <a:tc>
-                  <a:txBody>
-                    <a:bodyPr/>
-                    <a:lstStyle/>
-                    <a:p>
-                      <a:pPr algn="r"/>
-                      <a:r>
-                        <a:rPr lang="de-DE" sz="1050" dirty="0"/>
-                        <a:t>5</a:t>
-                      </a:r>
-                    </a:p>
-                  </a:txBody>
-                  <a:tcPr/>
-                </a:tc>
-                <a:tc>
-                  <a:txBody>
-                    <a:bodyPr/>
-                    <a:lstStyle/>
-                    <a:p>
-                      <a:pPr algn="r"/>
-                      <a:r>
-                        <a:rPr lang="de-DE" sz="1050" dirty="0"/>
-                        <a:t>0.993</a:t>
-                      </a:r>
-                    </a:p>
-                  </a:txBody>
-                  <a:tcPr/>
-                </a:tc>
-                <a:tc>
-                  <a:txBody>
-                    <a:bodyPr/>
-                    <a:lstStyle/>
-                    <a:p>
-                      <a:pPr algn="r"/>
-                      <a:r>
-                        <a:rPr lang="de-DE" sz="1050" dirty="0"/>
-                        <a:t>0.2</a:t>
-                      </a:r>
-                    </a:p>
-                  </a:txBody>
-                  <a:tcPr/>
-                </a:tc>
-                <a:extLst>
-                  <a:ext uri="{0D108BD9-81ED-4DB2-BD59-A6C34878D82A}">
-                    <a16:rowId xmlns:a16="http://schemas.microsoft.com/office/drawing/2014/main" val="1156751406"/>
-                  </a:ext>
-                </a:extLst>
-              </a:tr>
-              <a:tr h="240256">
-                <a:tc>
-                  <a:txBody>
-                    <a:bodyPr/>
-                    <a:lstStyle/>
-                    <a:p>
-                      <a:pPr algn="r"/>
-                      <a:r>
-                        <a:rPr lang="de-DE" sz="1050" dirty="0"/>
-                        <a:t>10</a:t>
-                      </a:r>
-                    </a:p>
-                  </a:txBody>
-                  <a:tcPr/>
-                </a:tc>
-                <a:tc>
-                  <a:txBody>
-                    <a:bodyPr/>
-                    <a:lstStyle/>
-                    <a:p>
-                      <a:pPr algn="r"/>
-                      <a:r>
-                        <a:rPr lang="de-DE" sz="1050" dirty="0"/>
-                        <a:t>0.994</a:t>
-                      </a:r>
-                    </a:p>
-                  </a:txBody>
-                  <a:tcPr/>
-                </a:tc>
-                <a:tc>
-                  <a:txBody>
-                    <a:bodyPr/>
-                    <a:lstStyle/>
-                    <a:p>
-                      <a:pPr algn="r"/>
-                      <a:r>
-                        <a:rPr lang="de-DE" sz="1050" dirty="0"/>
-                        <a:t>3</a:t>
-                      </a:r>
-                    </a:p>
-                  </a:txBody>
-                  <a:tcPr/>
-                </a:tc>
-                <a:extLst>
-                  <a:ext uri="{0D108BD9-81ED-4DB2-BD59-A6C34878D82A}">
-                    <a16:rowId xmlns:a16="http://schemas.microsoft.com/office/drawing/2014/main" val="2662975499"/>
-                  </a:ext>
-                </a:extLst>
-              </a:tr>
-              <a:tr h="240256">
-                <a:tc>
-                  <a:txBody>
-                    <a:bodyPr/>
-                    <a:lstStyle/>
-                    <a:p>
-                      <a:pPr algn="r"/>
-                      <a:r>
-                        <a:rPr lang="de-DE" sz="1050" dirty="0"/>
-                        <a:t>50</a:t>
-                      </a:r>
-                    </a:p>
-                  </a:txBody>
-                  <a:tcPr/>
-                </a:tc>
-                <a:tc>
-                  <a:txBody>
-                    <a:bodyPr/>
-                    <a:lstStyle/>
-                    <a:p>
-                      <a:pPr algn="r"/>
-                      <a:r>
-                        <a:rPr lang="de-DE" sz="1050" dirty="0"/>
-                        <a:t>0.995</a:t>
-                      </a:r>
-                    </a:p>
-                  </a:txBody>
-                  <a:tcPr/>
-                </a:tc>
-                <a:tc>
-                  <a:txBody>
-                    <a:bodyPr/>
-                    <a:lstStyle/>
-                    <a:p>
-                      <a:pPr algn="r"/>
-                      <a:r>
-                        <a:rPr lang="de-DE" sz="1050" dirty="0"/>
-                        <a:t>3</a:t>
-                      </a:r>
-                    </a:p>
-                  </a:txBody>
-                  <a:tcPr/>
-                </a:tc>
-                <a:extLst>
-                  <a:ext uri="{0D108BD9-81ED-4DB2-BD59-A6C34878D82A}">
-                    <a16:rowId xmlns:a16="http://schemas.microsoft.com/office/drawing/2014/main" val="1983554128"/>
-                  </a:ext>
-                </a:extLst>
-              </a:tr>
-              <a:tr h="240256">
-                <a:tc>
-                  <a:txBody>
-                    <a:bodyPr/>
-                    <a:lstStyle/>
-                    <a:p>
-                      <a:pPr algn="r"/>
-                      <a:r>
-                        <a:rPr lang="de-DE" sz="1050" dirty="0"/>
-                        <a:t>100</a:t>
-                      </a:r>
-                    </a:p>
-                  </a:txBody>
-                  <a:tcPr/>
-                </a:tc>
-                <a:tc>
-                  <a:txBody>
-                    <a:bodyPr/>
-                    <a:lstStyle/>
-                    <a:p>
-                      <a:pPr algn="r"/>
-                      <a:r>
-                        <a:rPr lang="de-DE" sz="1050" dirty="0"/>
-                        <a:t>0.997</a:t>
-                      </a:r>
-                    </a:p>
-                  </a:txBody>
-                  <a:tcPr/>
-                </a:tc>
-                <a:tc>
-                  <a:txBody>
-                    <a:bodyPr/>
-                    <a:lstStyle/>
-                    <a:p>
-                      <a:pPr algn="r"/>
-                      <a:r>
-                        <a:rPr lang="de-DE" sz="1050" dirty="0"/>
-                        <a:t>11</a:t>
-                      </a:r>
-                    </a:p>
-                  </a:txBody>
-                  <a:tcPr/>
-                </a:tc>
-                <a:extLst>
-                  <a:ext uri="{0D108BD9-81ED-4DB2-BD59-A6C34878D82A}">
-                    <a16:rowId xmlns:a16="http://schemas.microsoft.com/office/drawing/2014/main" val="2776762072"/>
-                  </a:ext>
-                </a:extLst>
-              </a:tr>
-              <a:tr h="240256">
-                <a:tc>
-                  <a:txBody>
-                    <a:bodyPr/>
-                    <a:lstStyle/>
-                    <a:p>
-                      <a:pPr algn="r"/>
-                      <a:r>
-                        <a:rPr lang="de-DE" sz="1050" dirty="0"/>
-                        <a:t>500</a:t>
-                      </a:r>
-                    </a:p>
-                  </a:txBody>
-                  <a:tcPr/>
-                </a:tc>
-                <a:tc>
-                  <a:txBody>
-                    <a:bodyPr/>
-                    <a:lstStyle/>
-                    <a:p>
-                      <a:pPr algn="r"/>
-                      <a:endParaRPr lang="de-DE" sz="1050" dirty="0"/>
-                    </a:p>
-                  </a:txBody>
-                  <a:tcPr/>
-                </a:tc>
-                <a:tc>
-                  <a:txBody>
-                    <a:bodyPr/>
-                    <a:lstStyle/>
-                    <a:p>
-                      <a:pPr algn="r"/>
-                      <a:endParaRPr lang="de-DE" sz="1050" dirty="0"/>
-                    </a:p>
-                  </a:txBody>
-                  <a:tcPr/>
-                </a:tc>
-                <a:extLst>
-                  <a:ext uri="{0D108BD9-81ED-4DB2-BD59-A6C34878D82A}">
-                    <a16:rowId xmlns:a16="http://schemas.microsoft.com/office/drawing/2014/main" val="1865525454"/>
-                  </a:ext>
-                </a:extLst>
-              </a:tr>
-              <a:tr h="240256">
-                <a:tc>
-                  <a:txBody>
-                    <a:bodyPr/>
-                    <a:lstStyle/>
-                    <a:p>
-                      <a:pPr algn="r"/>
-                      <a:r>
-                        <a:rPr lang="de-DE" sz="1050" dirty="0"/>
-                        <a:t>1000</a:t>
-                      </a:r>
-                    </a:p>
-                  </a:txBody>
-                  <a:tcPr/>
-                </a:tc>
-                <a:tc>
-                  <a:txBody>
-                    <a:bodyPr/>
-                    <a:lstStyle/>
-                    <a:p>
-                      <a:pPr algn="r"/>
-                      <a:endParaRPr lang="de-DE" sz="1050" dirty="0"/>
-                    </a:p>
-                  </a:txBody>
-                  <a:tcPr/>
-                </a:tc>
-                <a:tc>
-                  <a:txBody>
-                    <a:bodyPr/>
-                    <a:lstStyle/>
-                    <a:p>
-                      <a:pPr algn="r"/>
-                      <a:endParaRPr lang="de-DE" sz="1050" dirty="0"/>
-                    </a:p>
-                  </a:txBody>
-                  <a:tcPr/>
-                </a:tc>
-                <a:extLst>
-                  <a:ext uri="{0D108BD9-81ED-4DB2-BD59-A6C34878D82A}">
-                    <a16:rowId xmlns:a16="http://schemas.microsoft.com/office/drawing/2014/main" val="4046004130"/>
-                  </a:ext>
-                </a:extLst>
-              </a:tr>
-            </a:tbl>
-          </a:graphicData>
-        </a:graphic>
-      </p:graphicFrame>
-      <p:graphicFrame>
-        <p:nvGraphicFramePr>
-          <p:cNvPr id="6" name="Diagramm 5">
-            <a:extLst>
-              <a:ext uri="{FF2B5EF4-FFF2-40B4-BE49-F238E27FC236}">
-                <a16:creationId xmlns:a16="http://schemas.microsoft.com/office/drawing/2014/main" id="{7F3E3105-0813-4029-B74B-AA841E032EF1}"/>
-              </a:ext>
-            </a:extLst>
-          </p:cNvPr>
-          <p:cNvGraphicFramePr>
-            <a:graphicFrameLocks/>
-          </p:cNvGraphicFramePr>
-          <p:nvPr>
-            <p:extLst>
-              <p:ext uri="{D42A27DB-BD31-4B8C-83A1-F6EECF244321}">
-                <p14:modId xmlns:p14="http://schemas.microsoft.com/office/powerpoint/2010/main" val="4255834580"/>
-              </p:ext>
-            </p:extLst>
-          </p:nvPr>
-        </p:nvGraphicFramePr>
-        <p:xfrm>
-          <a:off x="3851919" y="1902653"/>
-          <a:ext cx="4464497" cy="2171700"/>
-        </p:xfrm>
-        <a:graphic>
-          <a:graphicData uri="http://schemas.openxmlformats.org/drawingml/2006/chart">
-            <c:chart xmlns:c="http://schemas.openxmlformats.org/drawingml/2006/chart" xmlns:r="http://schemas.openxmlformats.org/officeDocument/2006/relationships" r:id="rId2"/>
-          </a:graphicData>
-        </a:graphic>
-      </p:graphicFrame>
     </p:spTree>
     <p:extLst>
       <p:ext uri="{BB962C8B-B14F-4D97-AF65-F5344CB8AC3E}">
-        <p14:creationId xmlns:p14="http://schemas.microsoft.com/office/powerpoint/2010/main" val="3008625710"/>
+        <p14:creationId xmlns:p14="http://schemas.microsoft.com/office/powerpoint/2010/main" val="4204474158"/>
       </p:ext>
     </p:extLst>
   </p:cSld>
@@ -10868,7 +12594,65 @@
 </p:sld>
 </file>
 
-<file path=ppt/slides/slide14.xml><?xml version="1.0" encoding="utf-8"?>
+<file path=ppt/slides/slide16.xml><?xml version="1.0" encoding="utf-8"?>
+<p:sld xmlns:a="http://schemas.openxmlformats.org/drawingml/2006/main" xmlns:r="http://schemas.openxmlformats.org/officeDocument/2006/relationships" xmlns:p="http://schemas.openxmlformats.org/presentationml/2006/main">
+  <p:cSld>
+    <p:spTree>
+      <p:nvGrpSpPr>
+        <p:cNvPr id="1" name=""/>
+        <p:cNvGrpSpPr/>
+        <p:nvPr/>
+      </p:nvGrpSpPr>
+      <p:grpSpPr>
+        <a:xfrm>
+          <a:off x="0" y="0"/>
+          <a:ext cx="0" cy="0"/>
+          <a:chOff x="0" y="0"/>
+          <a:chExt cx="0" cy="0"/>
+        </a:xfrm>
+      </p:grpSpPr>
+      <p:sp>
+        <p:nvSpPr>
+          <p:cNvPr id="2" name="Titel 1">
+            <a:extLst>
+              <a:ext uri="{FF2B5EF4-FFF2-40B4-BE49-F238E27FC236}">
+                <a16:creationId xmlns:a16="http://schemas.microsoft.com/office/drawing/2014/main" id="{A6EE2810-7D61-4FDA-A7C4-ED3D0EE99766}"/>
+              </a:ext>
+            </a:extLst>
+          </p:cNvPr>
+          <p:cNvSpPr>
+            <a:spLocks noGrp="1"/>
+          </p:cNvSpPr>
+          <p:nvPr>
+            <p:ph type="title"/>
+          </p:nvPr>
+        </p:nvSpPr>
+        <p:spPr/>
+        <p:txBody>
+          <a:bodyPr/>
+          <a:lstStyle/>
+          <a:p>
+            <a:r>
+              <a:rPr lang="de-DE" dirty="0"/>
+              <a:t>Fragen und Diskussion</a:t>
+            </a:r>
+          </a:p>
+        </p:txBody>
+      </p:sp>
+    </p:spTree>
+    <p:extLst>
+      <p:ext uri="{BB962C8B-B14F-4D97-AF65-F5344CB8AC3E}">
+        <p14:creationId xmlns:p14="http://schemas.microsoft.com/office/powerpoint/2010/main" val="992051067"/>
+      </p:ext>
+    </p:extLst>
+  </p:cSld>
+  <p:clrMapOvr>
+    <a:masterClrMapping/>
+  </p:clrMapOvr>
+</p:sld>
+</file>
+
+<file path=ppt/slides/slide17.xml><?xml version="1.0" encoding="utf-8"?>
 <p:sld xmlns:a="http://schemas.openxmlformats.org/drawingml/2006/main" xmlns:r="http://schemas.openxmlformats.org/officeDocument/2006/relationships" xmlns:p="http://schemas.openxmlformats.org/presentationml/2006/main">
   <p:cSld>
     <p:spTree>
@@ -11960,23 +13744,23 @@
           <a:p>
             <a:r>
               <a:rPr lang="de-DE" dirty="0"/>
-              <a:t>Eingabe-Features: Ort, Datum, Tageszeit auf Stunde, Temperatur auf 10°C</a:t>
+              <a:t>Eingabe-Features: Distanz, Fahrtkosten, Zeit, Passagieranzahl, Orte</a:t>
             </a:r>
           </a:p>
           <a:p>
             <a:r>
               <a:rPr lang="de-DE" dirty="0"/>
-              <a:t>Ausgabe-Feature: Anzahl der Fahrten </a:t>
+              <a:t>Ausgabe-Feature: Höhe des Trinkgeldes</a:t>
             </a:r>
           </a:p>
           <a:p>
             <a:r>
               <a:rPr lang="de-DE" dirty="0"/>
-              <a:t>1 Hidden Layer mit 300 Nodes, </a:t>
+              <a:t>2 Hidden Layer mit je 100 Nodes, </a:t>
             </a:r>
             <a:r>
               <a:rPr lang="de-DE" dirty="0" err="1"/>
-              <a:t>Tanh</a:t>
+              <a:t>Sigmoid</a:t>
             </a:r>
             <a:r>
               <a:rPr lang="de-DE" dirty="0"/>
@@ -12038,8 +13822,16 @@
           <a:p>
             <a:r>
               <a:rPr lang="de-DE" dirty="0"/>
-              <a:t>Fahrtenaufkommen</a:t>
-            </a:r>
+              <a:t>Trinkgeldvorhersage</a:t>
+            </a:r>
+            <a:br>
+              <a:rPr lang="de-DE" dirty="0"/>
+            </a:br>
+            <a:r>
+              <a:rPr lang="de-DE" sz="1800" dirty="0"/>
+              <a:t>(Regression)</a:t>
+            </a:r>
+            <a:endParaRPr lang="de-DE" dirty="0"/>
           </a:p>
         </p:txBody>
       </p:sp>
@@ -12058,7 +13850,7 @@
           <p:nvPr>
             <p:extLst>
               <p:ext uri="{D42A27DB-BD31-4B8C-83A1-F6EECF244321}">
-                <p14:modId xmlns:p14="http://schemas.microsoft.com/office/powerpoint/2010/main" val="3977903718"/>
+                <p14:modId xmlns:p14="http://schemas.microsoft.com/office/powerpoint/2010/main" val="1675825305"/>
               </p:ext>
             </p:extLst>
           </p:nvPr>
@@ -12175,7 +13967,7 @@
                       <a:pPr algn="r"/>
                       <a:r>
                         <a:rPr lang="de-DE" sz="1050" dirty="0"/>
-                        <a:t>0.1</a:t>
+                        <a:t>0.38</a:t>
                       </a:r>
                     </a:p>
                   </a:txBody>
@@ -12189,7 +13981,7 @@
                       <a:pPr algn="r"/>
                       <a:r>
                         <a:rPr lang="de-DE" sz="1050" dirty="0"/>
-                        <a:t>0.1</a:t>
+                        <a:t>1</a:t>
                       </a:r>
                     </a:p>
                   </a:txBody>
@@ -12224,7 +14016,7 @@
                       <a:pPr algn="r"/>
                       <a:r>
                         <a:rPr lang="de-DE" sz="1050" dirty="0"/>
-                        <a:t>0</a:t>
+                        <a:t>0.74</a:t>
                       </a:r>
                     </a:p>
                   </a:txBody>
@@ -12238,7 +14030,7 @@
                       <a:pPr algn="r"/>
                       <a:r>
                         <a:rPr lang="de-DE" sz="1050" dirty="0"/>
-                        <a:t>0.4</a:t>
+                        <a:t>2</a:t>
                       </a:r>
                     </a:p>
                   </a:txBody>
@@ -12273,7 +14065,7 @@
                       <a:pPr algn="r"/>
                       <a:r>
                         <a:rPr lang="de-DE" sz="1050" dirty="0"/>
-                        <a:t>0</a:t>
+                        <a:t>0.78</a:t>
                       </a:r>
                     </a:p>
                   </a:txBody>
@@ -12287,7 +14079,7 @@
                       <a:pPr algn="r"/>
                       <a:r>
                         <a:rPr lang="de-DE" sz="1050" dirty="0"/>
-                        <a:t>1.5</a:t>
+                        <a:t>3</a:t>
                       </a:r>
                     </a:p>
                   </a:txBody>
@@ -12322,7 +14114,7 @@
                       <a:pPr algn="r"/>
                       <a:r>
                         <a:rPr lang="de-DE" sz="1050" dirty="0"/>
-                        <a:t>0.37</a:t>
+                        <a:t>0.83</a:t>
                       </a:r>
                     </a:p>
                   </a:txBody>
@@ -12336,7 +14128,7 @@
                       <a:pPr algn="r"/>
                       <a:r>
                         <a:rPr lang="de-DE" sz="1050" dirty="0"/>
-                        <a:t>3.5</a:t>
+                        <a:t>4</a:t>
                       </a:r>
                     </a:p>
                   </a:txBody>
@@ -12371,7 +14163,7 @@
                       <a:pPr algn="r"/>
                       <a:r>
                         <a:rPr lang="de-DE" sz="1050" dirty="0"/>
-                        <a:t>0.5</a:t>
+                        <a:t>0.85</a:t>
                       </a:r>
                     </a:p>
                   </a:txBody>
@@ -12385,7 +14177,7 @@
                       <a:pPr algn="r"/>
                       <a:r>
                         <a:rPr lang="de-DE" sz="1050" dirty="0"/>
-                        <a:t>6</a:t>
+                        <a:t>5</a:t>
                       </a:r>
                     </a:p>
                   </a:txBody>
@@ -12420,7 +14212,7 @@
                       <a:pPr algn="r"/>
                       <a:r>
                         <a:rPr lang="de-DE" sz="1050" dirty="0"/>
-                        <a:t>0.7</a:t>
+                        <a:t>0.88</a:t>
                       </a:r>
                     </a:p>
                   </a:txBody>
@@ -12434,7 +14226,7 @@
                       <a:pPr algn="r"/>
                       <a:r>
                         <a:rPr lang="de-DE" sz="1050" dirty="0"/>
-                        <a:t>34</a:t>
+                        <a:t>36</a:t>
                       </a:r>
                     </a:p>
                   </a:txBody>
@@ -12469,7 +14261,7 @@
                       <a:pPr algn="r"/>
                       <a:r>
                         <a:rPr lang="de-DE" sz="1050" dirty="0"/>
-                        <a:t>0.73</a:t>
+                        <a:t>0.90</a:t>
                       </a:r>
                     </a:p>
                   </a:txBody>
@@ -12483,7 +14275,7 @@
                       <a:pPr algn="r"/>
                       <a:r>
                         <a:rPr lang="de-DE" sz="1050" dirty="0"/>
-                        <a:t>69</a:t>
+                        <a:t>71</a:t>
                       </a:r>
                     </a:p>
                   </a:txBody>
@@ -12501,10 +14293,10 @@
       </p:graphicFrame>
       <p:graphicFrame>
         <p:nvGraphicFramePr>
-          <p:cNvPr id="8" name="Diagramm 7">
+          <p:cNvPr id="7" name="Diagramm 6">
             <a:extLst>
               <a:ext uri="{FF2B5EF4-FFF2-40B4-BE49-F238E27FC236}">
-                <a16:creationId xmlns:a16="http://schemas.microsoft.com/office/drawing/2014/main" id="{AF341009-5E0C-4085-971C-C28E6111D23E}"/>
+                <a16:creationId xmlns:a16="http://schemas.microsoft.com/office/drawing/2014/main" id="{E1B304C6-0FCC-4903-9FD5-8C584426E2E6}"/>
               </a:ext>
             </a:extLst>
           </p:cNvPr>
@@ -12514,14 +14306,14 @@
           <p:nvPr>
             <p:extLst>
               <p:ext uri="{D42A27DB-BD31-4B8C-83A1-F6EECF244321}">
-                <p14:modId xmlns:p14="http://schemas.microsoft.com/office/powerpoint/2010/main" val="2702464677"/>
+                <p14:modId xmlns:p14="http://schemas.microsoft.com/office/powerpoint/2010/main" val="2744347138"/>
               </p:ext>
             </p:extLst>
           </p:nvPr>
         </p:nvGraphicFramePr>
         <p:xfrm>
-          <a:off x="3995936" y="1902653"/>
-          <a:ext cx="4320480" cy="2171700"/>
+          <a:off x="3923928" y="1902653"/>
+          <a:ext cx="4536504" cy="2171700"/>
         </p:xfrm>
         <a:graphic>
           <a:graphicData uri="http://schemas.openxmlformats.org/drawingml/2006/chart">
@@ -12532,7 +14324,7 @@
     </p:spTree>
     <p:extLst>
       <p:ext uri="{BB962C8B-B14F-4D97-AF65-F5344CB8AC3E}">
-        <p14:creationId xmlns:p14="http://schemas.microsoft.com/office/powerpoint/2010/main" val="3412439601"/>
+        <p14:creationId xmlns:p14="http://schemas.microsoft.com/office/powerpoint/2010/main" val="189505923"/>
       </p:ext>
     </p:extLst>
   </p:cSld>
@@ -13382,6 +15174,15 @@
 </file>
 
 <file path=customXml/item1.xml><?xml version="1.0" encoding="utf-8"?>
+<?mso-contentType ?>
+<FormTemplates xmlns="http://schemas.microsoft.com/sharepoint/v3/contenttype/forms">
+  <Display>DocumentLibraryForm</Display>
+  <Edit>DocumentLibraryForm</Edit>
+  <New>DocumentLibraryForm</New>
+</FormTemplates>
+</file>
+
+<file path=customXml/item2.xml><?xml version="1.0" encoding="utf-8"?>
 <p:properties xmlns:p="http://schemas.microsoft.com/office/2006/metadata/properties" xmlns:xsi="http://www.w3.org/2001/XMLSchema-instance">
   <documentManagement>
     <PublishingExpirationDate xmlns="http://schemas.microsoft.com/sharepoint/v3" xsi:nil="true"/>
@@ -13390,7 +15191,7 @@
 </p:properties>
 </file>
 
-<file path=customXml/item2.xml><?xml version="1.0" encoding="utf-8"?>
+<file path=customXml/item3.xml><?xml version="1.0" encoding="utf-8"?>
 <ct:contentTypeSchema xmlns:ct="http://schemas.microsoft.com/office/2006/metadata/contentType" xmlns:ma="http://schemas.microsoft.com/office/2006/metadata/properties/metaAttributes" ct:_="" ma:_="" ma:contentTypeName="Document" ma:contentTypeID="0x0101007E5E5E72545FEE4EA413C9F33B92CDDC" ma:contentTypeVersion="1" ma:contentTypeDescription="Create a new document." ma:contentTypeScope="" ma:versionID="5fb799aac4c84f0a0e786f5b81ce7a3a">
   <xsd:schema xmlns:xsd="http://www.w3.org/2001/XMLSchema" xmlns:p="http://schemas.microsoft.com/office/2006/metadata/properties" xmlns:ns1="http://schemas.microsoft.com/sharepoint/v3" targetNamespace="http://schemas.microsoft.com/office/2006/metadata/properties" ma:root="true" ma:fieldsID="ddb0c952b897a810c8a4e377cff6bff8" ns1:_="">
     <xsd:import namespace="http://schemas.microsoft.com/sharepoint/v3"/>
@@ -13456,31 +15257,30 @@
 </ct:contentTypeSchema>
 </file>
 
-<file path=customXml/item3.xml><?xml version="1.0" encoding="utf-8"?>
-<?mso-contentType ?>
-<FormTemplates xmlns="http://schemas.microsoft.com/sharepoint/v3/contenttype/forms">
-  <Display>DocumentLibraryForm</Display>
-  <Edit>DocumentLibraryForm</Edit>
-  <New>DocumentLibraryForm</New>
-</FormTemplates>
-</file>
-
 <file path=customXml/itemProps1.xml><?xml version="1.0" encoding="utf-8"?>
-<ds:datastoreItem xmlns:ds="http://schemas.openxmlformats.org/officeDocument/2006/customXml" ds:itemID="{8D29B44A-4CF7-434C-A278-462478FDE8D7}">
+<ds:datastoreItem xmlns:ds="http://schemas.openxmlformats.org/officeDocument/2006/customXml" ds:itemID="{066CE0DF-F14B-480E-8BB2-075A909740B9}">
   <ds:schemaRefs>
-    <ds:schemaRef ds:uri="http://www.w3.org/XML/1998/namespace"/>
-    <ds:schemaRef ds:uri="http://schemas.microsoft.com/office/2006/metadata/properties"/>
-    <ds:schemaRef ds:uri="http://schemas.microsoft.com/office/2006/documentManagement/types"/>
-    <ds:schemaRef ds:uri="http://purl.org/dc/elements/1.1/"/>
-    <ds:schemaRef ds:uri="http://schemas.microsoft.com/sharepoint/v3"/>
-    <ds:schemaRef ds:uri="http://purl.org/dc/terms/"/>
-    <ds:schemaRef ds:uri="http://schemas.openxmlformats.org/package/2006/metadata/core-properties"/>
-    <ds:schemaRef ds:uri="http://purl.org/dc/dcmitype/"/>
+    <ds:schemaRef ds:uri="http://schemas.microsoft.com/sharepoint/v3/contenttype/forms"/>
   </ds:schemaRefs>
 </ds:datastoreItem>
 </file>
 
 <file path=customXml/itemProps2.xml><?xml version="1.0" encoding="utf-8"?>
+<ds:datastoreItem xmlns:ds="http://schemas.openxmlformats.org/officeDocument/2006/customXml" ds:itemID="{8D29B44A-4CF7-434C-A278-462478FDE8D7}">
+  <ds:schemaRefs>
+    <ds:schemaRef ds:uri="http://schemas.microsoft.com/office/2006/metadata/properties"/>
+    <ds:schemaRef ds:uri="http://purl.org/dc/dcmitype/"/>
+    <ds:schemaRef ds:uri="http://www.w3.org/XML/1998/namespace"/>
+    <ds:schemaRef ds:uri="http://schemas.microsoft.com/office/2006/documentManagement/types"/>
+    <ds:schemaRef ds:uri="http://purl.org/dc/elements/1.1/"/>
+    <ds:schemaRef ds:uri="http://schemas.openxmlformats.org/package/2006/metadata/core-properties"/>
+    <ds:schemaRef ds:uri="http://schemas.microsoft.com/sharepoint/v3"/>
+    <ds:schemaRef ds:uri="http://purl.org/dc/terms/"/>
+  </ds:schemaRefs>
+</ds:datastoreItem>
+</file>
+
+<file path=customXml/itemProps3.xml><?xml version="1.0" encoding="utf-8"?>
 <ds:datastoreItem xmlns:ds="http://schemas.openxmlformats.org/officeDocument/2006/customXml" ds:itemID="{7E02D938-E4F2-40AC-ABEF-165C072F9E88}">
   <ds:schemaRefs>
     <ds:schemaRef ds:uri="http://schemas.microsoft.com/office/2006/metadata/contentType"/>
@@ -13495,12 +15295,4 @@
     <ds:schemaRef ds:uri="http://schemas.microsoft.com/office/internal/2005/internalDocumentation"/>
   </ds:schemaRefs>
 </ds:datastoreItem>
-</file>
-
-<file path=customXml/itemProps3.xml><?xml version="1.0" encoding="utf-8"?>
-<ds:datastoreItem xmlns:ds="http://schemas.openxmlformats.org/officeDocument/2006/customXml" ds:itemID="{066CE0DF-F14B-480E-8BB2-075A909740B9}">
-  <ds:schemaRefs>
-    <ds:schemaRef ds:uri="http://schemas.microsoft.com/sharepoint/v3/contenttype/forms"/>
-  </ds:schemaRefs>
-</ds:datastoreItem>
 </file>
--- a/Bachelor_Zwischenstand.pptx
+++ b/Bachelor_Zwischenstand.pptx
@@ -9313,14 +9313,14 @@
           <p:nvPr>
             <p:extLst>
               <p:ext uri="{D42A27DB-BD31-4B8C-83A1-F6EECF244321}">
-                <p14:modId xmlns:p14="http://schemas.microsoft.com/office/powerpoint/2010/main" val="2230315357"/>
+                <p14:modId xmlns:p14="http://schemas.microsoft.com/office/powerpoint/2010/main" val="364823906"/>
               </p:ext>
             </p:extLst>
           </p:nvPr>
         </p:nvGraphicFramePr>
         <p:xfrm>
-          <a:off x="262222" y="1902653"/>
-          <a:ext cx="3312368" cy="2171700"/>
+          <a:off x="179512" y="1902653"/>
+          <a:ext cx="3528392" cy="2312493"/>
         </p:xfrm>
         <a:graphic>
           <a:graphicData uri="http://schemas.openxmlformats.org/drawingml/2006/table">
@@ -9329,21 +9329,21 @@
                 <a:tableStyleId>{5C22544A-7EE6-4342-B048-85BDC9FD1C3A}</a:tableStyleId>
               </a:tblPr>
               <a:tblGrid>
-                <a:gridCol w="1242137">
+                <a:gridCol w="1323146">
                   <a:extLst>
                     <a:ext uri="{9D8B030D-6E8A-4147-A177-3AD203B41FA5}">
                       <a16:colId xmlns:a16="http://schemas.microsoft.com/office/drawing/2014/main" val="292505027"/>
                     </a:ext>
                   </a:extLst>
                 </a:gridCol>
-                <a:gridCol w="897101">
+                <a:gridCol w="955608">
                   <a:extLst>
                     <a:ext uri="{9D8B030D-6E8A-4147-A177-3AD203B41FA5}">
                       <a16:colId xmlns:a16="http://schemas.microsoft.com/office/drawing/2014/main" val="3445480926"/>
                     </a:ext>
                   </a:extLst>
                 </a:gridCol>
-                <a:gridCol w="1173130">
+                <a:gridCol w="1249638">
                   <a:extLst>
                     <a:ext uri="{9D8B030D-6E8A-4147-A177-3AD203B41FA5}">
                       <a16:colId xmlns:a16="http://schemas.microsoft.com/office/drawing/2014/main" val="2021208456"/>
@@ -9351,7 +9351,7 @@
                   </a:extLst>
                 </a:gridCol>
               </a:tblGrid>
-              <a:tr h="406442">
+              <a:tr h="552273">
                 <a:tc>
                   <a:txBody>
                     <a:bodyPr/>
@@ -9360,7 +9360,7 @@
                       <a:pPr algn="r"/>
                       <a:r>
                         <a:rPr lang="de-DE" sz="1050" dirty="0"/>
-                        <a:t>Eingabe</a:t>
+                        <a:t>Trainingsdaten</a:t>
                       </a:r>
                       <a:br>
                         <a:rPr lang="de-DE" sz="1050" dirty="0"/>
@@ -9408,7 +9408,7 @@
                   </a:ext>
                 </a:extLst>
               </a:tr>
-              <a:tr h="240256">
+              <a:tr h="243000">
                 <a:tc>
                   <a:txBody>
                     <a:bodyPr/>
@@ -9457,7 +9457,7 @@
                   </a:ext>
                 </a:extLst>
               </a:tr>
-              <a:tr h="240256">
+              <a:tr h="243000">
                 <a:tc>
                   <a:txBody>
                     <a:bodyPr/>
@@ -9506,7 +9506,7 @@
                   </a:ext>
                 </a:extLst>
               </a:tr>
-              <a:tr h="240256">
+              <a:tr h="243000">
                 <a:tc>
                   <a:txBody>
                     <a:bodyPr/>
@@ -9555,7 +9555,7 @@
                   </a:ext>
                 </a:extLst>
               </a:tr>
-              <a:tr h="240256">
+              <a:tr h="243000">
                 <a:tc>
                   <a:txBody>
                     <a:bodyPr/>
@@ -9604,7 +9604,7 @@
                   </a:ext>
                 </a:extLst>
               </a:tr>
-              <a:tr h="240256">
+              <a:tr h="243000">
                 <a:tc>
                   <a:txBody>
                     <a:bodyPr/>
@@ -9653,7 +9653,7 @@
                   </a:ext>
                 </a:extLst>
               </a:tr>
-              <a:tr h="240256">
+              <a:tr h="243000">
                 <a:tc>
                   <a:txBody>
                     <a:bodyPr/>
@@ -9702,7 +9702,7 @@
                   </a:ext>
                 </a:extLst>
               </a:tr>
-              <a:tr h="240256">
+              <a:tr h="243000">
                 <a:tc>
                   <a:txBody>
                     <a:bodyPr/>
@@ -9799,8 +9799,8 @@
         </p:nvSpPr>
         <p:spPr>
           <a:xfrm>
-            <a:off x="323528" y="4155926"/>
-            <a:ext cx="3251062" cy="432048"/>
+            <a:off x="323528" y="4299942"/>
+            <a:ext cx="3251062" cy="288032"/>
           </a:xfrm>
           <a:prstGeom prst="roundRect">
             <a:avLst/>
@@ -10007,14 +10007,14 @@
           <p:nvPr>
             <p:extLst>
               <p:ext uri="{D42A27DB-BD31-4B8C-83A1-F6EECF244321}">
-                <p14:modId xmlns:p14="http://schemas.microsoft.com/office/powerpoint/2010/main" val="3112393631"/>
+                <p14:modId xmlns:p14="http://schemas.microsoft.com/office/powerpoint/2010/main" val="623354550"/>
               </p:ext>
             </p:extLst>
           </p:nvPr>
         </p:nvGraphicFramePr>
         <p:xfrm>
-          <a:off x="262222" y="1902653"/>
-          <a:ext cx="3312368" cy="1668780"/>
+          <a:off x="107504" y="1902653"/>
+          <a:ext cx="3600399" cy="1668780"/>
         </p:xfrm>
         <a:graphic>
           <a:graphicData uri="http://schemas.openxmlformats.org/drawingml/2006/table">
@@ -10023,21 +10023,21 @@
                 <a:tableStyleId>{5C22544A-7EE6-4342-B048-85BDC9FD1C3A}</a:tableStyleId>
               </a:tblPr>
               <a:tblGrid>
-                <a:gridCol w="1242137">
+                <a:gridCol w="1350148">
                   <a:extLst>
                     <a:ext uri="{9D8B030D-6E8A-4147-A177-3AD203B41FA5}">
                       <a16:colId xmlns:a16="http://schemas.microsoft.com/office/drawing/2014/main" val="292505027"/>
                     </a:ext>
                   </a:extLst>
                 </a:gridCol>
-                <a:gridCol w="979409">
+                <a:gridCol w="1064575">
                   <a:extLst>
                     <a:ext uri="{9D8B030D-6E8A-4147-A177-3AD203B41FA5}">
                       <a16:colId xmlns:a16="http://schemas.microsoft.com/office/drawing/2014/main" val="3445480926"/>
                     </a:ext>
                   </a:extLst>
                 </a:gridCol>
-                <a:gridCol w="1090822">
+                <a:gridCol w="1185676">
                   <a:extLst>
                     <a:ext uri="{9D8B030D-6E8A-4147-A177-3AD203B41FA5}">
                       <a16:colId xmlns:a16="http://schemas.microsoft.com/office/drawing/2014/main" val="2021208456"/>
@@ -10054,7 +10054,7 @@
                       <a:pPr algn="r"/>
                       <a:r>
                         <a:rPr lang="de-DE" sz="1050" dirty="0"/>
-                        <a:t>Eingabe</a:t>
+                        <a:t>Trainingsdaten</a:t>
                       </a:r>
                       <a:br>
                         <a:rPr lang="de-DE" sz="1050" dirty="0"/>
@@ -10602,14 +10602,14 @@
           <p:nvPr>
             <p:extLst>
               <p:ext uri="{D42A27DB-BD31-4B8C-83A1-F6EECF244321}">
-                <p14:modId xmlns:p14="http://schemas.microsoft.com/office/powerpoint/2010/main" val="2775887143"/>
+                <p14:modId xmlns:p14="http://schemas.microsoft.com/office/powerpoint/2010/main" val="2121200507"/>
               </p:ext>
             </p:extLst>
           </p:nvPr>
         </p:nvGraphicFramePr>
         <p:xfrm>
-          <a:off x="262222" y="1902653"/>
-          <a:ext cx="3312368" cy="2171700"/>
+          <a:off x="107504" y="1902653"/>
+          <a:ext cx="3600400" cy="2171700"/>
         </p:xfrm>
         <a:graphic>
           <a:graphicData uri="http://schemas.openxmlformats.org/drawingml/2006/table">
@@ -10618,21 +10618,21 @@
                 <a:tableStyleId>{5C22544A-7EE6-4342-B048-85BDC9FD1C3A}</a:tableStyleId>
               </a:tblPr>
               <a:tblGrid>
-                <a:gridCol w="1242137">
+                <a:gridCol w="1350149">
                   <a:extLst>
                     <a:ext uri="{9D8B030D-6E8A-4147-A177-3AD203B41FA5}">
                       <a16:colId xmlns:a16="http://schemas.microsoft.com/office/drawing/2014/main" val="292505027"/>
                     </a:ext>
                   </a:extLst>
                 </a:gridCol>
-                <a:gridCol w="897101">
+                <a:gridCol w="975110">
                   <a:extLst>
                     <a:ext uri="{9D8B030D-6E8A-4147-A177-3AD203B41FA5}">
                       <a16:colId xmlns:a16="http://schemas.microsoft.com/office/drawing/2014/main" val="3445480926"/>
                     </a:ext>
                   </a:extLst>
                 </a:gridCol>
-                <a:gridCol w="1173130">
+                <a:gridCol w="1275141">
                   <a:extLst>
                     <a:ext uri="{9D8B030D-6E8A-4147-A177-3AD203B41FA5}">
                       <a16:colId xmlns:a16="http://schemas.microsoft.com/office/drawing/2014/main" val="2021208456"/>
@@ -10649,7 +10649,7 @@
                       <a:pPr algn="r"/>
                       <a:r>
                         <a:rPr lang="de-DE" sz="1050" dirty="0"/>
-                        <a:t>Eingabe</a:t>
+                        <a:t>Trainingsdaten</a:t>
                       </a:r>
                       <a:br>
                         <a:rPr lang="de-DE" sz="1050" dirty="0"/>
@@ -11237,14 +11237,14 @@
           <p:nvPr>
             <p:extLst>
               <p:ext uri="{D42A27DB-BD31-4B8C-83A1-F6EECF244321}">
-                <p14:modId xmlns:p14="http://schemas.microsoft.com/office/powerpoint/2010/main" val="2631197356"/>
+                <p14:modId xmlns:p14="http://schemas.microsoft.com/office/powerpoint/2010/main" val="2407506848"/>
               </p:ext>
             </p:extLst>
           </p:nvPr>
         </p:nvGraphicFramePr>
         <p:xfrm>
           <a:off x="262222" y="1902653"/>
-          <a:ext cx="3312368" cy="2171700"/>
+          <a:ext cx="3589698" cy="2171700"/>
         </p:xfrm>
         <a:graphic>
           <a:graphicData uri="http://schemas.openxmlformats.org/drawingml/2006/table">
@@ -11253,21 +11253,21 @@
                 <a:tableStyleId>{5C22544A-7EE6-4342-B048-85BDC9FD1C3A}</a:tableStyleId>
               </a:tblPr>
               <a:tblGrid>
-                <a:gridCol w="1242137">
+                <a:gridCol w="1346136">
                   <a:extLst>
                     <a:ext uri="{9D8B030D-6E8A-4147-A177-3AD203B41FA5}">
                       <a16:colId xmlns:a16="http://schemas.microsoft.com/office/drawing/2014/main" val="292505027"/>
                     </a:ext>
                   </a:extLst>
                 </a:gridCol>
-                <a:gridCol w="897101">
+                <a:gridCol w="972211">
                   <a:extLst>
                     <a:ext uri="{9D8B030D-6E8A-4147-A177-3AD203B41FA5}">
                       <a16:colId xmlns:a16="http://schemas.microsoft.com/office/drawing/2014/main" val="3445480926"/>
                     </a:ext>
                   </a:extLst>
                 </a:gridCol>
-                <a:gridCol w="1173130">
+                <a:gridCol w="1271351">
                   <a:extLst>
                     <a:ext uri="{9D8B030D-6E8A-4147-A177-3AD203B41FA5}">
                       <a16:colId xmlns:a16="http://schemas.microsoft.com/office/drawing/2014/main" val="2021208456"/>
@@ -11284,7 +11284,7 @@
                       <a:pPr algn="r"/>
                       <a:r>
                         <a:rPr lang="de-DE" sz="1050" dirty="0"/>
-                        <a:t>Eingabe</a:t>
+                        <a:t>Trainingsdaten</a:t>
                       </a:r>
                       <a:br>
                         <a:rPr lang="de-DE" sz="1050" dirty="0"/>
@@ -11939,14 +11939,14 @@
           <p:nvPr>
             <p:extLst>
               <p:ext uri="{D42A27DB-BD31-4B8C-83A1-F6EECF244321}">
-                <p14:modId xmlns:p14="http://schemas.microsoft.com/office/powerpoint/2010/main" val="3482538119"/>
+                <p14:modId xmlns:p14="http://schemas.microsoft.com/office/powerpoint/2010/main" val="3727108045"/>
               </p:ext>
             </p:extLst>
           </p:nvPr>
         </p:nvGraphicFramePr>
         <p:xfrm>
           <a:off x="262222" y="1902653"/>
-          <a:ext cx="3312368" cy="2171700"/>
+          <a:ext cx="3517690" cy="2171700"/>
         </p:xfrm>
         <a:graphic>
           <a:graphicData uri="http://schemas.openxmlformats.org/drawingml/2006/table">
@@ -11955,21 +11955,21 @@
                 <a:tableStyleId>{5C22544A-7EE6-4342-B048-85BDC9FD1C3A}</a:tableStyleId>
               </a:tblPr>
               <a:tblGrid>
-                <a:gridCol w="1242137">
+                <a:gridCol w="1319133">
                   <a:extLst>
                     <a:ext uri="{9D8B030D-6E8A-4147-A177-3AD203B41FA5}">
                       <a16:colId xmlns:a16="http://schemas.microsoft.com/office/drawing/2014/main" val="292505027"/>
                     </a:ext>
                   </a:extLst>
                 </a:gridCol>
-                <a:gridCol w="897101">
+                <a:gridCol w="952709">
                   <a:extLst>
                     <a:ext uri="{9D8B030D-6E8A-4147-A177-3AD203B41FA5}">
                       <a16:colId xmlns:a16="http://schemas.microsoft.com/office/drawing/2014/main" val="3445480926"/>
                     </a:ext>
                   </a:extLst>
                 </a:gridCol>
-                <a:gridCol w="1173130">
+                <a:gridCol w="1245848">
                   <a:extLst>
                     <a:ext uri="{9D8B030D-6E8A-4147-A177-3AD203B41FA5}">
                       <a16:colId xmlns:a16="http://schemas.microsoft.com/office/drawing/2014/main" val="2021208456"/>
@@ -11986,7 +11986,7 @@
                       <a:pPr algn="r"/>
                       <a:r>
                         <a:rPr lang="de-DE" sz="1050" dirty="0"/>
-                        <a:t>Eingabe</a:t>
+                        <a:t>Trainingsdaten</a:t>
                       </a:r>
                       <a:br>
                         <a:rPr lang="de-DE" sz="1050" dirty="0"/>
@@ -13850,14 +13850,14 @@
           <p:nvPr>
             <p:extLst>
               <p:ext uri="{D42A27DB-BD31-4B8C-83A1-F6EECF244321}">
-                <p14:modId xmlns:p14="http://schemas.microsoft.com/office/powerpoint/2010/main" val="1675825305"/>
+                <p14:modId xmlns:p14="http://schemas.microsoft.com/office/powerpoint/2010/main" val="758846376"/>
               </p:ext>
             </p:extLst>
           </p:nvPr>
         </p:nvGraphicFramePr>
         <p:xfrm>
-          <a:off x="262222" y="1902653"/>
-          <a:ext cx="3312368" cy="2171700"/>
+          <a:off x="35496" y="1902653"/>
+          <a:ext cx="3539093" cy="2171700"/>
         </p:xfrm>
         <a:graphic>
           <a:graphicData uri="http://schemas.openxmlformats.org/drawingml/2006/table">
@@ -13866,21 +13866,21 @@
                 <a:tableStyleId>{5C22544A-7EE6-4342-B048-85BDC9FD1C3A}</a:tableStyleId>
               </a:tblPr>
               <a:tblGrid>
-                <a:gridCol w="1242137">
+                <a:gridCol w="1327159">
                   <a:extLst>
                     <a:ext uri="{9D8B030D-6E8A-4147-A177-3AD203B41FA5}">
                       <a16:colId xmlns:a16="http://schemas.microsoft.com/office/drawing/2014/main" val="292505027"/>
                     </a:ext>
                   </a:extLst>
                 </a:gridCol>
-                <a:gridCol w="897101">
+                <a:gridCol w="958505">
                   <a:extLst>
                     <a:ext uri="{9D8B030D-6E8A-4147-A177-3AD203B41FA5}">
                       <a16:colId xmlns:a16="http://schemas.microsoft.com/office/drawing/2014/main" val="3445480926"/>
                     </a:ext>
                   </a:extLst>
                 </a:gridCol>
-                <a:gridCol w="1173130">
+                <a:gridCol w="1253429">
                   <a:extLst>
                     <a:ext uri="{9D8B030D-6E8A-4147-A177-3AD203B41FA5}">
                       <a16:colId xmlns:a16="http://schemas.microsoft.com/office/drawing/2014/main" val="2021208456"/>
@@ -13897,7 +13897,7 @@
                       <a:pPr algn="r"/>
                       <a:r>
                         <a:rPr lang="de-DE" sz="1050" dirty="0"/>
-                        <a:t>Eingabe</a:t>
+                        <a:t>Trainingsdaten</a:t>
                       </a:r>
                       <a:br>
                         <a:rPr lang="de-DE" sz="1050" dirty="0"/>
@@ -15174,21 +15174,21 @@
 </file>
 
 <file path=customXml/item1.xml><?xml version="1.0" encoding="utf-8"?>
+<p:properties xmlns:p="http://schemas.microsoft.com/office/2006/metadata/properties" xmlns:xsi="http://www.w3.org/2001/XMLSchema-instance">
+  <documentManagement>
+    <PublishingExpirationDate xmlns="http://schemas.microsoft.com/sharepoint/v3" xsi:nil="true"/>
+    <PublishingStartDate xmlns="http://schemas.microsoft.com/sharepoint/v3" xsi:nil="true"/>
+  </documentManagement>
+</p:properties>
+</file>
+
+<file path=customXml/item2.xml><?xml version="1.0" encoding="utf-8"?>
 <?mso-contentType ?>
 <FormTemplates xmlns="http://schemas.microsoft.com/sharepoint/v3/contenttype/forms">
   <Display>DocumentLibraryForm</Display>
   <Edit>DocumentLibraryForm</Edit>
   <New>DocumentLibraryForm</New>
 </FormTemplates>
-</file>
-
-<file path=customXml/item2.xml><?xml version="1.0" encoding="utf-8"?>
-<p:properties xmlns:p="http://schemas.microsoft.com/office/2006/metadata/properties" xmlns:xsi="http://www.w3.org/2001/XMLSchema-instance">
-  <documentManagement>
-    <PublishingExpirationDate xmlns="http://schemas.microsoft.com/sharepoint/v3" xsi:nil="true"/>
-    <PublishingStartDate xmlns="http://schemas.microsoft.com/sharepoint/v3" xsi:nil="true"/>
-  </documentManagement>
-</p:properties>
 </file>
 
 <file path=customXml/item3.xml><?xml version="1.0" encoding="utf-8"?>
@@ -15258,14 +15258,6 @@
 </file>
 
 <file path=customXml/itemProps1.xml><?xml version="1.0" encoding="utf-8"?>
-<ds:datastoreItem xmlns:ds="http://schemas.openxmlformats.org/officeDocument/2006/customXml" ds:itemID="{066CE0DF-F14B-480E-8BB2-075A909740B9}">
-  <ds:schemaRefs>
-    <ds:schemaRef ds:uri="http://schemas.microsoft.com/sharepoint/v3/contenttype/forms"/>
-  </ds:schemaRefs>
-</ds:datastoreItem>
-</file>
-
-<file path=customXml/itemProps2.xml><?xml version="1.0" encoding="utf-8"?>
 <ds:datastoreItem xmlns:ds="http://schemas.openxmlformats.org/officeDocument/2006/customXml" ds:itemID="{8D29B44A-4CF7-434C-A278-462478FDE8D7}">
   <ds:schemaRefs>
     <ds:schemaRef ds:uri="http://schemas.microsoft.com/office/2006/metadata/properties"/>
@@ -15276,6 +15268,14 @@
     <ds:schemaRef ds:uri="http://schemas.openxmlformats.org/package/2006/metadata/core-properties"/>
     <ds:schemaRef ds:uri="http://schemas.microsoft.com/sharepoint/v3"/>
     <ds:schemaRef ds:uri="http://purl.org/dc/terms/"/>
+  </ds:schemaRefs>
+</ds:datastoreItem>
+</file>
+
+<file path=customXml/itemProps2.xml><?xml version="1.0" encoding="utf-8"?>
+<ds:datastoreItem xmlns:ds="http://schemas.openxmlformats.org/officeDocument/2006/customXml" ds:itemID="{066CE0DF-F14B-480E-8BB2-075A909740B9}">
+  <ds:schemaRefs>
+    <ds:schemaRef ds:uri="http://schemas.microsoft.com/sharepoint/v3/contenttype/forms"/>
   </ds:schemaRefs>
 </ds:datastoreItem>
 </file>

--- a/Bachelor_Zwischenstand.pptx
+++ b/Bachelor_Zwischenstand.pptx
@@ -9313,14 +9313,14 @@
           <p:nvPr>
             <p:extLst>
               <p:ext uri="{D42A27DB-BD31-4B8C-83A1-F6EECF244321}">
-                <p14:modId xmlns:p14="http://schemas.microsoft.com/office/powerpoint/2010/main" val="364823906"/>
+                <p14:modId xmlns:p14="http://schemas.microsoft.com/office/powerpoint/2010/main" val="171039580"/>
               </p:ext>
             </p:extLst>
           </p:nvPr>
         </p:nvGraphicFramePr>
         <p:xfrm>
-          <a:off x="179512" y="1902653"/>
-          <a:ext cx="3528392" cy="2312493"/>
+          <a:off x="184863" y="1995075"/>
+          <a:ext cx="3528392" cy="2061033"/>
         </p:xfrm>
         <a:graphic>
           <a:graphicData uri="http://schemas.openxmlformats.org/drawingml/2006/table">
@@ -9380,10 +9380,9 @@
                     <a:p>
                       <a:pPr algn="r"/>
                       <a:r>
-                        <a:rPr lang="de-DE" sz="1050" dirty="0" err="1"/>
+                        <a:rPr lang="de-DE" sz="1050" dirty="0"/>
                         <a:t>Accuracy</a:t>
                       </a:r>
-                      <a:endParaRPr lang="de-DE" sz="1050" dirty="0"/>
                     </a:p>
                   </a:txBody>
                   <a:tcPr/>
@@ -9702,55 +9701,6 @@
                   </a:ext>
                 </a:extLst>
               </a:tr>
-              <a:tr h="243000">
-                <a:tc>
-                  <a:txBody>
-                    <a:bodyPr/>
-                    <a:lstStyle/>
-                    <a:p>
-                      <a:pPr algn="r"/>
-                      <a:r>
-                        <a:rPr lang="de-DE" sz="1050" dirty="0"/>
-                        <a:t>1000</a:t>
-                      </a:r>
-                    </a:p>
-                  </a:txBody>
-                  <a:tcPr/>
-                </a:tc>
-                <a:tc>
-                  <a:txBody>
-                    <a:bodyPr/>
-                    <a:lstStyle/>
-                    <a:p>
-                      <a:pPr algn="r"/>
-                      <a:r>
-                        <a:rPr lang="de-DE" sz="1050" dirty="0"/>
-                        <a:t>-</a:t>
-                      </a:r>
-                    </a:p>
-                  </a:txBody>
-                  <a:tcPr/>
-                </a:tc>
-                <a:tc>
-                  <a:txBody>
-                    <a:bodyPr/>
-                    <a:lstStyle/>
-                    <a:p>
-                      <a:pPr algn="r"/>
-                      <a:r>
-                        <a:rPr lang="de-DE" sz="1050" dirty="0"/>
-                        <a:t>-</a:t>
-                      </a:r>
-                    </a:p>
-                  </a:txBody>
-                  <a:tcPr/>
-                </a:tc>
-                <a:extLst>
-                  <a:ext uri="{0D108BD9-81ED-4DB2-BD59-A6C34878D82A}">
-                    <a16:rowId xmlns:a16="http://schemas.microsoft.com/office/drawing/2014/main" val="4046004130"/>
-                  </a:ext>
-                </a:extLst>
-              </a:tr>
             </a:tbl>
           </a:graphicData>
         </a:graphic>
@@ -10074,10 +10024,9 @@
                     <a:p>
                       <a:pPr algn="r"/>
                       <a:r>
-                        <a:rPr lang="de-DE" sz="1050" dirty="0" err="1"/>
+                        <a:rPr lang="de-DE" sz="1050" dirty="0"/>
                         <a:t>Accuracy</a:t>
                       </a:r>
-                      <a:endParaRPr lang="de-DE" sz="1050" dirty="0"/>
                     </a:p>
                   </a:txBody>
                   <a:tcPr/>
@@ -15174,21 +15123,21 @@
 </file>
 
 <file path=customXml/item1.xml><?xml version="1.0" encoding="utf-8"?>
+<?mso-contentType ?>
+<FormTemplates xmlns="http://schemas.microsoft.com/sharepoint/v3/contenttype/forms">
+  <Display>DocumentLibraryForm</Display>
+  <Edit>DocumentLibraryForm</Edit>
+  <New>DocumentLibraryForm</New>
+</FormTemplates>
+</file>
+
+<file path=customXml/item2.xml><?xml version="1.0" encoding="utf-8"?>
 <p:properties xmlns:p="http://schemas.microsoft.com/office/2006/metadata/properties" xmlns:xsi="http://www.w3.org/2001/XMLSchema-instance">
   <documentManagement>
     <PublishingExpirationDate xmlns="http://schemas.microsoft.com/sharepoint/v3" xsi:nil="true"/>
     <PublishingStartDate xmlns="http://schemas.microsoft.com/sharepoint/v3" xsi:nil="true"/>
   </documentManagement>
 </p:properties>
-</file>
-
-<file path=customXml/item2.xml><?xml version="1.0" encoding="utf-8"?>
-<?mso-contentType ?>
-<FormTemplates xmlns="http://schemas.microsoft.com/sharepoint/v3/contenttype/forms">
-  <Display>DocumentLibraryForm</Display>
-  <Edit>DocumentLibraryForm</Edit>
-  <New>DocumentLibraryForm</New>
-</FormTemplates>
 </file>
 
 <file path=customXml/item3.xml><?xml version="1.0" encoding="utf-8"?>
@@ -15258,6 +15207,14 @@
 </file>
 
 <file path=customXml/itemProps1.xml><?xml version="1.0" encoding="utf-8"?>
+<ds:datastoreItem xmlns:ds="http://schemas.openxmlformats.org/officeDocument/2006/customXml" ds:itemID="{066CE0DF-F14B-480E-8BB2-075A909740B9}">
+  <ds:schemaRefs>
+    <ds:schemaRef ds:uri="http://schemas.microsoft.com/sharepoint/v3/contenttype/forms"/>
+  </ds:schemaRefs>
+</ds:datastoreItem>
+</file>
+
+<file path=customXml/itemProps2.xml><?xml version="1.0" encoding="utf-8"?>
 <ds:datastoreItem xmlns:ds="http://schemas.openxmlformats.org/officeDocument/2006/customXml" ds:itemID="{8D29B44A-4CF7-434C-A278-462478FDE8D7}">
   <ds:schemaRefs>
     <ds:schemaRef ds:uri="http://schemas.microsoft.com/office/2006/metadata/properties"/>
@@ -15268,14 +15225,6 @@
     <ds:schemaRef ds:uri="http://schemas.openxmlformats.org/package/2006/metadata/core-properties"/>
     <ds:schemaRef ds:uri="http://schemas.microsoft.com/sharepoint/v3"/>
     <ds:schemaRef ds:uri="http://purl.org/dc/terms/"/>
-  </ds:schemaRefs>
-</ds:datastoreItem>
-</file>
-
-<file path=customXml/itemProps2.xml><?xml version="1.0" encoding="utf-8"?>
-<ds:datastoreItem xmlns:ds="http://schemas.openxmlformats.org/officeDocument/2006/customXml" ds:itemID="{066CE0DF-F14B-480E-8BB2-075A909740B9}">
-  <ds:schemaRefs>
-    <ds:schemaRef ds:uri="http://schemas.microsoft.com/sharepoint/v3/contenttype/forms"/>
   </ds:schemaRefs>
 </ds:datastoreItem>
 </file>
